--- a/図作成用パワーポイント/wall.pptx
+++ b/図作成用パワーポイント/wall.pptx
@@ -2,12 +2,12 @@
 <file path=ppt/presentation.xml><?xml version="1.0" encoding="utf-8"?>
 <p:presentation xmlns:a="http://schemas.openxmlformats.org/drawingml/2006/main" xmlns:r="http://schemas.openxmlformats.org/officeDocument/2006/relationships" xmlns:p="http://schemas.openxmlformats.org/presentationml/2006/main" saveSubsetFonts="1">
   <p:sldMasterIdLst>
-    <p:sldMasterId id="2147483648" r:id="rId1"/>
+    <p:sldMasterId id="2147483684" r:id="rId1"/>
   </p:sldMasterIdLst>
   <p:sldIdLst>
     <p:sldId id="256" r:id="rId2"/>
   </p:sldIdLst>
-  <p:sldSz cx="12192000" cy="6858000"/>
+  <p:sldSz cx="12192000" cy="3959225"/>
   <p:notesSz cx="6858000" cy="9144000"/>
   <p:defaultTextStyle>
     <a:defPPr>
@@ -131,7 +131,7 @@
       </p:grpSpPr>
       <p:sp>
         <p:nvSpPr>
-          <p:cNvPr id="2" name="タイトル 1"/>
+          <p:cNvPr id="2" name="Title 1"/>
           <p:cNvSpPr>
             <a:spLocks noGrp="1"/>
           </p:cNvSpPr>
@@ -141,29 +141,29 @@
         </p:nvSpPr>
         <p:spPr>
           <a:xfrm>
-            <a:off x="1524000" y="1122363"/>
-            <a:ext cx="9144000" cy="2387600"/>
+            <a:off x="1524000" y="647957"/>
+            <a:ext cx="9144000" cy="1378397"/>
           </a:xfrm>
         </p:spPr>
         <p:txBody>
           <a:bodyPr anchor="b"/>
           <a:lstStyle>
             <a:lvl1pPr algn="ctr">
-              <a:defRPr sz="6000"/>
+              <a:defRPr sz="3464"/>
             </a:lvl1pPr>
           </a:lstStyle>
           <a:p>
             <a:r>
-              <a:rPr kumimoji="1" lang="ja-JP" altLang="en-US" smtClean="0"/>
+              <a:rPr lang="ja-JP" altLang="en-US" smtClean="0"/>
               <a:t>マスター タイトルの書式設定</a:t>
             </a:r>
-            <a:endParaRPr kumimoji="1" lang="ja-JP" altLang="en-US"/>
-          </a:p>
-        </p:txBody>
-      </p:sp>
-      <p:sp>
-        <p:nvSpPr>
-          <p:cNvPr id="3" name="サブタイトル 2"/>
+            <a:endParaRPr lang="en-US" dirty="0"/>
+          </a:p>
+        </p:txBody>
+      </p:sp>
+      <p:sp>
+        <p:nvSpPr>
+          <p:cNvPr id="3" name="Subtitle 2"/>
           <p:cNvSpPr>
             <a:spLocks noGrp="1"/>
           </p:cNvSpPr>
@@ -173,8 +173,8 @@
         </p:nvSpPr>
         <p:spPr>
           <a:xfrm>
-            <a:off x="1524000" y="3602038"/>
-            <a:ext cx="9144000" cy="1655762"/>
+            <a:off x="1524000" y="2079510"/>
+            <a:ext cx="9144000" cy="955896"/>
           </a:xfrm>
         </p:spPr>
         <p:txBody>
@@ -182,53 +182,53 @@
           <a:lstStyle>
             <a:lvl1pPr marL="0" indent="0" algn="ctr">
               <a:buNone/>
-              <a:defRPr sz="2400"/>
+              <a:defRPr sz="1386"/>
             </a:lvl1pPr>
-            <a:lvl2pPr marL="457200" indent="0" algn="ctr">
+            <a:lvl2pPr marL="263942" indent="0" algn="ctr">
               <a:buNone/>
-              <a:defRPr sz="2000"/>
+              <a:defRPr sz="1155"/>
             </a:lvl2pPr>
-            <a:lvl3pPr marL="914400" indent="0" algn="ctr">
+            <a:lvl3pPr marL="527883" indent="0" algn="ctr">
               <a:buNone/>
-              <a:defRPr sz="1800"/>
+              <a:defRPr sz="1039"/>
             </a:lvl3pPr>
-            <a:lvl4pPr marL="1371600" indent="0" algn="ctr">
+            <a:lvl4pPr marL="791825" indent="0" algn="ctr">
               <a:buNone/>
-              <a:defRPr sz="1600"/>
+              <a:defRPr sz="924"/>
             </a:lvl4pPr>
-            <a:lvl5pPr marL="1828800" indent="0" algn="ctr">
+            <a:lvl5pPr marL="1055766" indent="0" algn="ctr">
               <a:buNone/>
-              <a:defRPr sz="1600"/>
+              <a:defRPr sz="924"/>
             </a:lvl5pPr>
-            <a:lvl6pPr marL="2286000" indent="0" algn="ctr">
+            <a:lvl6pPr marL="1319708" indent="0" algn="ctr">
               <a:buNone/>
-              <a:defRPr sz="1600"/>
+              <a:defRPr sz="924"/>
             </a:lvl6pPr>
-            <a:lvl7pPr marL="2743200" indent="0" algn="ctr">
+            <a:lvl7pPr marL="1583649" indent="0" algn="ctr">
               <a:buNone/>
-              <a:defRPr sz="1600"/>
+              <a:defRPr sz="924"/>
             </a:lvl7pPr>
-            <a:lvl8pPr marL="3200400" indent="0" algn="ctr">
+            <a:lvl8pPr marL="1847591" indent="0" algn="ctr">
               <a:buNone/>
-              <a:defRPr sz="1600"/>
+              <a:defRPr sz="924"/>
             </a:lvl8pPr>
-            <a:lvl9pPr marL="3657600" indent="0" algn="ctr">
+            <a:lvl9pPr marL="2111532" indent="0" algn="ctr">
               <a:buNone/>
-              <a:defRPr sz="1600"/>
+              <a:defRPr sz="924"/>
             </a:lvl9pPr>
           </a:lstStyle>
           <a:p>
             <a:r>
-              <a:rPr kumimoji="1" lang="ja-JP" altLang="en-US" smtClean="0"/>
+              <a:rPr lang="ja-JP" altLang="en-US" smtClean="0"/>
               <a:t>マスター サブタイトルの書式設定</a:t>
             </a:r>
-            <a:endParaRPr kumimoji="1" lang="ja-JP" altLang="en-US"/>
-          </a:p>
-        </p:txBody>
-      </p:sp>
-      <p:sp>
-        <p:nvSpPr>
-          <p:cNvPr id="4" name="日付プレースホルダー 3"/>
+            <a:endParaRPr lang="en-US" dirty="0"/>
+          </a:p>
+        </p:txBody>
+      </p:sp>
+      <p:sp>
+        <p:nvSpPr>
+          <p:cNvPr id="4" name="Date Placeholder 3"/>
           <p:cNvSpPr>
             <a:spLocks noGrp="1"/>
           </p:cNvSpPr>
@@ -243,7 +243,7 @@
           <a:p>
             <a:fld id="{C1075DFE-FF37-458C-BA31-8FFE9FD73297}" type="datetimeFigureOut">
               <a:rPr kumimoji="1" lang="ja-JP" altLang="en-US" smtClean="0"/>
-              <a:t>2019/2/5</a:t>
+              <a:t>2019/2/6</a:t>
             </a:fld>
             <a:endParaRPr kumimoji="1" lang="ja-JP" altLang="en-US"/>
           </a:p>
@@ -251,7 +251,7 @@
       </p:sp>
       <p:sp>
         <p:nvSpPr>
-          <p:cNvPr id="5" name="フッター プレースホルダー 4"/>
+          <p:cNvPr id="5" name="Footer Placeholder 4"/>
           <p:cNvSpPr>
             <a:spLocks noGrp="1"/>
           </p:cNvSpPr>
@@ -270,7 +270,7 @@
       </p:sp>
       <p:sp>
         <p:nvSpPr>
-          <p:cNvPr id="6" name="スライド番号プレースホルダー 5"/>
+          <p:cNvPr id="6" name="Slide Number Placeholder 5"/>
           <p:cNvSpPr>
             <a:spLocks noGrp="1"/>
           </p:cNvSpPr>
@@ -294,7 +294,7 @@
     </p:spTree>
     <p:extLst>
       <p:ext uri="{BB962C8B-B14F-4D97-AF65-F5344CB8AC3E}">
-        <p14:creationId xmlns:p14="http://schemas.microsoft.com/office/powerpoint/2010/main" val="466095285"/>
+        <p14:creationId xmlns:p14="http://schemas.microsoft.com/office/powerpoint/2010/main" val="3359112437"/>
       </p:ext>
     </p:extLst>
   </p:cSld>
@@ -323,7 +323,7 @@
       </p:grpSpPr>
       <p:sp>
         <p:nvSpPr>
-          <p:cNvPr id="2" name="タイトル 1"/>
+          <p:cNvPr id="2" name="Title 1"/>
           <p:cNvSpPr>
             <a:spLocks noGrp="1"/>
           </p:cNvSpPr>
@@ -337,16 +337,16 @@
           <a:lstStyle/>
           <a:p>
             <a:r>
-              <a:rPr kumimoji="1" lang="ja-JP" altLang="en-US" smtClean="0"/>
+              <a:rPr lang="ja-JP" altLang="en-US" smtClean="0"/>
               <a:t>マスター タイトルの書式設定</a:t>
             </a:r>
-            <a:endParaRPr kumimoji="1" lang="ja-JP" altLang="en-US"/>
-          </a:p>
-        </p:txBody>
-      </p:sp>
-      <p:sp>
-        <p:nvSpPr>
-          <p:cNvPr id="3" name="縦書きテキスト プレースホルダー 2"/>
+            <a:endParaRPr lang="en-US" dirty="0"/>
+          </a:p>
+        </p:txBody>
+      </p:sp>
+      <p:sp>
+        <p:nvSpPr>
+          <p:cNvPr id="3" name="Vertical Text Placeholder 2"/>
           <p:cNvSpPr>
             <a:spLocks noGrp="1"/>
           </p:cNvSpPr>
@@ -361,76 +361,76 @@
           <a:p>
             <a:pPr lvl="0"/>
             <a:r>
-              <a:rPr kumimoji="1" lang="ja-JP" altLang="en-US" smtClean="0"/>
+              <a:rPr lang="ja-JP" altLang="en-US" smtClean="0"/>
               <a:t>マスター テキストの書式設定</a:t>
             </a:r>
           </a:p>
           <a:p>
             <a:pPr lvl="1"/>
             <a:r>
-              <a:rPr kumimoji="1" lang="ja-JP" altLang="en-US" smtClean="0"/>
+              <a:rPr lang="ja-JP" altLang="en-US" smtClean="0"/>
               <a:t>第 </a:t>
             </a:r>
             <a:r>
-              <a:rPr kumimoji="1" lang="en-US" altLang="ja-JP" smtClean="0"/>
+              <a:rPr lang="en-US" altLang="ja-JP" smtClean="0"/>
               <a:t>2 </a:t>
             </a:r>
             <a:r>
-              <a:rPr kumimoji="1" lang="ja-JP" altLang="en-US" smtClean="0"/>
+              <a:rPr lang="ja-JP" altLang="en-US" smtClean="0"/>
               <a:t>レベル</a:t>
             </a:r>
           </a:p>
           <a:p>
             <a:pPr lvl="2"/>
             <a:r>
-              <a:rPr kumimoji="1" lang="ja-JP" altLang="en-US" smtClean="0"/>
+              <a:rPr lang="ja-JP" altLang="en-US" smtClean="0"/>
               <a:t>第 </a:t>
             </a:r>
             <a:r>
-              <a:rPr kumimoji="1" lang="en-US" altLang="ja-JP" smtClean="0"/>
+              <a:rPr lang="en-US" altLang="ja-JP" smtClean="0"/>
               <a:t>3 </a:t>
             </a:r>
             <a:r>
-              <a:rPr kumimoji="1" lang="ja-JP" altLang="en-US" smtClean="0"/>
+              <a:rPr lang="ja-JP" altLang="en-US" smtClean="0"/>
               <a:t>レベル</a:t>
             </a:r>
           </a:p>
           <a:p>
             <a:pPr lvl="3"/>
             <a:r>
-              <a:rPr kumimoji="1" lang="ja-JP" altLang="en-US" smtClean="0"/>
+              <a:rPr lang="ja-JP" altLang="en-US" smtClean="0"/>
               <a:t>第 </a:t>
             </a:r>
             <a:r>
-              <a:rPr kumimoji="1" lang="en-US" altLang="ja-JP" smtClean="0"/>
+              <a:rPr lang="en-US" altLang="ja-JP" smtClean="0"/>
               <a:t>4 </a:t>
             </a:r>
             <a:r>
-              <a:rPr kumimoji="1" lang="ja-JP" altLang="en-US" smtClean="0"/>
+              <a:rPr lang="ja-JP" altLang="en-US" smtClean="0"/>
               <a:t>レベル</a:t>
             </a:r>
           </a:p>
           <a:p>
             <a:pPr lvl="4"/>
             <a:r>
-              <a:rPr kumimoji="1" lang="ja-JP" altLang="en-US" smtClean="0"/>
+              <a:rPr lang="ja-JP" altLang="en-US" smtClean="0"/>
               <a:t>第 </a:t>
             </a:r>
             <a:r>
-              <a:rPr kumimoji="1" lang="en-US" altLang="ja-JP" smtClean="0"/>
+              <a:rPr lang="en-US" altLang="ja-JP" smtClean="0"/>
               <a:t>5 </a:t>
             </a:r>
             <a:r>
-              <a:rPr kumimoji="1" lang="ja-JP" altLang="en-US" smtClean="0"/>
+              <a:rPr lang="ja-JP" altLang="en-US" smtClean="0"/>
               <a:t>レベル</a:t>
             </a:r>
-            <a:endParaRPr kumimoji="1" lang="ja-JP" altLang="en-US"/>
-          </a:p>
-        </p:txBody>
-      </p:sp>
-      <p:sp>
-        <p:nvSpPr>
-          <p:cNvPr id="4" name="日付プレースホルダー 3"/>
+            <a:endParaRPr lang="en-US" dirty="0"/>
+          </a:p>
+        </p:txBody>
+      </p:sp>
+      <p:sp>
+        <p:nvSpPr>
+          <p:cNvPr id="4" name="Date Placeholder 3"/>
           <p:cNvSpPr>
             <a:spLocks noGrp="1"/>
           </p:cNvSpPr>
@@ -445,7 +445,7 @@
           <a:p>
             <a:fld id="{C1075DFE-FF37-458C-BA31-8FFE9FD73297}" type="datetimeFigureOut">
               <a:rPr kumimoji="1" lang="ja-JP" altLang="en-US" smtClean="0"/>
-              <a:t>2019/2/5</a:t>
+              <a:t>2019/2/6</a:t>
             </a:fld>
             <a:endParaRPr kumimoji="1" lang="ja-JP" altLang="en-US"/>
           </a:p>
@@ -453,7 +453,7 @@
       </p:sp>
       <p:sp>
         <p:nvSpPr>
-          <p:cNvPr id="5" name="フッター プレースホルダー 4"/>
+          <p:cNvPr id="5" name="Footer Placeholder 4"/>
           <p:cNvSpPr>
             <a:spLocks noGrp="1"/>
           </p:cNvSpPr>
@@ -472,7 +472,7 @@
       </p:sp>
       <p:sp>
         <p:nvSpPr>
-          <p:cNvPr id="6" name="スライド番号プレースホルダー 5"/>
+          <p:cNvPr id="6" name="Slide Number Placeholder 5"/>
           <p:cNvSpPr>
             <a:spLocks noGrp="1"/>
           </p:cNvSpPr>
@@ -496,7 +496,7 @@
     </p:spTree>
     <p:extLst>
       <p:ext uri="{BB962C8B-B14F-4D97-AF65-F5344CB8AC3E}">
-        <p14:creationId xmlns:p14="http://schemas.microsoft.com/office/powerpoint/2010/main" val="3697723381"/>
+        <p14:creationId xmlns:p14="http://schemas.microsoft.com/office/powerpoint/2010/main" val="1510019570"/>
       </p:ext>
     </p:extLst>
   </p:cSld>
@@ -525,7 +525,7 @@
       </p:grpSpPr>
       <p:sp>
         <p:nvSpPr>
-          <p:cNvPr id="2" name="縦書きタイトル 1"/>
+          <p:cNvPr id="2" name="Vertical Title 1"/>
           <p:cNvSpPr>
             <a:spLocks noGrp="1"/>
           </p:cNvSpPr>
@@ -535,8 +535,8 @@
         </p:nvSpPr>
         <p:spPr>
           <a:xfrm>
-            <a:off x="8724900" y="365125"/>
-            <a:ext cx="2628900" cy="5811838"/>
+            <a:off x="8724900" y="210792"/>
+            <a:ext cx="2628900" cy="3355260"/>
           </a:xfrm>
         </p:spPr>
         <p:txBody>
@@ -544,16 +544,16 @@
           <a:lstStyle/>
           <a:p>
             <a:r>
-              <a:rPr kumimoji="1" lang="ja-JP" altLang="en-US" smtClean="0"/>
+              <a:rPr lang="ja-JP" altLang="en-US" smtClean="0"/>
               <a:t>マスター タイトルの書式設定</a:t>
             </a:r>
-            <a:endParaRPr kumimoji="1" lang="ja-JP" altLang="en-US"/>
-          </a:p>
-        </p:txBody>
-      </p:sp>
-      <p:sp>
-        <p:nvSpPr>
-          <p:cNvPr id="3" name="縦書きテキスト プレースホルダー 2"/>
+            <a:endParaRPr lang="en-US" dirty="0"/>
+          </a:p>
+        </p:txBody>
+      </p:sp>
+      <p:sp>
+        <p:nvSpPr>
+          <p:cNvPr id="3" name="Vertical Text Placeholder 2"/>
           <p:cNvSpPr>
             <a:spLocks noGrp="1"/>
           </p:cNvSpPr>
@@ -563,8 +563,8 @@
         </p:nvSpPr>
         <p:spPr>
           <a:xfrm>
-            <a:off x="838200" y="365125"/>
-            <a:ext cx="7734300" cy="5811838"/>
+            <a:off x="838200" y="210792"/>
+            <a:ext cx="7734300" cy="3355260"/>
           </a:xfrm>
         </p:spPr>
         <p:txBody>
@@ -573,76 +573,76 @@
           <a:p>
             <a:pPr lvl="0"/>
             <a:r>
-              <a:rPr kumimoji="1" lang="ja-JP" altLang="en-US" smtClean="0"/>
+              <a:rPr lang="ja-JP" altLang="en-US" smtClean="0"/>
               <a:t>マスター テキストの書式設定</a:t>
             </a:r>
           </a:p>
           <a:p>
             <a:pPr lvl="1"/>
             <a:r>
-              <a:rPr kumimoji="1" lang="ja-JP" altLang="en-US" smtClean="0"/>
+              <a:rPr lang="ja-JP" altLang="en-US" smtClean="0"/>
               <a:t>第 </a:t>
             </a:r>
             <a:r>
-              <a:rPr kumimoji="1" lang="en-US" altLang="ja-JP" smtClean="0"/>
+              <a:rPr lang="en-US" altLang="ja-JP" smtClean="0"/>
               <a:t>2 </a:t>
             </a:r>
             <a:r>
-              <a:rPr kumimoji="1" lang="ja-JP" altLang="en-US" smtClean="0"/>
+              <a:rPr lang="ja-JP" altLang="en-US" smtClean="0"/>
               <a:t>レベル</a:t>
             </a:r>
           </a:p>
           <a:p>
             <a:pPr lvl="2"/>
             <a:r>
-              <a:rPr kumimoji="1" lang="ja-JP" altLang="en-US" smtClean="0"/>
+              <a:rPr lang="ja-JP" altLang="en-US" smtClean="0"/>
               <a:t>第 </a:t>
             </a:r>
             <a:r>
-              <a:rPr kumimoji="1" lang="en-US" altLang="ja-JP" smtClean="0"/>
+              <a:rPr lang="en-US" altLang="ja-JP" smtClean="0"/>
               <a:t>3 </a:t>
             </a:r>
             <a:r>
-              <a:rPr kumimoji="1" lang="ja-JP" altLang="en-US" smtClean="0"/>
+              <a:rPr lang="ja-JP" altLang="en-US" smtClean="0"/>
               <a:t>レベル</a:t>
             </a:r>
           </a:p>
           <a:p>
             <a:pPr lvl="3"/>
             <a:r>
-              <a:rPr kumimoji="1" lang="ja-JP" altLang="en-US" smtClean="0"/>
+              <a:rPr lang="ja-JP" altLang="en-US" smtClean="0"/>
               <a:t>第 </a:t>
             </a:r>
             <a:r>
-              <a:rPr kumimoji="1" lang="en-US" altLang="ja-JP" smtClean="0"/>
+              <a:rPr lang="en-US" altLang="ja-JP" smtClean="0"/>
               <a:t>4 </a:t>
             </a:r>
             <a:r>
-              <a:rPr kumimoji="1" lang="ja-JP" altLang="en-US" smtClean="0"/>
+              <a:rPr lang="ja-JP" altLang="en-US" smtClean="0"/>
               <a:t>レベル</a:t>
             </a:r>
           </a:p>
           <a:p>
             <a:pPr lvl="4"/>
             <a:r>
-              <a:rPr kumimoji="1" lang="ja-JP" altLang="en-US" smtClean="0"/>
+              <a:rPr lang="ja-JP" altLang="en-US" smtClean="0"/>
               <a:t>第 </a:t>
             </a:r>
             <a:r>
-              <a:rPr kumimoji="1" lang="en-US" altLang="ja-JP" smtClean="0"/>
+              <a:rPr lang="en-US" altLang="ja-JP" smtClean="0"/>
               <a:t>5 </a:t>
             </a:r>
             <a:r>
-              <a:rPr kumimoji="1" lang="ja-JP" altLang="en-US" smtClean="0"/>
+              <a:rPr lang="ja-JP" altLang="en-US" smtClean="0"/>
               <a:t>レベル</a:t>
             </a:r>
-            <a:endParaRPr kumimoji="1" lang="ja-JP" altLang="en-US"/>
-          </a:p>
-        </p:txBody>
-      </p:sp>
-      <p:sp>
-        <p:nvSpPr>
-          <p:cNvPr id="4" name="日付プレースホルダー 3"/>
+            <a:endParaRPr lang="en-US" dirty="0"/>
+          </a:p>
+        </p:txBody>
+      </p:sp>
+      <p:sp>
+        <p:nvSpPr>
+          <p:cNvPr id="4" name="Date Placeholder 3"/>
           <p:cNvSpPr>
             <a:spLocks noGrp="1"/>
           </p:cNvSpPr>
@@ -657,7 +657,7 @@
           <a:p>
             <a:fld id="{C1075DFE-FF37-458C-BA31-8FFE9FD73297}" type="datetimeFigureOut">
               <a:rPr kumimoji="1" lang="ja-JP" altLang="en-US" smtClean="0"/>
-              <a:t>2019/2/5</a:t>
+              <a:t>2019/2/6</a:t>
             </a:fld>
             <a:endParaRPr kumimoji="1" lang="ja-JP" altLang="en-US"/>
           </a:p>
@@ -665,7 +665,7 @@
       </p:sp>
       <p:sp>
         <p:nvSpPr>
-          <p:cNvPr id="5" name="フッター プレースホルダー 4"/>
+          <p:cNvPr id="5" name="Footer Placeholder 4"/>
           <p:cNvSpPr>
             <a:spLocks noGrp="1"/>
           </p:cNvSpPr>
@@ -684,7 +684,7 @@
       </p:sp>
       <p:sp>
         <p:nvSpPr>
-          <p:cNvPr id="6" name="スライド番号プレースホルダー 5"/>
+          <p:cNvPr id="6" name="Slide Number Placeholder 5"/>
           <p:cNvSpPr>
             <a:spLocks noGrp="1"/>
           </p:cNvSpPr>
@@ -708,7 +708,7 @@
     </p:spTree>
     <p:extLst>
       <p:ext uri="{BB962C8B-B14F-4D97-AF65-F5344CB8AC3E}">
-        <p14:creationId xmlns:p14="http://schemas.microsoft.com/office/powerpoint/2010/main" val="326538219"/>
+        <p14:creationId xmlns:p14="http://schemas.microsoft.com/office/powerpoint/2010/main" val="3928530466"/>
       </p:ext>
     </p:extLst>
   </p:cSld>
@@ -737,7 +737,7 @@
       </p:grpSpPr>
       <p:sp>
         <p:nvSpPr>
-          <p:cNvPr id="2" name="タイトル 1"/>
+          <p:cNvPr id="2" name="Title 1"/>
           <p:cNvSpPr>
             <a:spLocks noGrp="1"/>
           </p:cNvSpPr>
@@ -751,16 +751,16 @@
           <a:lstStyle/>
           <a:p>
             <a:r>
-              <a:rPr kumimoji="1" lang="ja-JP" altLang="en-US" smtClean="0"/>
+              <a:rPr lang="ja-JP" altLang="en-US" smtClean="0"/>
               <a:t>マスター タイトルの書式設定</a:t>
             </a:r>
-            <a:endParaRPr kumimoji="1" lang="ja-JP" altLang="en-US"/>
-          </a:p>
-        </p:txBody>
-      </p:sp>
-      <p:sp>
-        <p:nvSpPr>
-          <p:cNvPr id="3" name="コンテンツ プレースホルダー 2"/>
+            <a:endParaRPr lang="en-US" dirty="0"/>
+          </a:p>
+        </p:txBody>
+      </p:sp>
+      <p:sp>
+        <p:nvSpPr>
+          <p:cNvPr id="3" name="Content Placeholder 2"/>
           <p:cNvSpPr>
             <a:spLocks noGrp="1"/>
           </p:cNvSpPr>
@@ -775,76 +775,76 @@
           <a:p>
             <a:pPr lvl="0"/>
             <a:r>
-              <a:rPr kumimoji="1" lang="ja-JP" altLang="en-US" smtClean="0"/>
+              <a:rPr lang="ja-JP" altLang="en-US" smtClean="0"/>
               <a:t>マスター テキストの書式設定</a:t>
             </a:r>
           </a:p>
           <a:p>
             <a:pPr lvl="1"/>
             <a:r>
-              <a:rPr kumimoji="1" lang="ja-JP" altLang="en-US" smtClean="0"/>
+              <a:rPr lang="ja-JP" altLang="en-US" smtClean="0"/>
               <a:t>第 </a:t>
             </a:r>
             <a:r>
-              <a:rPr kumimoji="1" lang="en-US" altLang="ja-JP" smtClean="0"/>
+              <a:rPr lang="en-US" altLang="ja-JP" smtClean="0"/>
               <a:t>2 </a:t>
             </a:r>
             <a:r>
-              <a:rPr kumimoji="1" lang="ja-JP" altLang="en-US" smtClean="0"/>
+              <a:rPr lang="ja-JP" altLang="en-US" smtClean="0"/>
               <a:t>レベル</a:t>
             </a:r>
           </a:p>
           <a:p>
             <a:pPr lvl="2"/>
             <a:r>
-              <a:rPr kumimoji="1" lang="ja-JP" altLang="en-US" smtClean="0"/>
+              <a:rPr lang="ja-JP" altLang="en-US" smtClean="0"/>
               <a:t>第 </a:t>
             </a:r>
             <a:r>
-              <a:rPr kumimoji="1" lang="en-US" altLang="ja-JP" smtClean="0"/>
+              <a:rPr lang="en-US" altLang="ja-JP" smtClean="0"/>
               <a:t>3 </a:t>
             </a:r>
             <a:r>
-              <a:rPr kumimoji="1" lang="ja-JP" altLang="en-US" smtClean="0"/>
+              <a:rPr lang="ja-JP" altLang="en-US" smtClean="0"/>
               <a:t>レベル</a:t>
             </a:r>
           </a:p>
           <a:p>
             <a:pPr lvl="3"/>
             <a:r>
-              <a:rPr kumimoji="1" lang="ja-JP" altLang="en-US" smtClean="0"/>
+              <a:rPr lang="ja-JP" altLang="en-US" smtClean="0"/>
               <a:t>第 </a:t>
             </a:r>
             <a:r>
-              <a:rPr kumimoji="1" lang="en-US" altLang="ja-JP" smtClean="0"/>
+              <a:rPr lang="en-US" altLang="ja-JP" smtClean="0"/>
               <a:t>4 </a:t>
             </a:r>
             <a:r>
-              <a:rPr kumimoji="1" lang="ja-JP" altLang="en-US" smtClean="0"/>
+              <a:rPr lang="ja-JP" altLang="en-US" smtClean="0"/>
               <a:t>レベル</a:t>
             </a:r>
           </a:p>
           <a:p>
             <a:pPr lvl="4"/>
             <a:r>
-              <a:rPr kumimoji="1" lang="ja-JP" altLang="en-US" smtClean="0"/>
+              <a:rPr lang="ja-JP" altLang="en-US" smtClean="0"/>
               <a:t>第 </a:t>
             </a:r>
             <a:r>
-              <a:rPr kumimoji="1" lang="en-US" altLang="ja-JP" smtClean="0"/>
+              <a:rPr lang="en-US" altLang="ja-JP" smtClean="0"/>
               <a:t>5 </a:t>
             </a:r>
             <a:r>
-              <a:rPr kumimoji="1" lang="ja-JP" altLang="en-US" smtClean="0"/>
+              <a:rPr lang="ja-JP" altLang="en-US" smtClean="0"/>
               <a:t>レベル</a:t>
             </a:r>
-            <a:endParaRPr kumimoji="1" lang="ja-JP" altLang="en-US"/>
-          </a:p>
-        </p:txBody>
-      </p:sp>
-      <p:sp>
-        <p:nvSpPr>
-          <p:cNvPr id="4" name="日付プレースホルダー 3"/>
+            <a:endParaRPr lang="en-US" dirty="0"/>
+          </a:p>
+        </p:txBody>
+      </p:sp>
+      <p:sp>
+        <p:nvSpPr>
+          <p:cNvPr id="4" name="Date Placeholder 3"/>
           <p:cNvSpPr>
             <a:spLocks noGrp="1"/>
           </p:cNvSpPr>
@@ -859,7 +859,7 @@
           <a:p>
             <a:fld id="{C1075DFE-FF37-458C-BA31-8FFE9FD73297}" type="datetimeFigureOut">
               <a:rPr kumimoji="1" lang="ja-JP" altLang="en-US" smtClean="0"/>
-              <a:t>2019/2/5</a:t>
+              <a:t>2019/2/6</a:t>
             </a:fld>
             <a:endParaRPr kumimoji="1" lang="ja-JP" altLang="en-US"/>
           </a:p>
@@ -867,7 +867,7 @@
       </p:sp>
       <p:sp>
         <p:nvSpPr>
-          <p:cNvPr id="5" name="フッター プレースホルダー 4"/>
+          <p:cNvPr id="5" name="Footer Placeholder 4"/>
           <p:cNvSpPr>
             <a:spLocks noGrp="1"/>
           </p:cNvSpPr>
@@ -886,7 +886,7 @@
       </p:sp>
       <p:sp>
         <p:nvSpPr>
-          <p:cNvPr id="6" name="スライド番号プレースホルダー 5"/>
+          <p:cNvPr id="6" name="Slide Number Placeholder 5"/>
           <p:cNvSpPr>
             <a:spLocks noGrp="1"/>
           </p:cNvSpPr>
@@ -910,7 +910,7 @@
     </p:spTree>
     <p:extLst>
       <p:ext uri="{BB962C8B-B14F-4D97-AF65-F5344CB8AC3E}">
-        <p14:creationId xmlns:p14="http://schemas.microsoft.com/office/powerpoint/2010/main" val="3065617687"/>
+        <p14:creationId xmlns:p14="http://schemas.microsoft.com/office/powerpoint/2010/main" val="3481342039"/>
       </p:ext>
     </p:extLst>
   </p:cSld>
@@ -939,7 +939,7 @@
       </p:grpSpPr>
       <p:sp>
         <p:nvSpPr>
-          <p:cNvPr id="2" name="タイトル 1"/>
+          <p:cNvPr id="2" name="Title 1"/>
           <p:cNvSpPr>
             <a:spLocks noGrp="1"/>
           </p:cNvSpPr>
@@ -949,29 +949,29 @@
         </p:nvSpPr>
         <p:spPr>
           <a:xfrm>
-            <a:off x="831850" y="1709738"/>
-            <a:ext cx="10515600" cy="2852737"/>
+            <a:off x="831850" y="987058"/>
+            <a:ext cx="10515600" cy="1646927"/>
           </a:xfrm>
         </p:spPr>
         <p:txBody>
           <a:bodyPr anchor="b"/>
           <a:lstStyle>
             <a:lvl1pPr>
-              <a:defRPr sz="6000"/>
+              <a:defRPr sz="3464"/>
             </a:lvl1pPr>
           </a:lstStyle>
           <a:p>
             <a:r>
-              <a:rPr kumimoji="1" lang="ja-JP" altLang="en-US" smtClean="0"/>
+              <a:rPr lang="ja-JP" altLang="en-US" smtClean="0"/>
               <a:t>マスター タイトルの書式設定</a:t>
             </a:r>
-            <a:endParaRPr kumimoji="1" lang="ja-JP" altLang="en-US"/>
-          </a:p>
-        </p:txBody>
-      </p:sp>
-      <p:sp>
-        <p:nvSpPr>
-          <p:cNvPr id="3" name="テキスト プレースホルダー 2"/>
+            <a:endParaRPr lang="en-US" dirty="0"/>
+          </a:p>
+        </p:txBody>
+      </p:sp>
+      <p:sp>
+        <p:nvSpPr>
+          <p:cNvPr id="3" name="Text Placeholder 2"/>
           <p:cNvSpPr>
             <a:spLocks noGrp="1"/>
           </p:cNvSpPr>
@@ -981,8 +981,8 @@
         </p:nvSpPr>
         <p:spPr>
           <a:xfrm>
-            <a:off x="831850" y="4589463"/>
-            <a:ext cx="10515600" cy="1500187"/>
+            <a:off x="831850" y="2649565"/>
+            <a:ext cx="10515600" cy="866080"/>
           </a:xfrm>
         </p:spPr>
         <p:txBody>
@@ -990,7 +990,7 @@
           <a:lstStyle>
             <a:lvl1pPr marL="0" indent="0">
               <a:buNone/>
-              <a:defRPr sz="2400">
+              <a:defRPr sz="1386">
                 <a:solidFill>
                   <a:schemeClr val="tx1">
                     <a:tint val="75000"/>
@@ -998,9 +998,9 @@
                 </a:solidFill>
               </a:defRPr>
             </a:lvl1pPr>
-            <a:lvl2pPr marL="457200" indent="0">
+            <a:lvl2pPr marL="263942" indent="0">
               <a:buNone/>
-              <a:defRPr sz="2000">
+              <a:defRPr sz="1155">
                 <a:solidFill>
                   <a:schemeClr val="tx1">
                     <a:tint val="75000"/>
@@ -1008,9 +1008,9 @@
                 </a:solidFill>
               </a:defRPr>
             </a:lvl2pPr>
-            <a:lvl3pPr marL="914400" indent="0">
+            <a:lvl3pPr marL="527883" indent="0">
               <a:buNone/>
-              <a:defRPr sz="1800">
+              <a:defRPr sz="1039">
                 <a:solidFill>
                   <a:schemeClr val="tx1">
                     <a:tint val="75000"/>
@@ -1018,9 +1018,9 @@
                 </a:solidFill>
               </a:defRPr>
             </a:lvl3pPr>
-            <a:lvl4pPr marL="1371600" indent="0">
+            <a:lvl4pPr marL="791825" indent="0">
               <a:buNone/>
-              <a:defRPr sz="1600">
+              <a:defRPr sz="924">
                 <a:solidFill>
                   <a:schemeClr val="tx1">
                     <a:tint val="75000"/>
@@ -1028,9 +1028,9 @@
                 </a:solidFill>
               </a:defRPr>
             </a:lvl4pPr>
-            <a:lvl5pPr marL="1828800" indent="0">
+            <a:lvl5pPr marL="1055766" indent="0">
               <a:buNone/>
-              <a:defRPr sz="1600">
+              <a:defRPr sz="924">
                 <a:solidFill>
                   <a:schemeClr val="tx1">
                     <a:tint val="75000"/>
@@ -1038,9 +1038,9 @@
                 </a:solidFill>
               </a:defRPr>
             </a:lvl5pPr>
-            <a:lvl6pPr marL="2286000" indent="0">
+            <a:lvl6pPr marL="1319708" indent="0">
               <a:buNone/>
-              <a:defRPr sz="1600">
+              <a:defRPr sz="924">
                 <a:solidFill>
                   <a:schemeClr val="tx1">
                     <a:tint val="75000"/>
@@ -1048,9 +1048,9 @@
                 </a:solidFill>
               </a:defRPr>
             </a:lvl6pPr>
-            <a:lvl7pPr marL="2743200" indent="0">
+            <a:lvl7pPr marL="1583649" indent="0">
               <a:buNone/>
-              <a:defRPr sz="1600">
+              <a:defRPr sz="924">
                 <a:solidFill>
                   <a:schemeClr val="tx1">
                     <a:tint val="75000"/>
@@ -1058,9 +1058,9 @@
                 </a:solidFill>
               </a:defRPr>
             </a:lvl7pPr>
-            <a:lvl8pPr marL="3200400" indent="0">
+            <a:lvl8pPr marL="1847591" indent="0">
               <a:buNone/>
-              <a:defRPr sz="1600">
+              <a:defRPr sz="924">
                 <a:solidFill>
                   <a:schemeClr val="tx1">
                     <a:tint val="75000"/>
@@ -1068,9 +1068,9 @@
                 </a:solidFill>
               </a:defRPr>
             </a:lvl8pPr>
-            <a:lvl9pPr marL="3657600" indent="0">
+            <a:lvl9pPr marL="2111532" indent="0">
               <a:buNone/>
-              <a:defRPr sz="1600">
+              <a:defRPr sz="924">
                 <a:solidFill>
                   <a:schemeClr val="tx1">
                     <a:tint val="75000"/>
@@ -1082,7 +1082,7 @@
           <a:p>
             <a:pPr lvl="0"/>
             <a:r>
-              <a:rPr kumimoji="1" lang="ja-JP" altLang="en-US" smtClean="0"/>
+              <a:rPr lang="ja-JP" altLang="en-US" smtClean="0"/>
               <a:t>マスター テキストの書式設定</a:t>
             </a:r>
           </a:p>
@@ -1090,7 +1090,7 @@
       </p:sp>
       <p:sp>
         <p:nvSpPr>
-          <p:cNvPr id="4" name="日付プレースホルダー 3"/>
+          <p:cNvPr id="4" name="Date Placeholder 3"/>
           <p:cNvSpPr>
             <a:spLocks noGrp="1"/>
           </p:cNvSpPr>
@@ -1105,7 +1105,7 @@
           <a:p>
             <a:fld id="{C1075DFE-FF37-458C-BA31-8FFE9FD73297}" type="datetimeFigureOut">
               <a:rPr kumimoji="1" lang="ja-JP" altLang="en-US" smtClean="0"/>
-              <a:t>2019/2/5</a:t>
+              <a:t>2019/2/6</a:t>
             </a:fld>
             <a:endParaRPr kumimoji="1" lang="ja-JP" altLang="en-US"/>
           </a:p>
@@ -1113,7 +1113,7 @@
       </p:sp>
       <p:sp>
         <p:nvSpPr>
-          <p:cNvPr id="5" name="フッター プレースホルダー 4"/>
+          <p:cNvPr id="5" name="Footer Placeholder 4"/>
           <p:cNvSpPr>
             <a:spLocks noGrp="1"/>
           </p:cNvSpPr>
@@ -1132,7 +1132,7 @@
       </p:sp>
       <p:sp>
         <p:nvSpPr>
-          <p:cNvPr id="6" name="スライド番号プレースホルダー 5"/>
+          <p:cNvPr id="6" name="Slide Number Placeholder 5"/>
           <p:cNvSpPr>
             <a:spLocks noGrp="1"/>
           </p:cNvSpPr>
@@ -1156,7 +1156,7 @@
     </p:spTree>
     <p:extLst>
       <p:ext uri="{BB962C8B-B14F-4D97-AF65-F5344CB8AC3E}">
-        <p14:creationId xmlns:p14="http://schemas.microsoft.com/office/powerpoint/2010/main" val="3761034394"/>
+        <p14:creationId xmlns:p14="http://schemas.microsoft.com/office/powerpoint/2010/main" val="1892144960"/>
       </p:ext>
     </p:extLst>
   </p:cSld>
@@ -1185,7 +1185,7 @@
       </p:grpSpPr>
       <p:sp>
         <p:nvSpPr>
-          <p:cNvPr id="2" name="タイトル 1"/>
+          <p:cNvPr id="2" name="Title 1"/>
           <p:cNvSpPr>
             <a:spLocks noGrp="1"/>
           </p:cNvSpPr>
@@ -1199,16 +1199,16 @@
           <a:lstStyle/>
           <a:p>
             <a:r>
-              <a:rPr kumimoji="1" lang="ja-JP" altLang="en-US" smtClean="0"/>
+              <a:rPr lang="ja-JP" altLang="en-US" smtClean="0"/>
               <a:t>マスター タイトルの書式設定</a:t>
             </a:r>
-            <a:endParaRPr kumimoji="1" lang="ja-JP" altLang="en-US"/>
-          </a:p>
-        </p:txBody>
-      </p:sp>
-      <p:sp>
-        <p:nvSpPr>
-          <p:cNvPr id="3" name="コンテンツ プレースホルダー 2"/>
+            <a:endParaRPr lang="en-US" dirty="0"/>
+          </a:p>
+        </p:txBody>
+      </p:sp>
+      <p:sp>
+        <p:nvSpPr>
+          <p:cNvPr id="3" name="Content Placeholder 2"/>
           <p:cNvSpPr>
             <a:spLocks noGrp="1"/>
           </p:cNvSpPr>
@@ -1218,8 +1218,8 @@
         </p:nvSpPr>
         <p:spPr>
           <a:xfrm>
-            <a:off x="838200" y="1825625"/>
-            <a:ext cx="5181600" cy="4351338"/>
+            <a:off x="838200" y="1053960"/>
+            <a:ext cx="5181600" cy="2512092"/>
           </a:xfrm>
         </p:spPr>
         <p:txBody>
@@ -1228,76 +1228,76 @@
           <a:p>
             <a:pPr lvl="0"/>
             <a:r>
-              <a:rPr kumimoji="1" lang="ja-JP" altLang="en-US" smtClean="0"/>
+              <a:rPr lang="ja-JP" altLang="en-US" smtClean="0"/>
               <a:t>マスター テキストの書式設定</a:t>
             </a:r>
           </a:p>
           <a:p>
             <a:pPr lvl="1"/>
             <a:r>
-              <a:rPr kumimoji="1" lang="ja-JP" altLang="en-US" smtClean="0"/>
+              <a:rPr lang="ja-JP" altLang="en-US" smtClean="0"/>
               <a:t>第 </a:t>
             </a:r>
             <a:r>
-              <a:rPr kumimoji="1" lang="en-US" altLang="ja-JP" smtClean="0"/>
+              <a:rPr lang="en-US" altLang="ja-JP" smtClean="0"/>
               <a:t>2 </a:t>
             </a:r>
             <a:r>
-              <a:rPr kumimoji="1" lang="ja-JP" altLang="en-US" smtClean="0"/>
+              <a:rPr lang="ja-JP" altLang="en-US" smtClean="0"/>
               <a:t>レベル</a:t>
             </a:r>
           </a:p>
           <a:p>
             <a:pPr lvl="2"/>
             <a:r>
-              <a:rPr kumimoji="1" lang="ja-JP" altLang="en-US" smtClean="0"/>
+              <a:rPr lang="ja-JP" altLang="en-US" smtClean="0"/>
               <a:t>第 </a:t>
             </a:r>
             <a:r>
-              <a:rPr kumimoji="1" lang="en-US" altLang="ja-JP" smtClean="0"/>
+              <a:rPr lang="en-US" altLang="ja-JP" smtClean="0"/>
               <a:t>3 </a:t>
             </a:r>
             <a:r>
-              <a:rPr kumimoji="1" lang="ja-JP" altLang="en-US" smtClean="0"/>
+              <a:rPr lang="ja-JP" altLang="en-US" smtClean="0"/>
               <a:t>レベル</a:t>
             </a:r>
           </a:p>
           <a:p>
             <a:pPr lvl="3"/>
             <a:r>
-              <a:rPr kumimoji="1" lang="ja-JP" altLang="en-US" smtClean="0"/>
+              <a:rPr lang="ja-JP" altLang="en-US" smtClean="0"/>
               <a:t>第 </a:t>
             </a:r>
             <a:r>
-              <a:rPr kumimoji="1" lang="en-US" altLang="ja-JP" smtClean="0"/>
+              <a:rPr lang="en-US" altLang="ja-JP" smtClean="0"/>
               <a:t>4 </a:t>
             </a:r>
             <a:r>
-              <a:rPr kumimoji="1" lang="ja-JP" altLang="en-US" smtClean="0"/>
+              <a:rPr lang="ja-JP" altLang="en-US" smtClean="0"/>
               <a:t>レベル</a:t>
             </a:r>
           </a:p>
           <a:p>
             <a:pPr lvl="4"/>
             <a:r>
-              <a:rPr kumimoji="1" lang="ja-JP" altLang="en-US" smtClean="0"/>
+              <a:rPr lang="ja-JP" altLang="en-US" smtClean="0"/>
               <a:t>第 </a:t>
             </a:r>
             <a:r>
-              <a:rPr kumimoji="1" lang="en-US" altLang="ja-JP" smtClean="0"/>
+              <a:rPr lang="en-US" altLang="ja-JP" smtClean="0"/>
               <a:t>5 </a:t>
             </a:r>
             <a:r>
-              <a:rPr kumimoji="1" lang="ja-JP" altLang="en-US" smtClean="0"/>
+              <a:rPr lang="ja-JP" altLang="en-US" smtClean="0"/>
               <a:t>レベル</a:t>
             </a:r>
-            <a:endParaRPr kumimoji="1" lang="ja-JP" altLang="en-US"/>
-          </a:p>
-        </p:txBody>
-      </p:sp>
-      <p:sp>
-        <p:nvSpPr>
-          <p:cNvPr id="4" name="コンテンツ プレースホルダー 3"/>
+            <a:endParaRPr lang="en-US" dirty="0"/>
+          </a:p>
+        </p:txBody>
+      </p:sp>
+      <p:sp>
+        <p:nvSpPr>
+          <p:cNvPr id="4" name="Content Placeholder 3"/>
           <p:cNvSpPr>
             <a:spLocks noGrp="1"/>
           </p:cNvSpPr>
@@ -1307,8 +1307,8 @@
         </p:nvSpPr>
         <p:spPr>
           <a:xfrm>
-            <a:off x="6172200" y="1825625"/>
-            <a:ext cx="5181600" cy="4351338"/>
+            <a:off x="6172200" y="1053960"/>
+            <a:ext cx="5181600" cy="2512092"/>
           </a:xfrm>
         </p:spPr>
         <p:txBody>
@@ -1317,76 +1317,76 @@
           <a:p>
             <a:pPr lvl="0"/>
             <a:r>
-              <a:rPr kumimoji="1" lang="ja-JP" altLang="en-US" smtClean="0"/>
+              <a:rPr lang="ja-JP" altLang="en-US" smtClean="0"/>
               <a:t>マスター テキストの書式設定</a:t>
             </a:r>
           </a:p>
           <a:p>
             <a:pPr lvl="1"/>
             <a:r>
-              <a:rPr kumimoji="1" lang="ja-JP" altLang="en-US" smtClean="0"/>
+              <a:rPr lang="ja-JP" altLang="en-US" smtClean="0"/>
               <a:t>第 </a:t>
             </a:r>
             <a:r>
-              <a:rPr kumimoji="1" lang="en-US" altLang="ja-JP" smtClean="0"/>
+              <a:rPr lang="en-US" altLang="ja-JP" smtClean="0"/>
               <a:t>2 </a:t>
             </a:r>
             <a:r>
-              <a:rPr kumimoji="1" lang="ja-JP" altLang="en-US" smtClean="0"/>
+              <a:rPr lang="ja-JP" altLang="en-US" smtClean="0"/>
               <a:t>レベル</a:t>
             </a:r>
           </a:p>
           <a:p>
             <a:pPr lvl="2"/>
             <a:r>
-              <a:rPr kumimoji="1" lang="ja-JP" altLang="en-US" smtClean="0"/>
+              <a:rPr lang="ja-JP" altLang="en-US" smtClean="0"/>
               <a:t>第 </a:t>
             </a:r>
             <a:r>
-              <a:rPr kumimoji="1" lang="en-US" altLang="ja-JP" smtClean="0"/>
+              <a:rPr lang="en-US" altLang="ja-JP" smtClean="0"/>
               <a:t>3 </a:t>
             </a:r>
             <a:r>
-              <a:rPr kumimoji="1" lang="ja-JP" altLang="en-US" smtClean="0"/>
+              <a:rPr lang="ja-JP" altLang="en-US" smtClean="0"/>
               <a:t>レベル</a:t>
             </a:r>
           </a:p>
           <a:p>
             <a:pPr lvl="3"/>
             <a:r>
-              <a:rPr kumimoji="1" lang="ja-JP" altLang="en-US" smtClean="0"/>
+              <a:rPr lang="ja-JP" altLang="en-US" smtClean="0"/>
               <a:t>第 </a:t>
             </a:r>
             <a:r>
-              <a:rPr kumimoji="1" lang="en-US" altLang="ja-JP" smtClean="0"/>
+              <a:rPr lang="en-US" altLang="ja-JP" smtClean="0"/>
               <a:t>4 </a:t>
             </a:r>
             <a:r>
-              <a:rPr kumimoji="1" lang="ja-JP" altLang="en-US" smtClean="0"/>
+              <a:rPr lang="ja-JP" altLang="en-US" smtClean="0"/>
               <a:t>レベル</a:t>
             </a:r>
           </a:p>
           <a:p>
             <a:pPr lvl="4"/>
             <a:r>
-              <a:rPr kumimoji="1" lang="ja-JP" altLang="en-US" smtClean="0"/>
+              <a:rPr lang="ja-JP" altLang="en-US" smtClean="0"/>
               <a:t>第 </a:t>
             </a:r>
             <a:r>
-              <a:rPr kumimoji="1" lang="en-US" altLang="ja-JP" smtClean="0"/>
+              <a:rPr lang="en-US" altLang="ja-JP" smtClean="0"/>
               <a:t>5 </a:t>
             </a:r>
             <a:r>
-              <a:rPr kumimoji="1" lang="ja-JP" altLang="en-US" smtClean="0"/>
+              <a:rPr lang="ja-JP" altLang="en-US" smtClean="0"/>
               <a:t>レベル</a:t>
             </a:r>
-            <a:endParaRPr kumimoji="1" lang="ja-JP" altLang="en-US"/>
-          </a:p>
-        </p:txBody>
-      </p:sp>
-      <p:sp>
-        <p:nvSpPr>
-          <p:cNvPr id="5" name="日付プレースホルダー 4"/>
+            <a:endParaRPr lang="en-US" dirty="0"/>
+          </a:p>
+        </p:txBody>
+      </p:sp>
+      <p:sp>
+        <p:nvSpPr>
+          <p:cNvPr id="5" name="Date Placeholder 4"/>
           <p:cNvSpPr>
             <a:spLocks noGrp="1"/>
           </p:cNvSpPr>
@@ -1401,7 +1401,7 @@
           <a:p>
             <a:fld id="{C1075DFE-FF37-458C-BA31-8FFE9FD73297}" type="datetimeFigureOut">
               <a:rPr kumimoji="1" lang="ja-JP" altLang="en-US" smtClean="0"/>
-              <a:t>2019/2/5</a:t>
+              <a:t>2019/2/6</a:t>
             </a:fld>
             <a:endParaRPr kumimoji="1" lang="ja-JP" altLang="en-US"/>
           </a:p>
@@ -1409,7 +1409,7 @@
       </p:sp>
       <p:sp>
         <p:nvSpPr>
-          <p:cNvPr id="6" name="フッター プレースホルダー 5"/>
+          <p:cNvPr id="6" name="Footer Placeholder 5"/>
           <p:cNvSpPr>
             <a:spLocks noGrp="1"/>
           </p:cNvSpPr>
@@ -1428,7 +1428,7 @@
       </p:sp>
       <p:sp>
         <p:nvSpPr>
-          <p:cNvPr id="7" name="スライド番号プレースホルダー 6"/>
+          <p:cNvPr id="7" name="Slide Number Placeholder 6"/>
           <p:cNvSpPr>
             <a:spLocks noGrp="1"/>
           </p:cNvSpPr>
@@ -1452,7 +1452,7 @@
     </p:spTree>
     <p:extLst>
       <p:ext uri="{BB962C8B-B14F-4D97-AF65-F5344CB8AC3E}">
-        <p14:creationId xmlns:p14="http://schemas.microsoft.com/office/powerpoint/2010/main" val="2383965260"/>
+        <p14:creationId xmlns:p14="http://schemas.microsoft.com/office/powerpoint/2010/main" val="3320719030"/>
       </p:ext>
     </p:extLst>
   </p:cSld>
@@ -1481,7 +1481,7 @@
       </p:grpSpPr>
       <p:sp>
         <p:nvSpPr>
-          <p:cNvPr id="2" name="タイトル 1"/>
+          <p:cNvPr id="2" name="Title 1"/>
           <p:cNvSpPr>
             <a:spLocks noGrp="1"/>
           </p:cNvSpPr>
@@ -1491,8 +1491,8 @@
         </p:nvSpPr>
         <p:spPr>
           <a:xfrm>
-            <a:off x="839788" y="365125"/>
-            <a:ext cx="10515600" cy="1325563"/>
+            <a:off x="839788" y="210792"/>
+            <a:ext cx="10515600" cy="765267"/>
           </a:xfrm>
         </p:spPr>
         <p:txBody>
@@ -1500,16 +1500,16 @@
           <a:lstStyle/>
           <a:p>
             <a:r>
-              <a:rPr kumimoji="1" lang="ja-JP" altLang="en-US" smtClean="0"/>
+              <a:rPr lang="ja-JP" altLang="en-US" smtClean="0"/>
               <a:t>マスター タイトルの書式設定</a:t>
             </a:r>
-            <a:endParaRPr kumimoji="1" lang="ja-JP" altLang="en-US"/>
-          </a:p>
-        </p:txBody>
-      </p:sp>
-      <p:sp>
-        <p:nvSpPr>
-          <p:cNvPr id="3" name="テキスト プレースホルダー 2"/>
+            <a:endParaRPr lang="en-US" dirty="0"/>
+          </a:p>
+        </p:txBody>
+      </p:sp>
+      <p:sp>
+        <p:nvSpPr>
+          <p:cNvPr id="3" name="Text Placeholder 2"/>
           <p:cNvSpPr>
             <a:spLocks noGrp="1"/>
           </p:cNvSpPr>
@@ -1519,8 +1519,8 @@
         </p:nvSpPr>
         <p:spPr>
           <a:xfrm>
-            <a:off x="839788" y="1681163"/>
-            <a:ext cx="5157787" cy="823912"/>
+            <a:off x="839789" y="970560"/>
+            <a:ext cx="5157787" cy="475657"/>
           </a:xfrm>
         </p:spPr>
         <p:txBody>
@@ -1528,45 +1528,45 @@
           <a:lstStyle>
             <a:lvl1pPr marL="0" indent="0">
               <a:buNone/>
-              <a:defRPr sz="2400" b="1"/>
+              <a:defRPr sz="1386" b="1"/>
             </a:lvl1pPr>
-            <a:lvl2pPr marL="457200" indent="0">
+            <a:lvl2pPr marL="263942" indent="0">
               <a:buNone/>
-              <a:defRPr sz="2000" b="1"/>
+              <a:defRPr sz="1155" b="1"/>
             </a:lvl2pPr>
-            <a:lvl3pPr marL="914400" indent="0">
+            <a:lvl3pPr marL="527883" indent="0">
               <a:buNone/>
-              <a:defRPr sz="1800" b="1"/>
+              <a:defRPr sz="1039" b="1"/>
             </a:lvl3pPr>
-            <a:lvl4pPr marL="1371600" indent="0">
+            <a:lvl4pPr marL="791825" indent="0">
               <a:buNone/>
-              <a:defRPr sz="1600" b="1"/>
+              <a:defRPr sz="924" b="1"/>
             </a:lvl4pPr>
-            <a:lvl5pPr marL="1828800" indent="0">
+            <a:lvl5pPr marL="1055766" indent="0">
               <a:buNone/>
-              <a:defRPr sz="1600" b="1"/>
+              <a:defRPr sz="924" b="1"/>
             </a:lvl5pPr>
-            <a:lvl6pPr marL="2286000" indent="0">
+            <a:lvl6pPr marL="1319708" indent="0">
               <a:buNone/>
-              <a:defRPr sz="1600" b="1"/>
+              <a:defRPr sz="924" b="1"/>
             </a:lvl6pPr>
-            <a:lvl7pPr marL="2743200" indent="0">
+            <a:lvl7pPr marL="1583649" indent="0">
               <a:buNone/>
-              <a:defRPr sz="1600" b="1"/>
+              <a:defRPr sz="924" b="1"/>
             </a:lvl7pPr>
-            <a:lvl8pPr marL="3200400" indent="0">
+            <a:lvl8pPr marL="1847591" indent="0">
               <a:buNone/>
-              <a:defRPr sz="1600" b="1"/>
+              <a:defRPr sz="924" b="1"/>
             </a:lvl8pPr>
-            <a:lvl9pPr marL="3657600" indent="0">
+            <a:lvl9pPr marL="2111532" indent="0">
               <a:buNone/>
-              <a:defRPr sz="1600" b="1"/>
+              <a:defRPr sz="924" b="1"/>
             </a:lvl9pPr>
           </a:lstStyle>
           <a:p>
             <a:pPr lvl="0"/>
             <a:r>
-              <a:rPr kumimoji="1" lang="ja-JP" altLang="en-US" smtClean="0"/>
+              <a:rPr lang="ja-JP" altLang="en-US" smtClean="0"/>
               <a:t>マスター テキストの書式設定</a:t>
             </a:r>
           </a:p>
@@ -1574,7 +1574,7 @@
       </p:sp>
       <p:sp>
         <p:nvSpPr>
-          <p:cNvPr id="4" name="コンテンツ プレースホルダー 3"/>
+          <p:cNvPr id="4" name="Content Placeholder 3"/>
           <p:cNvSpPr>
             <a:spLocks noGrp="1"/>
           </p:cNvSpPr>
@@ -1584,8 +1584,8 @@
         </p:nvSpPr>
         <p:spPr>
           <a:xfrm>
-            <a:off x="839788" y="2505075"/>
-            <a:ext cx="5157787" cy="3684588"/>
+            <a:off x="839789" y="1446217"/>
+            <a:ext cx="5157787" cy="2127167"/>
           </a:xfrm>
         </p:spPr>
         <p:txBody>
@@ -1594,76 +1594,76 @@
           <a:p>
             <a:pPr lvl="0"/>
             <a:r>
-              <a:rPr kumimoji="1" lang="ja-JP" altLang="en-US" smtClean="0"/>
+              <a:rPr lang="ja-JP" altLang="en-US" smtClean="0"/>
               <a:t>マスター テキストの書式設定</a:t>
             </a:r>
           </a:p>
           <a:p>
             <a:pPr lvl="1"/>
             <a:r>
-              <a:rPr kumimoji="1" lang="ja-JP" altLang="en-US" smtClean="0"/>
+              <a:rPr lang="ja-JP" altLang="en-US" smtClean="0"/>
               <a:t>第 </a:t>
             </a:r>
             <a:r>
-              <a:rPr kumimoji="1" lang="en-US" altLang="ja-JP" smtClean="0"/>
+              <a:rPr lang="en-US" altLang="ja-JP" smtClean="0"/>
               <a:t>2 </a:t>
             </a:r>
             <a:r>
-              <a:rPr kumimoji="1" lang="ja-JP" altLang="en-US" smtClean="0"/>
+              <a:rPr lang="ja-JP" altLang="en-US" smtClean="0"/>
               <a:t>レベル</a:t>
             </a:r>
           </a:p>
           <a:p>
             <a:pPr lvl="2"/>
             <a:r>
-              <a:rPr kumimoji="1" lang="ja-JP" altLang="en-US" smtClean="0"/>
+              <a:rPr lang="ja-JP" altLang="en-US" smtClean="0"/>
               <a:t>第 </a:t>
             </a:r>
             <a:r>
-              <a:rPr kumimoji="1" lang="en-US" altLang="ja-JP" smtClean="0"/>
+              <a:rPr lang="en-US" altLang="ja-JP" smtClean="0"/>
               <a:t>3 </a:t>
             </a:r>
             <a:r>
-              <a:rPr kumimoji="1" lang="ja-JP" altLang="en-US" smtClean="0"/>
+              <a:rPr lang="ja-JP" altLang="en-US" smtClean="0"/>
               <a:t>レベル</a:t>
             </a:r>
           </a:p>
           <a:p>
             <a:pPr lvl="3"/>
             <a:r>
-              <a:rPr kumimoji="1" lang="ja-JP" altLang="en-US" smtClean="0"/>
+              <a:rPr lang="ja-JP" altLang="en-US" smtClean="0"/>
               <a:t>第 </a:t>
             </a:r>
             <a:r>
-              <a:rPr kumimoji="1" lang="en-US" altLang="ja-JP" smtClean="0"/>
+              <a:rPr lang="en-US" altLang="ja-JP" smtClean="0"/>
               <a:t>4 </a:t>
             </a:r>
             <a:r>
-              <a:rPr kumimoji="1" lang="ja-JP" altLang="en-US" smtClean="0"/>
+              <a:rPr lang="ja-JP" altLang="en-US" smtClean="0"/>
               <a:t>レベル</a:t>
             </a:r>
           </a:p>
           <a:p>
             <a:pPr lvl="4"/>
             <a:r>
-              <a:rPr kumimoji="1" lang="ja-JP" altLang="en-US" smtClean="0"/>
+              <a:rPr lang="ja-JP" altLang="en-US" smtClean="0"/>
               <a:t>第 </a:t>
             </a:r>
             <a:r>
-              <a:rPr kumimoji="1" lang="en-US" altLang="ja-JP" smtClean="0"/>
+              <a:rPr lang="en-US" altLang="ja-JP" smtClean="0"/>
               <a:t>5 </a:t>
             </a:r>
             <a:r>
-              <a:rPr kumimoji="1" lang="ja-JP" altLang="en-US" smtClean="0"/>
+              <a:rPr lang="ja-JP" altLang="en-US" smtClean="0"/>
               <a:t>レベル</a:t>
             </a:r>
-            <a:endParaRPr kumimoji="1" lang="ja-JP" altLang="en-US"/>
-          </a:p>
-        </p:txBody>
-      </p:sp>
-      <p:sp>
-        <p:nvSpPr>
-          <p:cNvPr id="5" name="テキスト プレースホルダー 4"/>
+            <a:endParaRPr lang="en-US" dirty="0"/>
+          </a:p>
+        </p:txBody>
+      </p:sp>
+      <p:sp>
+        <p:nvSpPr>
+          <p:cNvPr id="5" name="Text Placeholder 4"/>
           <p:cNvSpPr>
             <a:spLocks noGrp="1"/>
           </p:cNvSpPr>
@@ -1673,8 +1673,8 @@
         </p:nvSpPr>
         <p:spPr>
           <a:xfrm>
-            <a:off x="6172200" y="1681163"/>
-            <a:ext cx="5183188" cy="823912"/>
+            <a:off x="6172200" y="970560"/>
+            <a:ext cx="5183188" cy="475657"/>
           </a:xfrm>
         </p:spPr>
         <p:txBody>
@@ -1682,45 +1682,45 @@
           <a:lstStyle>
             <a:lvl1pPr marL="0" indent="0">
               <a:buNone/>
-              <a:defRPr sz="2400" b="1"/>
+              <a:defRPr sz="1386" b="1"/>
             </a:lvl1pPr>
-            <a:lvl2pPr marL="457200" indent="0">
+            <a:lvl2pPr marL="263942" indent="0">
               <a:buNone/>
-              <a:defRPr sz="2000" b="1"/>
+              <a:defRPr sz="1155" b="1"/>
             </a:lvl2pPr>
-            <a:lvl3pPr marL="914400" indent="0">
+            <a:lvl3pPr marL="527883" indent="0">
               <a:buNone/>
-              <a:defRPr sz="1800" b="1"/>
+              <a:defRPr sz="1039" b="1"/>
             </a:lvl3pPr>
-            <a:lvl4pPr marL="1371600" indent="0">
+            <a:lvl4pPr marL="791825" indent="0">
               <a:buNone/>
-              <a:defRPr sz="1600" b="1"/>
+              <a:defRPr sz="924" b="1"/>
             </a:lvl4pPr>
-            <a:lvl5pPr marL="1828800" indent="0">
+            <a:lvl5pPr marL="1055766" indent="0">
               <a:buNone/>
-              <a:defRPr sz="1600" b="1"/>
+              <a:defRPr sz="924" b="1"/>
             </a:lvl5pPr>
-            <a:lvl6pPr marL="2286000" indent="0">
+            <a:lvl6pPr marL="1319708" indent="0">
               <a:buNone/>
-              <a:defRPr sz="1600" b="1"/>
+              <a:defRPr sz="924" b="1"/>
             </a:lvl6pPr>
-            <a:lvl7pPr marL="2743200" indent="0">
+            <a:lvl7pPr marL="1583649" indent="0">
               <a:buNone/>
-              <a:defRPr sz="1600" b="1"/>
+              <a:defRPr sz="924" b="1"/>
             </a:lvl7pPr>
-            <a:lvl8pPr marL="3200400" indent="0">
+            <a:lvl8pPr marL="1847591" indent="0">
               <a:buNone/>
-              <a:defRPr sz="1600" b="1"/>
+              <a:defRPr sz="924" b="1"/>
             </a:lvl8pPr>
-            <a:lvl9pPr marL="3657600" indent="0">
+            <a:lvl9pPr marL="2111532" indent="0">
               <a:buNone/>
-              <a:defRPr sz="1600" b="1"/>
+              <a:defRPr sz="924" b="1"/>
             </a:lvl9pPr>
           </a:lstStyle>
           <a:p>
             <a:pPr lvl="0"/>
             <a:r>
-              <a:rPr kumimoji="1" lang="ja-JP" altLang="en-US" smtClean="0"/>
+              <a:rPr lang="ja-JP" altLang="en-US" smtClean="0"/>
               <a:t>マスター テキストの書式設定</a:t>
             </a:r>
           </a:p>
@@ -1728,7 +1728,7 @@
       </p:sp>
       <p:sp>
         <p:nvSpPr>
-          <p:cNvPr id="6" name="コンテンツ プレースホルダー 5"/>
+          <p:cNvPr id="6" name="Content Placeholder 5"/>
           <p:cNvSpPr>
             <a:spLocks noGrp="1"/>
           </p:cNvSpPr>
@@ -1738,8 +1738,8 @@
         </p:nvSpPr>
         <p:spPr>
           <a:xfrm>
-            <a:off x="6172200" y="2505075"/>
-            <a:ext cx="5183188" cy="3684588"/>
+            <a:off x="6172200" y="1446217"/>
+            <a:ext cx="5183188" cy="2127167"/>
           </a:xfrm>
         </p:spPr>
         <p:txBody>
@@ -1748,76 +1748,76 @@
           <a:p>
             <a:pPr lvl="0"/>
             <a:r>
-              <a:rPr kumimoji="1" lang="ja-JP" altLang="en-US" smtClean="0"/>
+              <a:rPr lang="ja-JP" altLang="en-US" smtClean="0"/>
               <a:t>マスター テキストの書式設定</a:t>
             </a:r>
           </a:p>
           <a:p>
             <a:pPr lvl="1"/>
             <a:r>
-              <a:rPr kumimoji="1" lang="ja-JP" altLang="en-US" smtClean="0"/>
+              <a:rPr lang="ja-JP" altLang="en-US" smtClean="0"/>
               <a:t>第 </a:t>
             </a:r>
             <a:r>
-              <a:rPr kumimoji="1" lang="en-US" altLang="ja-JP" smtClean="0"/>
+              <a:rPr lang="en-US" altLang="ja-JP" smtClean="0"/>
               <a:t>2 </a:t>
             </a:r>
             <a:r>
-              <a:rPr kumimoji="1" lang="ja-JP" altLang="en-US" smtClean="0"/>
+              <a:rPr lang="ja-JP" altLang="en-US" smtClean="0"/>
               <a:t>レベル</a:t>
             </a:r>
           </a:p>
           <a:p>
             <a:pPr lvl="2"/>
             <a:r>
-              <a:rPr kumimoji="1" lang="ja-JP" altLang="en-US" smtClean="0"/>
+              <a:rPr lang="ja-JP" altLang="en-US" smtClean="0"/>
               <a:t>第 </a:t>
             </a:r>
             <a:r>
-              <a:rPr kumimoji="1" lang="en-US" altLang="ja-JP" smtClean="0"/>
+              <a:rPr lang="en-US" altLang="ja-JP" smtClean="0"/>
               <a:t>3 </a:t>
             </a:r>
             <a:r>
-              <a:rPr kumimoji="1" lang="ja-JP" altLang="en-US" smtClean="0"/>
+              <a:rPr lang="ja-JP" altLang="en-US" smtClean="0"/>
               <a:t>レベル</a:t>
             </a:r>
           </a:p>
           <a:p>
             <a:pPr lvl="3"/>
             <a:r>
-              <a:rPr kumimoji="1" lang="ja-JP" altLang="en-US" smtClean="0"/>
+              <a:rPr lang="ja-JP" altLang="en-US" smtClean="0"/>
               <a:t>第 </a:t>
             </a:r>
             <a:r>
-              <a:rPr kumimoji="1" lang="en-US" altLang="ja-JP" smtClean="0"/>
+              <a:rPr lang="en-US" altLang="ja-JP" smtClean="0"/>
               <a:t>4 </a:t>
             </a:r>
             <a:r>
-              <a:rPr kumimoji="1" lang="ja-JP" altLang="en-US" smtClean="0"/>
+              <a:rPr lang="ja-JP" altLang="en-US" smtClean="0"/>
               <a:t>レベル</a:t>
             </a:r>
           </a:p>
           <a:p>
             <a:pPr lvl="4"/>
             <a:r>
-              <a:rPr kumimoji="1" lang="ja-JP" altLang="en-US" smtClean="0"/>
+              <a:rPr lang="ja-JP" altLang="en-US" smtClean="0"/>
               <a:t>第 </a:t>
             </a:r>
             <a:r>
-              <a:rPr kumimoji="1" lang="en-US" altLang="ja-JP" smtClean="0"/>
+              <a:rPr lang="en-US" altLang="ja-JP" smtClean="0"/>
               <a:t>5 </a:t>
             </a:r>
             <a:r>
-              <a:rPr kumimoji="1" lang="ja-JP" altLang="en-US" smtClean="0"/>
+              <a:rPr lang="ja-JP" altLang="en-US" smtClean="0"/>
               <a:t>レベル</a:t>
             </a:r>
-            <a:endParaRPr kumimoji="1" lang="ja-JP" altLang="en-US"/>
-          </a:p>
-        </p:txBody>
-      </p:sp>
-      <p:sp>
-        <p:nvSpPr>
-          <p:cNvPr id="7" name="日付プレースホルダー 6"/>
+            <a:endParaRPr lang="en-US" dirty="0"/>
+          </a:p>
+        </p:txBody>
+      </p:sp>
+      <p:sp>
+        <p:nvSpPr>
+          <p:cNvPr id="7" name="Date Placeholder 6"/>
           <p:cNvSpPr>
             <a:spLocks noGrp="1"/>
           </p:cNvSpPr>
@@ -1832,7 +1832,7 @@
           <a:p>
             <a:fld id="{C1075DFE-FF37-458C-BA31-8FFE9FD73297}" type="datetimeFigureOut">
               <a:rPr kumimoji="1" lang="ja-JP" altLang="en-US" smtClean="0"/>
-              <a:t>2019/2/5</a:t>
+              <a:t>2019/2/6</a:t>
             </a:fld>
             <a:endParaRPr kumimoji="1" lang="ja-JP" altLang="en-US"/>
           </a:p>
@@ -1840,7 +1840,7 @@
       </p:sp>
       <p:sp>
         <p:nvSpPr>
-          <p:cNvPr id="8" name="フッター プレースホルダー 7"/>
+          <p:cNvPr id="8" name="Footer Placeholder 7"/>
           <p:cNvSpPr>
             <a:spLocks noGrp="1"/>
           </p:cNvSpPr>
@@ -1859,7 +1859,7 @@
       </p:sp>
       <p:sp>
         <p:nvSpPr>
-          <p:cNvPr id="9" name="スライド番号プレースホルダー 8"/>
+          <p:cNvPr id="9" name="Slide Number Placeholder 8"/>
           <p:cNvSpPr>
             <a:spLocks noGrp="1"/>
           </p:cNvSpPr>
@@ -1883,7 +1883,7 @@
     </p:spTree>
     <p:extLst>
       <p:ext uri="{BB962C8B-B14F-4D97-AF65-F5344CB8AC3E}">
-        <p14:creationId xmlns:p14="http://schemas.microsoft.com/office/powerpoint/2010/main" val="3477924171"/>
+        <p14:creationId xmlns:p14="http://schemas.microsoft.com/office/powerpoint/2010/main" val="2319813295"/>
       </p:ext>
     </p:extLst>
   </p:cSld>
@@ -1912,7 +1912,7 @@
       </p:grpSpPr>
       <p:sp>
         <p:nvSpPr>
-          <p:cNvPr id="2" name="タイトル 1"/>
+          <p:cNvPr id="2" name="Title 1"/>
           <p:cNvSpPr>
             <a:spLocks noGrp="1"/>
           </p:cNvSpPr>
@@ -1926,16 +1926,16 @@
           <a:lstStyle/>
           <a:p>
             <a:r>
-              <a:rPr kumimoji="1" lang="ja-JP" altLang="en-US" smtClean="0"/>
+              <a:rPr lang="ja-JP" altLang="en-US" smtClean="0"/>
               <a:t>マスター タイトルの書式設定</a:t>
             </a:r>
-            <a:endParaRPr kumimoji="1" lang="ja-JP" altLang="en-US"/>
-          </a:p>
-        </p:txBody>
-      </p:sp>
-      <p:sp>
-        <p:nvSpPr>
-          <p:cNvPr id="3" name="日付プレースホルダー 2"/>
+            <a:endParaRPr lang="en-US" dirty="0"/>
+          </a:p>
+        </p:txBody>
+      </p:sp>
+      <p:sp>
+        <p:nvSpPr>
+          <p:cNvPr id="3" name="Date Placeholder 2"/>
           <p:cNvSpPr>
             <a:spLocks noGrp="1"/>
           </p:cNvSpPr>
@@ -1950,7 +1950,7 @@
           <a:p>
             <a:fld id="{C1075DFE-FF37-458C-BA31-8FFE9FD73297}" type="datetimeFigureOut">
               <a:rPr kumimoji="1" lang="ja-JP" altLang="en-US" smtClean="0"/>
-              <a:t>2019/2/5</a:t>
+              <a:t>2019/2/6</a:t>
             </a:fld>
             <a:endParaRPr kumimoji="1" lang="ja-JP" altLang="en-US"/>
           </a:p>
@@ -1958,7 +1958,7 @@
       </p:sp>
       <p:sp>
         <p:nvSpPr>
-          <p:cNvPr id="4" name="フッター プレースホルダー 3"/>
+          <p:cNvPr id="4" name="Footer Placeholder 3"/>
           <p:cNvSpPr>
             <a:spLocks noGrp="1"/>
           </p:cNvSpPr>
@@ -1977,7 +1977,7 @@
       </p:sp>
       <p:sp>
         <p:nvSpPr>
-          <p:cNvPr id="5" name="スライド番号プレースホルダー 4"/>
+          <p:cNvPr id="5" name="Slide Number Placeholder 4"/>
           <p:cNvSpPr>
             <a:spLocks noGrp="1"/>
           </p:cNvSpPr>
@@ -2001,7 +2001,7 @@
     </p:spTree>
     <p:extLst>
       <p:ext uri="{BB962C8B-B14F-4D97-AF65-F5344CB8AC3E}">
-        <p14:creationId xmlns:p14="http://schemas.microsoft.com/office/powerpoint/2010/main" val="1008479632"/>
+        <p14:creationId xmlns:p14="http://schemas.microsoft.com/office/powerpoint/2010/main" val="619486644"/>
       </p:ext>
     </p:extLst>
   </p:cSld>
@@ -2030,7 +2030,7 @@
       </p:grpSpPr>
       <p:sp>
         <p:nvSpPr>
-          <p:cNvPr id="2" name="日付プレースホルダー 1"/>
+          <p:cNvPr id="2" name="Date Placeholder 1"/>
           <p:cNvSpPr>
             <a:spLocks noGrp="1"/>
           </p:cNvSpPr>
@@ -2045,7 +2045,7 @@
           <a:p>
             <a:fld id="{C1075DFE-FF37-458C-BA31-8FFE9FD73297}" type="datetimeFigureOut">
               <a:rPr kumimoji="1" lang="ja-JP" altLang="en-US" smtClean="0"/>
-              <a:t>2019/2/5</a:t>
+              <a:t>2019/2/6</a:t>
             </a:fld>
             <a:endParaRPr kumimoji="1" lang="ja-JP" altLang="en-US"/>
           </a:p>
@@ -2053,7 +2053,7 @@
       </p:sp>
       <p:sp>
         <p:nvSpPr>
-          <p:cNvPr id="3" name="フッター プレースホルダー 2"/>
+          <p:cNvPr id="3" name="Footer Placeholder 2"/>
           <p:cNvSpPr>
             <a:spLocks noGrp="1"/>
           </p:cNvSpPr>
@@ -2072,7 +2072,7 @@
       </p:sp>
       <p:sp>
         <p:nvSpPr>
-          <p:cNvPr id="4" name="スライド番号プレースホルダー 3"/>
+          <p:cNvPr id="4" name="Slide Number Placeholder 3"/>
           <p:cNvSpPr>
             <a:spLocks noGrp="1"/>
           </p:cNvSpPr>
@@ -2096,7 +2096,7 @@
     </p:spTree>
     <p:extLst>
       <p:ext uri="{BB962C8B-B14F-4D97-AF65-F5344CB8AC3E}">
-        <p14:creationId xmlns:p14="http://schemas.microsoft.com/office/powerpoint/2010/main" val="767516505"/>
+        <p14:creationId xmlns:p14="http://schemas.microsoft.com/office/powerpoint/2010/main" val="1807732102"/>
       </p:ext>
     </p:extLst>
   </p:cSld>
@@ -2125,7 +2125,7 @@
       </p:grpSpPr>
       <p:sp>
         <p:nvSpPr>
-          <p:cNvPr id="2" name="タイトル 1"/>
+          <p:cNvPr id="2" name="Title 1"/>
           <p:cNvSpPr>
             <a:spLocks noGrp="1"/>
           </p:cNvSpPr>
@@ -2135,29 +2135,29 @@
         </p:nvSpPr>
         <p:spPr>
           <a:xfrm>
-            <a:off x="839788" y="457200"/>
-            <a:ext cx="3932237" cy="1600200"/>
+            <a:off x="839789" y="263948"/>
+            <a:ext cx="3932237" cy="923819"/>
           </a:xfrm>
         </p:spPr>
         <p:txBody>
           <a:bodyPr anchor="b"/>
           <a:lstStyle>
             <a:lvl1pPr>
-              <a:defRPr sz="3200"/>
+              <a:defRPr sz="1847"/>
             </a:lvl1pPr>
           </a:lstStyle>
           <a:p>
             <a:r>
-              <a:rPr kumimoji="1" lang="ja-JP" altLang="en-US" smtClean="0"/>
+              <a:rPr lang="ja-JP" altLang="en-US" smtClean="0"/>
               <a:t>マスター タイトルの書式設定</a:t>
             </a:r>
-            <a:endParaRPr kumimoji="1" lang="ja-JP" altLang="en-US"/>
-          </a:p>
-        </p:txBody>
-      </p:sp>
-      <p:sp>
-        <p:nvSpPr>
-          <p:cNvPr id="3" name="コンテンツ プレースホルダー 2"/>
+            <a:endParaRPr lang="en-US" dirty="0"/>
+          </a:p>
+        </p:txBody>
+      </p:sp>
+      <p:sp>
+        <p:nvSpPr>
+          <p:cNvPr id="3" name="Content Placeholder 2"/>
           <p:cNvSpPr>
             <a:spLocks noGrp="1"/>
           </p:cNvSpPr>
@@ -2167,114 +2167,114 @@
         </p:nvSpPr>
         <p:spPr>
           <a:xfrm>
-            <a:off x="5183188" y="987425"/>
-            <a:ext cx="6172200" cy="4873625"/>
+            <a:off x="5183188" y="570055"/>
+            <a:ext cx="6172200" cy="2813616"/>
           </a:xfrm>
         </p:spPr>
         <p:txBody>
           <a:bodyPr/>
           <a:lstStyle>
             <a:lvl1pPr>
-              <a:defRPr sz="3200"/>
+              <a:defRPr sz="1847"/>
             </a:lvl1pPr>
             <a:lvl2pPr>
-              <a:defRPr sz="2800"/>
+              <a:defRPr sz="1616"/>
             </a:lvl2pPr>
             <a:lvl3pPr>
-              <a:defRPr sz="2400"/>
+              <a:defRPr sz="1386"/>
             </a:lvl3pPr>
             <a:lvl4pPr>
-              <a:defRPr sz="2000"/>
+              <a:defRPr sz="1155"/>
             </a:lvl4pPr>
             <a:lvl5pPr>
-              <a:defRPr sz="2000"/>
+              <a:defRPr sz="1155"/>
             </a:lvl5pPr>
             <a:lvl6pPr>
-              <a:defRPr sz="2000"/>
+              <a:defRPr sz="1155"/>
             </a:lvl6pPr>
             <a:lvl7pPr>
-              <a:defRPr sz="2000"/>
+              <a:defRPr sz="1155"/>
             </a:lvl7pPr>
             <a:lvl8pPr>
-              <a:defRPr sz="2000"/>
+              <a:defRPr sz="1155"/>
             </a:lvl8pPr>
             <a:lvl9pPr>
-              <a:defRPr sz="2000"/>
+              <a:defRPr sz="1155"/>
             </a:lvl9pPr>
           </a:lstStyle>
           <a:p>
             <a:pPr lvl="0"/>
             <a:r>
-              <a:rPr kumimoji="1" lang="ja-JP" altLang="en-US" smtClean="0"/>
+              <a:rPr lang="ja-JP" altLang="en-US" smtClean="0"/>
               <a:t>マスター テキストの書式設定</a:t>
             </a:r>
           </a:p>
           <a:p>
             <a:pPr lvl="1"/>
             <a:r>
-              <a:rPr kumimoji="1" lang="ja-JP" altLang="en-US" smtClean="0"/>
+              <a:rPr lang="ja-JP" altLang="en-US" smtClean="0"/>
               <a:t>第 </a:t>
             </a:r>
             <a:r>
-              <a:rPr kumimoji="1" lang="en-US" altLang="ja-JP" smtClean="0"/>
+              <a:rPr lang="en-US" altLang="ja-JP" smtClean="0"/>
               <a:t>2 </a:t>
             </a:r>
             <a:r>
-              <a:rPr kumimoji="1" lang="ja-JP" altLang="en-US" smtClean="0"/>
+              <a:rPr lang="ja-JP" altLang="en-US" smtClean="0"/>
               <a:t>レベル</a:t>
             </a:r>
           </a:p>
           <a:p>
             <a:pPr lvl="2"/>
             <a:r>
-              <a:rPr kumimoji="1" lang="ja-JP" altLang="en-US" smtClean="0"/>
+              <a:rPr lang="ja-JP" altLang="en-US" smtClean="0"/>
               <a:t>第 </a:t>
             </a:r>
             <a:r>
-              <a:rPr kumimoji="1" lang="en-US" altLang="ja-JP" smtClean="0"/>
+              <a:rPr lang="en-US" altLang="ja-JP" smtClean="0"/>
               <a:t>3 </a:t>
             </a:r>
             <a:r>
-              <a:rPr kumimoji="1" lang="ja-JP" altLang="en-US" smtClean="0"/>
+              <a:rPr lang="ja-JP" altLang="en-US" smtClean="0"/>
               <a:t>レベル</a:t>
             </a:r>
           </a:p>
           <a:p>
             <a:pPr lvl="3"/>
             <a:r>
-              <a:rPr kumimoji="1" lang="ja-JP" altLang="en-US" smtClean="0"/>
+              <a:rPr lang="ja-JP" altLang="en-US" smtClean="0"/>
               <a:t>第 </a:t>
             </a:r>
             <a:r>
-              <a:rPr kumimoji="1" lang="en-US" altLang="ja-JP" smtClean="0"/>
+              <a:rPr lang="en-US" altLang="ja-JP" smtClean="0"/>
               <a:t>4 </a:t>
             </a:r>
             <a:r>
-              <a:rPr kumimoji="1" lang="ja-JP" altLang="en-US" smtClean="0"/>
+              <a:rPr lang="ja-JP" altLang="en-US" smtClean="0"/>
               <a:t>レベル</a:t>
             </a:r>
           </a:p>
           <a:p>
             <a:pPr lvl="4"/>
             <a:r>
-              <a:rPr kumimoji="1" lang="ja-JP" altLang="en-US" smtClean="0"/>
+              <a:rPr lang="ja-JP" altLang="en-US" smtClean="0"/>
               <a:t>第 </a:t>
             </a:r>
             <a:r>
-              <a:rPr kumimoji="1" lang="en-US" altLang="ja-JP" smtClean="0"/>
+              <a:rPr lang="en-US" altLang="ja-JP" smtClean="0"/>
               <a:t>5 </a:t>
             </a:r>
             <a:r>
-              <a:rPr kumimoji="1" lang="ja-JP" altLang="en-US" smtClean="0"/>
+              <a:rPr lang="ja-JP" altLang="en-US" smtClean="0"/>
               <a:t>レベル</a:t>
             </a:r>
-            <a:endParaRPr kumimoji="1" lang="ja-JP" altLang="en-US"/>
-          </a:p>
-        </p:txBody>
-      </p:sp>
-      <p:sp>
-        <p:nvSpPr>
-          <p:cNvPr id="4" name="テキスト プレースホルダー 3"/>
+            <a:endParaRPr lang="en-US" dirty="0"/>
+          </a:p>
+        </p:txBody>
+      </p:sp>
+      <p:sp>
+        <p:nvSpPr>
+          <p:cNvPr id="4" name="Text Placeholder 3"/>
           <p:cNvSpPr>
             <a:spLocks noGrp="1"/>
           </p:cNvSpPr>
@@ -2284,8 +2284,8 @@
         </p:nvSpPr>
         <p:spPr>
           <a:xfrm>
-            <a:off x="839788" y="2057400"/>
-            <a:ext cx="3932237" cy="3811588"/>
+            <a:off x="839789" y="1187768"/>
+            <a:ext cx="3932237" cy="2200486"/>
           </a:xfrm>
         </p:spPr>
         <p:txBody>
@@ -2293,45 +2293,45 @@
           <a:lstStyle>
             <a:lvl1pPr marL="0" indent="0">
               <a:buNone/>
-              <a:defRPr sz="1600"/>
+              <a:defRPr sz="924"/>
             </a:lvl1pPr>
-            <a:lvl2pPr marL="457200" indent="0">
+            <a:lvl2pPr marL="263942" indent="0">
               <a:buNone/>
-              <a:defRPr sz="1400"/>
+              <a:defRPr sz="808"/>
             </a:lvl2pPr>
-            <a:lvl3pPr marL="914400" indent="0">
+            <a:lvl3pPr marL="527883" indent="0">
               <a:buNone/>
-              <a:defRPr sz="1200"/>
+              <a:defRPr sz="693"/>
             </a:lvl3pPr>
-            <a:lvl4pPr marL="1371600" indent="0">
+            <a:lvl4pPr marL="791825" indent="0">
               <a:buNone/>
-              <a:defRPr sz="1000"/>
+              <a:defRPr sz="577"/>
             </a:lvl4pPr>
-            <a:lvl5pPr marL="1828800" indent="0">
+            <a:lvl5pPr marL="1055766" indent="0">
               <a:buNone/>
-              <a:defRPr sz="1000"/>
+              <a:defRPr sz="577"/>
             </a:lvl5pPr>
-            <a:lvl6pPr marL="2286000" indent="0">
+            <a:lvl6pPr marL="1319708" indent="0">
               <a:buNone/>
-              <a:defRPr sz="1000"/>
+              <a:defRPr sz="577"/>
             </a:lvl6pPr>
-            <a:lvl7pPr marL="2743200" indent="0">
+            <a:lvl7pPr marL="1583649" indent="0">
               <a:buNone/>
-              <a:defRPr sz="1000"/>
+              <a:defRPr sz="577"/>
             </a:lvl7pPr>
-            <a:lvl8pPr marL="3200400" indent="0">
+            <a:lvl8pPr marL="1847591" indent="0">
               <a:buNone/>
-              <a:defRPr sz="1000"/>
+              <a:defRPr sz="577"/>
             </a:lvl8pPr>
-            <a:lvl9pPr marL="3657600" indent="0">
+            <a:lvl9pPr marL="2111532" indent="0">
               <a:buNone/>
-              <a:defRPr sz="1000"/>
+              <a:defRPr sz="577"/>
             </a:lvl9pPr>
           </a:lstStyle>
           <a:p>
             <a:pPr lvl="0"/>
             <a:r>
-              <a:rPr kumimoji="1" lang="ja-JP" altLang="en-US" smtClean="0"/>
+              <a:rPr lang="ja-JP" altLang="en-US" smtClean="0"/>
               <a:t>マスター テキストの書式設定</a:t>
             </a:r>
           </a:p>
@@ -2339,7 +2339,7 @@
       </p:sp>
       <p:sp>
         <p:nvSpPr>
-          <p:cNvPr id="5" name="日付プレースホルダー 4"/>
+          <p:cNvPr id="5" name="Date Placeholder 4"/>
           <p:cNvSpPr>
             <a:spLocks noGrp="1"/>
           </p:cNvSpPr>
@@ -2354,7 +2354,7 @@
           <a:p>
             <a:fld id="{C1075DFE-FF37-458C-BA31-8FFE9FD73297}" type="datetimeFigureOut">
               <a:rPr kumimoji="1" lang="ja-JP" altLang="en-US" smtClean="0"/>
-              <a:t>2019/2/5</a:t>
+              <a:t>2019/2/6</a:t>
             </a:fld>
             <a:endParaRPr kumimoji="1" lang="ja-JP" altLang="en-US"/>
           </a:p>
@@ -2362,7 +2362,7 @@
       </p:sp>
       <p:sp>
         <p:nvSpPr>
-          <p:cNvPr id="6" name="フッター プレースホルダー 5"/>
+          <p:cNvPr id="6" name="Footer Placeholder 5"/>
           <p:cNvSpPr>
             <a:spLocks noGrp="1"/>
           </p:cNvSpPr>
@@ -2381,7 +2381,7 @@
       </p:sp>
       <p:sp>
         <p:nvSpPr>
-          <p:cNvPr id="7" name="スライド番号プレースホルダー 6"/>
+          <p:cNvPr id="7" name="Slide Number Placeholder 6"/>
           <p:cNvSpPr>
             <a:spLocks noGrp="1"/>
           </p:cNvSpPr>
@@ -2405,7 +2405,7 @@
     </p:spTree>
     <p:extLst>
       <p:ext uri="{BB962C8B-B14F-4D97-AF65-F5344CB8AC3E}">
-        <p14:creationId xmlns:p14="http://schemas.microsoft.com/office/powerpoint/2010/main" val="3096558960"/>
+        <p14:creationId xmlns:p14="http://schemas.microsoft.com/office/powerpoint/2010/main" val="1794103751"/>
       </p:ext>
     </p:extLst>
   </p:cSld>
@@ -2434,7 +2434,7 @@
       </p:grpSpPr>
       <p:sp>
         <p:nvSpPr>
-          <p:cNvPr id="2" name="タイトル 1"/>
+          <p:cNvPr id="2" name="Title 1"/>
           <p:cNvSpPr>
             <a:spLocks noGrp="1"/>
           </p:cNvSpPr>
@@ -2444,31 +2444,31 @@
         </p:nvSpPr>
         <p:spPr>
           <a:xfrm>
-            <a:off x="839788" y="457200"/>
-            <a:ext cx="3932237" cy="1600200"/>
+            <a:off x="839789" y="263948"/>
+            <a:ext cx="3932237" cy="923819"/>
           </a:xfrm>
         </p:spPr>
         <p:txBody>
           <a:bodyPr anchor="b"/>
           <a:lstStyle>
             <a:lvl1pPr>
-              <a:defRPr sz="3200"/>
+              <a:defRPr sz="1847"/>
             </a:lvl1pPr>
           </a:lstStyle>
           <a:p>
             <a:r>
-              <a:rPr kumimoji="1" lang="ja-JP" altLang="en-US" smtClean="0"/>
+              <a:rPr lang="ja-JP" altLang="en-US" smtClean="0"/>
               <a:t>マスター タイトルの書式設定</a:t>
             </a:r>
-            <a:endParaRPr kumimoji="1" lang="ja-JP" altLang="en-US"/>
-          </a:p>
-        </p:txBody>
-      </p:sp>
-      <p:sp>
-        <p:nvSpPr>
-          <p:cNvPr id="3" name="図プレースホルダー 2"/>
+            <a:endParaRPr lang="en-US" dirty="0"/>
+          </a:p>
+        </p:txBody>
+      </p:sp>
+      <p:sp>
+        <p:nvSpPr>
+          <p:cNvPr id="3" name="Picture Placeholder 2"/>
           <p:cNvSpPr>
-            <a:spLocks noGrp="1"/>
+            <a:spLocks noGrp="1" noChangeAspect="1"/>
           </p:cNvSpPr>
           <p:nvPr>
             <p:ph type="pic" idx="1"/>
@@ -2476,58 +2476,62 @@
         </p:nvSpPr>
         <p:spPr>
           <a:xfrm>
-            <a:off x="5183188" y="987425"/>
-            <a:ext cx="6172200" cy="4873625"/>
-          </a:xfrm>
-        </p:spPr>
-        <p:txBody>
-          <a:bodyPr/>
+            <a:off x="5183188" y="570055"/>
+            <a:ext cx="6172200" cy="2813616"/>
+          </a:xfrm>
+        </p:spPr>
+        <p:txBody>
+          <a:bodyPr anchor="t"/>
           <a:lstStyle>
             <a:lvl1pPr marL="0" indent="0">
               <a:buNone/>
-              <a:defRPr sz="3200"/>
+              <a:defRPr sz="1847"/>
             </a:lvl1pPr>
-            <a:lvl2pPr marL="457200" indent="0">
+            <a:lvl2pPr marL="263942" indent="0">
               <a:buNone/>
-              <a:defRPr sz="2800"/>
+              <a:defRPr sz="1616"/>
             </a:lvl2pPr>
-            <a:lvl3pPr marL="914400" indent="0">
+            <a:lvl3pPr marL="527883" indent="0">
               <a:buNone/>
-              <a:defRPr sz="2400"/>
+              <a:defRPr sz="1386"/>
             </a:lvl3pPr>
-            <a:lvl4pPr marL="1371600" indent="0">
+            <a:lvl4pPr marL="791825" indent="0">
               <a:buNone/>
-              <a:defRPr sz="2000"/>
+              <a:defRPr sz="1155"/>
             </a:lvl4pPr>
-            <a:lvl5pPr marL="1828800" indent="0">
+            <a:lvl5pPr marL="1055766" indent="0">
               <a:buNone/>
-              <a:defRPr sz="2000"/>
+              <a:defRPr sz="1155"/>
             </a:lvl5pPr>
-            <a:lvl6pPr marL="2286000" indent="0">
+            <a:lvl6pPr marL="1319708" indent="0">
               <a:buNone/>
-              <a:defRPr sz="2000"/>
+              <a:defRPr sz="1155"/>
             </a:lvl6pPr>
-            <a:lvl7pPr marL="2743200" indent="0">
+            <a:lvl7pPr marL="1583649" indent="0">
               <a:buNone/>
-              <a:defRPr sz="2000"/>
+              <a:defRPr sz="1155"/>
             </a:lvl7pPr>
-            <a:lvl8pPr marL="3200400" indent="0">
+            <a:lvl8pPr marL="1847591" indent="0">
               <a:buNone/>
-              <a:defRPr sz="2000"/>
+              <a:defRPr sz="1155"/>
             </a:lvl8pPr>
-            <a:lvl9pPr marL="3657600" indent="0">
+            <a:lvl9pPr marL="2111532" indent="0">
               <a:buNone/>
-              <a:defRPr sz="2000"/>
+              <a:defRPr sz="1155"/>
             </a:lvl9pPr>
           </a:lstStyle>
           <a:p>
-            <a:endParaRPr kumimoji="1" lang="ja-JP" altLang="en-US"/>
-          </a:p>
-        </p:txBody>
-      </p:sp>
-      <p:sp>
-        <p:nvSpPr>
-          <p:cNvPr id="4" name="テキスト プレースホルダー 3"/>
+            <a:r>
+              <a:rPr lang="ja-JP" altLang="en-US" smtClean="0"/>
+              <a:t>図を追加</a:t>
+            </a:r>
+            <a:endParaRPr lang="en-US" dirty="0"/>
+          </a:p>
+        </p:txBody>
+      </p:sp>
+      <p:sp>
+        <p:nvSpPr>
+          <p:cNvPr id="4" name="Text Placeholder 3"/>
           <p:cNvSpPr>
             <a:spLocks noGrp="1"/>
           </p:cNvSpPr>
@@ -2537,8 +2541,8 @@
         </p:nvSpPr>
         <p:spPr>
           <a:xfrm>
-            <a:off x="839788" y="2057400"/>
-            <a:ext cx="3932237" cy="3811588"/>
+            <a:off x="839789" y="1187768"/>
+            <a:ext cx="3932237" cy="2200486"/>
           </a:xfrm>
         </p:spPr>
         <p:txBody>
@@ -2546,45 +2550,45 @@
           <a:lstStyle>
             <a:lvl1pPr marL="0" indent="0">
               <a:buNone/>
-              <a:defRPr sz="1600"/>
+              <a:defRPr sz="924"/>
             </a:lvl1pPr>
-            <a:lvl2pPr marL="457200" indent="0">
+            <a:lvl2pPr marL="263942" indent="0">
               <a:buNone/>
-              <a:defRPr sz="1400"/>
+              <a:defRPr sz="808"/>
             </a:lvl2pPr>
-            <a:lvl3pPr marL="914400" indent="0">
+            <a:lvl3pPr marL="527883" indent="0">
               <a:buNone/>
-              <a:defRPr sz="1200"/>
+              <a:defRPr sz="693"/>
             </a:lvl3pPr>
-            <a:lvl4pPr marL="1371600" indent="0">
+            <a:lvl4pPr marL="791825" indent="0">
               <a:buNone/>
-              <a:defRPr sz="1000"/>
+              <a:defRPr sz="577"/>
             </a:lvl4pPr>
-            <a:lvl5pPr marL="1828800" indent="0">
+            <a:lvl5pPr marL="1055766" indent="0">
               <a:buNone/>
-              <a:defRPr sz="1000"/>
+              <a:defRPr sz="577"/>
             </a:lvl5pPr>
-            <a:lvl6pPr marL="2286000" indent="0">
+            <a:lvl6pPr marL="1319708" indent="0">
               <a:buNone/>
-              <a:defRPr sz="1000"/>
+              <a:defRPr sz="577"/>
             </a:lvl6pPr>
-            <a:lvl7pPr marL="2743200" indent="0">
+            <a:lvl7pPr marL="1583649" indent="0">
               <a:buNone/>
-              <a:defRPr sz="1000"/>
+              <a:defRPr sz="577"/>
             </a:lvl7pPr>
-            <a:lvl8pPr marL="3200400" indent="0">
+            <a:lvl8pPr marL="1847591" indent="0">
               <a:buNone/>
-              <a:defRPr sz="1000"/>
+              <a:defRPr sz="577"/>
             </a:lvl8pPr>
-            <a:lvl9pPr marL="3657600" indent="0">
+            <a:lvl9pPr marL="2111532" indent="0">
               <a:buNone/>
-              <a:defRPr sz="1000"/>
+              <a:defRPr sz="577"/>
             </a:lvl9pPr>
           </a:lstStyle>
           <a:p>
             <a:pPr lvl="0"/>
             <a:r>
-              <a:rPr kumimoji="1" lang="ja-JP" altLang="en-US" smtClean="0"/>
+              <a:rPr lang="ja-JP" altLang="en-US" smtClean="0"/>
               <a:t>マスター テキストの書式設定</a:t>
             </a:r>
           </a:p>
@@ -2592,7 +2596,7 @@
       </p:sp>
       <p:sp>
         <p:nvSpPr>
-          <p:cNvPr id="5" name="日付プレースホルダー 4"/>
+          <p:cNvPr id="5" name="Date Placeholder 4"/>
           <p:cNvSpPr>
             <a:spLocks noGrp="1"/>
           </p:cNvSpPr>
@@ -2607,7 +2611,7 @@
           <a:p>
             <a:fld id="{C1075DFE-FF37-458C-BA31-8FFE9FD73297}" type="datetimeFigureOut">
               <a:rPr kumimoji="1" lang="ja-JP" altLang="en-US" smtClean="0"/>
-              <a:t>2019/2/5</a:t>
+              <a:t>2019/2/6</a:t>
             </a:fld>
             <a:endParaRPr kumimoji="1" lang="ja-JP" altLang="en-US"/>
           </a:p>
@@ -2615,7 +2619,7 @@
       </p:sp>
       <p:sp>
         <p:nvSpPr>
-          <p:cNvPr id="6" name="フッター プレースホルダー 5"/>
+          <p:cNvPr id="6" name="Footer Placeholder 5"/>
           <p:cNvSpPr>
             <a:spLocks noGrp="1"/>
           </p:cNvSpPr>
@@ -2634,7 +2638,7 @@
       </p:sp>
       <p:sp>
         <p:nvSpPr>
-          <p:cNvPr id="7" name="スライド番号プレースホルダー 6"/>
+          <p:cNvPr id="7" name="Slide Number Placeholder 6"/>
           <p:cNvSpPr>
             <a:spLocks noGrp="1"/>
           </p:cNvSpPr>
@@ -2658,7 +2662,7 @@
     </p:spTree>
     <p:extLst>
       <p:ext uri="{BB962C8B-B14F-4D97-AF65-F5344CB8AC3E}">
-        <p14:creationId xmlns:p14="http://schemas.microsoft.com/office/powerpoint/2010/main" val="3252453966"/>
+        <p14:creationId xmlns:p14="http://schemas.microsoft.com/office/powerpoint/2010/main" val="3046512776"/>
       </p:ext>
     </p:extLst>
   </p:cSld>
@@ -2692,7 +2696,7 @@
       </p:grpSpPr>
       <p:sp>
         <p:nvSpPr>
-          <p:cNvPr id="2" name="タイトル プレースホルダー 1"/>
+          <p:cNvPr id="2" name="Title Placeholder 1"/>
           <p:cNvSpPr>
             <a:spLocks noGrp="1"/>
           </p:cNvSpPr>
@@ -2702,8 +2706,8 @@
         </p:nvSpPr>
         <p:spPr>
           <a:xfrm>
-            <a:off x="838200" y="365125"/>
-            <a:ext cx="10515600" cy="1325563"/>
+            <a:off x="838200" y="210792"/>
+            <a:ext cx="10515600" cy="765267"/>
           </a:xfrm>
           <a:prstGeom prst="rect">
             <a:avLst/>
@@ -2716,16 +2720,16 @@
           <a:lstStyle/>
           <a:p>
             <a:r>
-              <a:rPr kumimoji="1" lang="ja-JP" altLang="en-US" smtClean="0"/>
+              <a:rPr lang="ja-JP" altLang="en-US" smtClean="0"/>
               <a:t>マスター タイトルの書式設定</a:t>
             </a:r>
-            <a:endParaRPr kumimoji="1" lang="ja-JP" altLang="en-US"/>
-          </a:p>
-        </p:txBody>
-      </p:sp>
-      <p:sp>
-        <p:nvSpPr>
-          <p:cNvPr id="3" name="テキスト プレースホルダー 2"/>
+            <a:endParaRPr lang="en-US" dirty="0"/>
+          </a:p>
+        </p:txBody>
+      </p:sp>
+      <p:sp>
+        <p:nvSpPr>
+          <p:cNvPr id="3" name="Text Placeholder 2"/>
           <p:cNvSpPr>
             <a:spLocks noGrp="1"/>
           </p:cNvSpPr>
@@ -2735,8 +2739,8 @@
         </p:nvSpPr>
         <p:spPr>
           <a:xfrm>
-            <a:off x="838200" y="1825625"/>
-            <a:ext cx="10515600" cy="4351338"/>
+            <a:off x="838200" y="1053960"/>
+            <a:ext cx="10515600" cy="2512092"/>
           </a:xfrm>
           <a:prstGeom prst="rect">
             <a:avLst/>
@@ -2750,76 +2754,76 @@
           <a:p>
             <a:pPr lvl="0"/>
             <a:r>
-              <a:rPr kumimoji="1" lang="ja-JP" altLang="en-US" smtClean="0"/>
+              <a:rPr lang="ja-JP" altLang="en-US" smtClean="0"/>
               <a:t>マスター テキストの書式設定</a:t>
             </a:r>
           </a:p>
           <a:p>
             <a:pPr lvl="1"/>
             <a:r>
-              <a:rPr kumimoji="1" lang="ja-JP" altLang="en-US" smtClean="0"/>
+              <a:rPr lang="ja-JP" altLang="en-US" smtClean="0"/>
               <a:t>第 </a:t>
             </a:r>
             <a:r>
-              <a:rPr kumimoji="1" lang="en-US" altLang="ja-JP" smtClean="0"/>
+              <a:rPr lang="en-US" altLang="ja-JP" smtClean="0"/>
               <a:t>2 </a:t>
             </a:r>
             <a:r>
-              <a:rPr kumimoji="1" lang="ja-JP" altLang="en-US" smtClean="0"/>
+              <a:rPr lang="ja-JP" altLang="en-US" smtClean="0"/>
               <a:t>レベル</a:t>
             </a:r>
           </a:p>
           <a:p>
             <a:pPr lvl="2"/>
             <a:r>
-              <a:rPr kumimoji="1" lang="ja-JP" altLang="en-US" smtClean="0"/>
+              <a:rPr lang="ja-JP" altLang="en-US" smtClean="0"/>
               <a:t>第 </a:t>
             </a:r>
             <a:r>
-              <a:rPr kumimoji="1" lang="en-US" altLang="ja-JP" smtClean="0"/>
+              <a:rPr lang="en-US" altLang="ja-JP" smtClean="0"/>
               <a:t>3 </a:t>
             </a:r>
             <a:r>
-              <a:rPr kumimoji="1" lang="ja-JP" altLang="en-US" smtClean="0"/>
+              <a:rPr lang="ja-JP" altLang="en-US" smtClean="0"/>
               <a:t>レベル</a:t>
             </a:r>
           </a:p>
           <a:p>
             <a:pPr lvl="3"/>
             <a:r>
-              <a:rPr kumimoji="1" lang="ja-JP" altLang="en-US" smtClean="0"/>
+              <a:rPr lang="ja-JP" altLang="en-US" smtClean="0"/>
               <a:t>第 </a:t>
             </a:r>
             <a:r>
-              <a:rPr kumimoji="1" lang="en-US" altLang="ja-JP" smtClean="0"/>
+              <a:rPr lang="en-US" altLang="ja-JP" smtClean="0"/>
               <a:t>4 </a:t>
             </a:r>
             <a:r>
-              <a:rPr kumimoji="1" lang="ja-JP" altLang="en-US" smtClean="0"/>
+              <a:rPr lang="ja-JP" altLang="en-US" smtClean="0"/>
               <a:t>レベル</a:t>
             </a:r>
           </a:p>
           <a:p>
             <a:pPr lvl="4"/>
             <a:r>
-              <a:rPr kumimoji="1" lang="ja-JP" altLang="en-US" smtClean="0"/>
+              <a:rPr lang="ja-JP" altLang="en-US" smtClean="0"/>
               <a:t>第 </a:t>
             </a:r>
             <a:r>
-              <a:rPr kumimoji="1" lang="en-US" altLang="ja-JP" smtClean="0"/>
+              <a:rPr lang="en-US" altLang="ja-JP" smtClean="0"/>
               <a:t>5 </a:t>
             </a:r>
             <a:r>
-              <a:rPr kumimoji="1" lang="ja-JP" altLang="en-US" smtClean="0"/>
+              <a:rPr lang="ja-JP" altLang="en-US" smtClean="0"/>
               <a:t>レベル</a:t>
             </a:r>
-            <a:endParaRPr kumimoji="1" lang="ja-JP" altLang="en-US"/>
-          </a:p>
-        </p:txBody>
-      </p:sp>
-      <p:sp>
-        <p:nvSpPr>
-          <p:cNvPr id="4" name="日付プレースホルダー 3"/>
+            <a:endParaRPr lang="en-US" dirty="0"/>
+          </a:p>
+        </p:txBody>
+      </p:sp>
+      <p:sp>
+        <p:nvSpPr>
+          <p:cNvPr id="4" name="Date Placeholder 3"/>
           <p:cNvSpPr>
             <a:spLocks noGrp="1"/>
           </p:cNvSpPr>
@@ -2829,8 +2833,8 @@
         </p:nvSpPr>
         <p:spPr>
           <a:xfrm>
-            <a:off x="838200" y="6356350"/>
-            <a:ext cx="2743200" cy="365125"/>
+            <a:off x="838200" y="3669615"/>
+            <a:ext cx="2743200" cy="210792"/>
           </a:xfrm>
           <a:prstGeom prst="rect">
             <a:avLst/>
@@ -2840,7 +2844,7 @@
           <a:bodyPr vert="horz" lIns="91440" tIns="45720" rIns="91440" bIns="45720" rtlCol="0" anchor="ctr"/>
           <a:lstStyle>
             <a:lvl1pPr algn="l">
-              <a:defRPr sz="1200">
+              <a:defRPr sz="693">
                 <a:solidFill>
                   <a:schemeClr val="tx1">
                     <a:tint val="75000"/>
@@ -2852,7 +2856,7 @@
           <a:p>
             <a:fld id="{C1075DFE-FF37-458C-BA31-8FFE9FD73297}" type="datetimeFigureOut">
               <a:rPr kumimoji="1" lang="ja-JP" altLang="en-US" smtClean="0"/>
-              <a:t>2019/2/5</a:t>
+              <a:t>2019/2/6</a:t>
             </a:fld>
             <a:endParaRPr kumimoji="1" lang="ja-JP" altLang="en-US"/>
           </a:p>
@@ -2860,7 +2864,7 @@
       </p:sp>
       <p:sp>
         <p:nvSpPr>
-          <p:cNvPr id="5" name="フッター プレースホルダー 4"/>
+          <p:cNvPr id="5" name="Footer Placeholder 4"/>
           <p:cNvSpPr>
             <a:spLocks noGrp="1"/>
           </p:cNvSpPr>
@@ -2870,8 +2874,8 @@
         </p:nvSpPr>
         <p:spPr>
           <a:xfrm>
-            <a:off x="4038600" y="6356350"/>
-            <a:ext cx="4114800" cy="365125"/>
+            <a:off x="4038600" y="3669615"/>
+            <a:ext cx="4114800" cy="210792"/>
           </a:xfrm>
           <a:prstGeom prst="rect">
             <a:avLst/>
@@ -2881,7 +2885,7 @@
           <a:bodyPr vert="horz" lIns="91440" tIns="45720" rIns="91440" bIns="45720" rtlCol="0" anchor="ctr"/>
           <a:lstStyle>
             <a:lvl1pPr algn="ctr">
-              <a:defRPr sz="1200">
+              <a:defRPr sz="693">
                 <a:solidFill>
                   <a:schemeClr val="tx1">
                     <a:tint val="75000"/>
@@ -2897,7 +2901,7 @@
       </p:sp>
       <p:sp>
         <p:nvSpPr>
-          <p:cNvPr id="6" name="スライド番号プレースホルダー 5"/>
+          <p:cNvPr id="6" name="Slide Number Placeholder 5"/>
           <p:cNvSpPr>
             <a:spLocks noGrp="1"/>
           </p:cNvSpPr>
@@ -2907,8 +2911,8 @@
         </p:nvSpPr>
         <p:spPr>
           <a:xfrm>
-            <a:off x="8610600" y="6356350"/>
-            <a:ext cx="2743200" cy="365125"/>
+            <a:off x="8610600" y="3669615"/>
+            <a:ext cx="2743200" cy="210792"/>
           </a:xfrm>
           <a:prstGeom prst="rect">
             <a:avLst/>
@@ -2918,7 +2922,7 @@
           <a:bodyPr vert="horz" lIns="91440" tIns="45720" rIns="91440" bIns="45720" rtlCol="0" anchor="ctr"/>
           <a:lstStyle>
             <a:lvl1pPr algn="r">
-              <a:defRPr sz="1200">
+              <a:defRPr sz="693">
                 <a:solidFill>
                   <a:schemeClr val="tx1">
                     <a:tint val="75000"/>
@@ -2939,27 +2943,27 @@
     </p:spTree>
     <p:extLst>
       <p:ext uri="{BB962C8B-B14F-4D97-AF65-F5344CB8AC3E}">
-        <p14:creationId xmlns:p14="http://schemas.microsoft.com/office/powerpoint/2010/main" val="3475477231"/>
+        <p14:creationId xmlns:p14="http://schemas.microsoft.com/office/powerpoint/2010/main" val="31287765"/>
       </p:ext>
     </p:extLst>
   </p:cSld>
   <p:clrMap bg1="lt1" tx1="dk1" bg2="lt2" tx2="dk2" accent1="accent1" accent2="accent2" accent3="accent3" accent4="accent4" accent5="accent5" accent6="accent6" hlink="hlink" folHlink="folHlink"/>
   <p:sldLayoutIdLst>
-    <p:sldLayoutId id="2147483649" r:id="rId1"/>
-    <p:sldLayoutId id="2147483650" r:id="rId2"/>
-    <p:sldLayoutId id="2147483651" r:id="rId3"/>
-    <p:sldLayoutId id="2147483652" r:id="rId4"/>
-    <p:sldLayoutId id="2147483653" r:id="rId5"/>
-    <p:sldLayoutId id="2147483654" r:id="rId6"/>
-    <p:sldLayoutId id="2147483655" r:id="rId7"/>
-    <p:sldLayoutId id="2147483656" r:id="rId8"/>
-    <p:sldLayoutId id="2147483657" r:id="rId9"/>
-    <p:sldLayoutId id="2147483658" r:id="rId10"/>
-    <p:sldLayoutId id="2147483659" r:id="rId11"/>
+    <p:sldLayoutId id="2147483685" r:id="rId1"/>
+    <p:sldLayoutId id="2147483686" r:id="rId2"/>
+    <p:sldLayoutId id="2147483687" r:id="rId3"/>
+    <p:sldLayoutId id="2147483688" r:id="rId4"/>
+    <p:sldLayoutId id="2147483689" r:id="rId5"/>
+    <p:sldLayoutId id="2147483690" r:id="rId6"/>
+    <p:sldLayoutId id="2147483691" r:id="rId7"/>
+    <p:sldLayoutId id="2147483692" r:id="rId8"/>
+    <p:sldLayoutId id="2147483693" r:id="rId9"/>
+    <p:sldLayoutId id="2147483694" r:id="rId10"/>
+    <p:sldLayoutId id="2147483695" r:id="rId11"/>
   </p:sldLayoutIdLst>
   <p:txStyles>
     <p:titleStyle>
-      <a:lvl1pPr algn="l" defTabSz="914400" rtl="0" eaLnBrk="1" latinLnBrk="0" hangingPunct="1">
+      <a:lvl1pPr algn="l" defTabSz="527883" rtl="0" eaLnBrk="1" latinLnBrk="0" hangingPunct="1">
         <a:lnSpc>
           <a:spcPct val="90000"/>
         </a:lnSpc>
@@ -2967,7 +2971,7 @@
           <a:spcPct val="0"/>
         </a:spcBef>
         <a:buNone/>
-        <a:defRPr kumimoji="1" sz="4400" kern="1200">
+        <a:defRPr kumimoji="1" sz="2540" kern="1200">
           <a:solidFill>
             <a:schemeClr val="tx1"/>
           </a:solidFill>
@@ -2978,16 +2982,16 @@
       </a:lvl1pPr>
     </p:titleStyle>
     <p:bodyStyle>
-      <a:lvl1pPr marL="228600" indent="-228600" algn="l" defTabSz="914400" rtl="0" eaLnBrk="1" latinLnBrk="0" hangingPunct="1">
+      <a:lvl1pPr marL="131971" indent="-131971" algn="l" defTabSz="527883" rtl="0" eaLnBrk="1" latinLnBrk="0" hangingPunct="1">
         <a:lnSpc>
           <a:spcPct val="90000"/>
         </a:lnSpc>
         <a:spcBef>
-          <a:spcPts val="1000"/>
+          <a:spcPts val="577"/>
         </a:spcBef>
         <a:buFont typeface="Arial" panose="020B0604020202020204" pitchFamily="34" charset="0"/>
         <a:buChar char="•"/>
-        <a:defRPr kumimoji="1" sz="2800" kern="1200">
+        <a:defRPr kumimoji="1" sz="1616" kern="1200">
           <a:solidFill>
             <a:schemeClr val="tx1"/>
           </a:solidFill>
@@ -2996,16 +3000,16 @@
           <a:cs typeface="+mn-cs"/>
         </a:defRPr>
       </a:lvl1pPr>
-      <a:lvl2pPr marL="685800" indent="-228600" algn="l" defTabSz="914400" rtl="0" eaLnBrk="1" latinLnBrk="0" hangingPunct="1">
+      <a:lvl2pPr marL="395912" indent="-131971" algn="l" defTabSz="527883" rtl="0" eaLnBrk="1" latinLnBrk="0" hangingPunct="1">
         <a:lnSpc>
           <a:spcPct val="90000"/>
         </a:lnSpc>
         <a:spcBef>
-          <a:spcPts val="500"/>
+          <a:spcPts val="289"/>
         </a:spcBef>
         <a:buFont typeface="Arial" panose="020B0604020202020204" pitchFamily="34" charset="0"/>
         <a:buChar char="•"/>
-        <a:defRPr kumimoji="1" sz="2400" kern="1200">
+        <a:defRPr kumimoji="1" sz="1386" kern="1200">
           <a:solidFill>
             <a:schemeClr val="tx1"/>
           </a:solidFill>
@@ -3014,16 +3018,16 @@
           <a:cs typeface="+mn-cs"/>
         </a:defRPr>
       </a:lvl2pPr>
-      <a:lvl3pPr marL="1143000" indent="-228600" algn="l" defTabSz="914400" rtl="0" eaLnBrk="1" latinLnBrk="0" hangingPunct="1">
+      <a:lvl3pPr marL="659854" indent="-131971" algn="l" defTabSz="527883" rtl="0" eaLnBrk="1" latinLnBrk="0" hangingPunct="1">
         <a:lnSpc>
           <a:spcPct val="90000"/>
         </a:lnSpc>
         <a:spcBef>
-          <a:spcPts val="500"/>
+          <a:spcPts val="289"/>
         </a:spcBef>
         <a:buFont typeface="Arial" panose="020B0604020202020204" pitchFamily="34" charset="0"/>
         <a:buChar char="•"/>
-        <a:defRPr kumimoji="1" sz="2000" kern="1200">
+        <a:defRPr kumimoji="1" sz="1155" kern="1200">
           <a:solidFill>
             <a:schemeClr val="tx1"/>
           </a:solidFill>
@@ -3032,16 +3036,16 @@
           <a:cs typeface="+mn-cs"/>
         </a:defRPr>
       </a:lvl3pPr>
-      <a:lvl4pPr marL="1600200" indent="-228600" algn="l" defTabSz="914400" rtl="0" eaLnBrk="1" latinLnBrk="0" hangingPunct="1">
+      <a:lvl4pPr marL="923795" indent="-131971" algn="l" defTabSz="527883" rtl="0" eaLnBrk="1" latinLnBrk="0" hangingPunct="1">
         <a:lnSpc>
           <a:spcPct val="90000"/>
         </a:lnSpc>
         <a:spcBef>
-          <a:spcPts val="500"/>
+          <a:spcPts val="289"/>
         </a:spcBef>
         <a:buFont typeface="Arial" panose="020B0604020202020204" pitchFamily="34" charset="0"/>
         <a:buChar char="•"/>
-        <a:defRPr kumimoji="1" sz="1800" kern="1200">
+        <a:defRPr kumimoji="1" sz="1039" kern="1200">
           <a:solidFill>
             <a:schemeClr val="tx1"/>
           </a:solidFill>
@@ -3050,16 +3054,16 @@
           <a:cs typeface="+mn-cs"/>
         </a:defRPr>
       </a:lvl4pPr>
-      <a:lvl5pPr marL="2057400" indent="-228600" algn="l" defTabSz="914400" rtl="0" eaLnBrk="1" latinLnBrk="0" hangingPunct="1">
+      <a:lvl5pPr marL="1187737" indent="-131971" algn="l" defTabSz="527883" rtl="0" eaLnBrk="1" latinLnBrk="0" hangingPunct="1">
         <a:lnSpc>
           <a:spcPct val="90000"/>
         </a:lnSpc>
         <a:spcBef>
-          <a:spcPts val="500"/>
+          <a:spcPts val="289"/>
         </a:spcBef>
         <a:buFont typeface="Arial" panose="020B0604020202020204" pitchFamily="34" charset="0"/>
         <a:buChar char="•"/>
-        <a:defRPr kumimoji="1" sz="1800" kern="1200">
+        <a:defRPr kumimoji="1" sz="1039" kern="1200">
           <a:solidFill>
             <a:schemeClr val="tx1"/>
           </a:solidFill>
@@ -3068,16 +3072,16 @@
           <a:cs typeface="+mn-cs"/>
         </a:defRPr>
       </a:lvl5pPr>
-      <a:lvl6pPr marL="2514600" indent="-228600" algn="l" defTabSz="914400" rtl="0" eaLnBrk="1" latinLnBrk="0" hangingPunct="1">
+      <a:lvl6pPr marL="1451679" indent="-131971" algn="l" defTabSz="527883" rtl="0" eaLnBrk="1" latinLnBrk="0" hangingPunct="1">
         <a:lnSpc>
           <a:spcPct val="90000"/>
         </a:lnSpc>
         <a:spcBef>
-          <a:spcPts val="500"/>
+          <a:spcPts val="289"/>
         </a:spcBef>
         <a:buFont typeface="Arial" panose="020B0604020202020204" pitchFamily="34" charset="0"/>
         <a:buChar char="•"/>
-        <a:defRPr kumimoji="1" sz="1800" kern="1200">
+        <a:defRPr kumimoji="1" sz="1039" kern="1200">
           <a:solidFill>
             <a:schemeClr val="tx1"/>
           </a:solidFill>
@@ -3086,16 +3090,16 @@
           <a:cs typeface="+mn-cs"/>
         </a:defRPr>
       </a:lvl6pPr>
-      <a:lvl7pPr marL="2971800" indent="-228600" algn="l" defTabSz="914400" rtl="0" eaLnBrk="1" latinLnBrk="0" hangingPunct="1">
+      <a:lvl7pPr marL="1715620" indent="-131971" algn="l" defTabSz="527883" rtl="0" eaLnBrk="1" latinLnBrk="0" hangingPunct="1">
         <a:lnSpc>
           <a:spcPct val="90000"/>
         </a:lnSpc>
         <a:spcBef>
-          <a:spcPts val="500"/>
+          <a:spcPts val="289"/>
         </a:spcBef>
         <a:buFont typeface="Arial" panose="020B0604020202020204" pitchFamily="34" charset="0"/>
         <a:buChar char="•"/>
-        <a:defRPr kumimoji="1" sz="1800" kern="1200">
+        <a:defRPr kumimoji="1" sz="1039" kern="1200">
           <a:solidFill>
             <a:schemeClr val="tx1"/>
           </a:solidFill>
@@ -3104,16 +3108,16 @@
           <a:cs typeface="+mn-cs"/>
         </a:defRPr>
       </a:lvl7pPr>
-      <a:lvl8pPr marL="3429000" indent="-228600" algn="l" defTabSz="914400" rtl="0" eaLnBrk="1" latinLnBrk="0" hangingPunct="1">
+      <a:lvl8pPr marL="1979562" indent="-131971" algn="l" defTabSz="527883" rtl="0" eaLnBrk="1" latinLnBrk="0" hangingPunct="1">
         <a:lnSpc>
           <a:spcPct val="90000"/>
         </a:lnSpc>
         <a:spcBef>
-          <a:spcPts val="500"/>
+          <a:spcPts val="289"/>
         </a:spcBef>
         <a:buFont typeface="Arial" panose="020B0604020202020204" pitchFamily="34" charset="0"/>
         <a:buChar char="•"/>
-        <a:defRPr kumimoji="1" sz="1800" kern="1200">
+        <a:defRPr kumimoji="1" sz="1039" kern="1200">
           <a:solidFill>
             <a:schemeClr val="tx1"/>
           </a:solidFill>
@@ -3122,16 +3126,16 @@
           <a:cs typeface="+mn-cs"/>
         </a:defRPr>
       </a:lvl8pPr>
-      <a:lvl9pPr marL="3886200" indent="-228600" algn="l" defTabSz="914400" rtl="0" eaLnBrk="1" latinLnBrk="0" hangingPunct="1">
+      <a:lvl9pPr marL="2243503" indent="-131971" algn="l" defTabSz="527883" rtl="0" eaLnBrk="1" latinLnBrk="0" hangingPunct="1">
         <a:lnSpc>
           <a:spcPct val="90000"/>
         </a:lnSpc>
         <a:spcBef>
-          <a:spcPts val="500"/>
+          <a:spcPts val="289"/>
         </a:spcBef>
         <a:buFont typeface="Arial" panose="020B0604020202020204" pitchFamily="34" charset="0"/>
         <a:buChar char="•"/>
-        <a:defRPr kumimoji="1" sz="1800" kern="1200">
+        <a:defRPr kumimoji="1" sz="1039" kern="1200">
           <a:solidFill>
             <a:schemeClr val="tx1"/>
           </a:solidFill>
@@ -3143,10 +3147,10 @@
     </p:bodyStyle>
     <p:otherStyle>
       <a:defPPr>
-        <a:defRPr lang="ja-JP"/>
+        <a:defRPr lang="en-US"/>
       </a:defPPr>
-      <a:lvl1pPr marL="0" algn="l" defTabSz="914400" rtl="0" eaLnBrk="1" latinLnBrk="0" hangingPunct="1">
-        <a:defRPr kumimoji="1" sz="1800" kern="1200">
+      <a:lvl1pPr marL="0" algn="l" defTabSz="527883" rtl="0" eaLnBrk="1" latinLnBrk="0" hangingPunct="1">
+        <a:defRPr kumimoji="1" sz="1039" kern="1200">
           <a:solidFill>
             <a:schemeClr val="tx1"/>
           </a:solidFill>
@@ -3155,8 +3159,8 @@
           <a:cs typeface="+mn-cs"/>
         </a:defRPr>
       </a:lvl1pPr>
-      <a:lvl2pPr marL="457200" algn="l" defTabSz="914400" rtl="0" eaLnBrk="1" latinLnBrk="0" hangingPunct="1">
-        <a:defRPr kumimoji="1" sz="1800" kern="1200">
+      <a:lvl2pPr marL="263942" algn="l" defTabSz="527883" rtl="0" eaLnBrk="1" latinLnBrk="0" hangingPunct="1">
+        <a:defRPr kumimoji="1" sz="1039" kern="1200">
           <a:solidFill>
             <a:schemeClr val="tx1"/>
           </a:solidFill>
@@ -3165,8 +3169,8 @@
           <a:cs typeface="+mn-cs"/>
         </a:defRPr>
       </a:lvl2pPr>
-      <a:lvl3pPr marL="914400" algn="l" defTabSz="914400" rtl="0" eaLnBrk="1" latinLnBrk="0" hangingPunct="1">
-        <a:defRPr kumimoji="1" sz="1800" kern="1200">
+      <a:lvl3pPr marL="527883" algn="l" defTabSz="527883" rtl="0" eaLnBrk="1" latinLnBrk="0" hangingPunct="1">
+        <a:defRPr kumimoji="1" sz="1039" kern="1200">
           <a:solidFill>
             <a:schemeClr val="tx1"/>
           </a:solidFill>
@@ -3175,8 +3179,8 @@
           <a:cs typeface="+mn-cs"/>
         </a:defRPr>
       </a:lvl3pPr>
-      <a:lvl4pPr marL="1371600" algn="l" defTabSz="914400" rtl="0" eaLnBrk="1" latinLnBrk="0" hangingPunct="1">
-        <a:defRPr kumimoji="1" sz="1800" kern="1200">
+      <a:lvl4pPr marL="791825" algn="l" defTabSz="527883" rtl="0" eaLnBrk="1" latinLnBrk="0" hangingPunct="1">
+        <a:defRPr kumimoji="1" sz="1039" kern="1200">
           <a:solidFill>
             <a:schemeClr val="tx1"/>
           </a:solidFill>
@@ -3185,8 +3189,8 @@
           <a:cs typeface="+mn-cs"/>
         </a:defRPr>
       </a:lvl4pPr>
-      <a:lvl5pPr marL="1828800" algn="l" defTabSz="914400" rtl="0" eaLnBrk="1" latinLnBrk="0" hangingPunct="1">
-        <a:defRPr kumimoji="1" sz="1800" kern="1200">
+      <a:lvl5pPr marL="1055766" algn="l" defTabSz="527883" rtl="0" eaLnBrk="1" latinLnBrk="0" hangingPunct="1">
+        <a:defRPr kumimoji="1" sz="1039" kern="1200">
           <a:solidFill>
             <a:schemeClr val="tx1"/>
           </a:solidFill>
@@ -3195,8 +3199,8 @@
           <a:cs typeface="+mn-cs"/>
         </a:defRPr>
       </a:lvl5pPr>
-      <a:lvl6pPr marL="2286000" algn="l" defTabSz="914400" rtl="0" eaLnBrk="1" latinLnBrk="0" hangingPunct="1">
-        <a:defRPr kumimoji="1" sz="1800" kern="1200">
+      <a:lvl6pPr marL="1319708" algn="l" defTabSz="527883" rtl="0" eaLnBrk="1" latinLnBrk="0" hangingPunct="1">
+        <a:defRPr kumimoji="1" sz="1039" kern="1200">
           <a:solidFill>
             <a:schemeClr val="tx1"/>
           </a:solidFill>
@@ -3205,8 +3209,8 @@
           <a:cs typeface="+mn-cs"/>
         </a:defRPr>
       </a:lvl6pPr>
-      <a:lvl7pPr marL="2743200" algn="l" defTabSz="914400" rtl="0" eaLnBrk="1" latinLnBrk="0" hangingPunct="1">
-        <a:defRPr kumimoji="1" sz="1800" kern="1200">
+      <a:lvl7pPr marL="1583649" algn="l" defTabSz="527883" rtl="0" eaLnBrk="1" latinLnBrk="0" hangingPunct="1">
+        <a:defRPr kumimoji="1" sz="1039" kern="1200">
           <a:solidFill>
             <a:schemeClr val="tx1"/>
           </a:solidFill>
@@ -3215,8 +3219,8 @@
           <a:cs typeface="+mn-cs"/>
         </a:defRPr>
       </a:lvl7pPr>
-      <a:lvl8pPr marL="3200400" algn="l" defTabSz="914400" rtl="0" eaLnBrk="1" latinLnBrk="0" hangingPunct="1">
-        <a:defRPr kumimoji="1" sz="1800" kern="1200">
+      <a:lvl8pPr marL="1847591" algn="l" defTabSz="527883" rtl="0" eaLnBrk="1" latinLnBrk="0" hangingPunct="1">
+        <a:defRPr kumimoji="1" sz="1039" kern="1200">
           <a:solidFill>
             <a:schemeClr val="tx1"/>
           </a:solidFill>
@@ -3225,8 +3229,8 @@
           <a:cs typeface="+mn-cs"/>
         </a:defRPr>
       </a:lvl8pPr>
-      <a:lvl9pPr marL="3657600" algn="l" defTabSz="914400" rtl="0" eaLnBrk="1" latinLnBrk="0" hangingPunct="1">
-        <a:defRPr kumimoji="1" sz="1800" kern="1200">
+      <a:lvl9pPr marL="2111532" algn="l" defTabSz="527883" rtl="0" eaLnBrk="1" latinLnBrk="0" hangingPunct="1">
+        <a:defRPr kumimoji="1" sz="1039" kern="1200">
           <a:solidFill>
             <a:schemeClr val="tx1"/>
           </a:solidFill>
@@ -3265,7 +3269,7 @@
         </p:nvSpPr>
         <p:spPr>
           <a:xfrm>
-            <a:off x="585216" y="1670304"/>
+            <a:off x="585216" y="220916"/>
             <a:ext cx="360000" cy="360000"/>
           </a:xfrm>
           <a:prstGeom prst="rect">
@@ -3304,7 +3308,7 @@
           <a:lstStyle/>
           <a:p>
             <a:pPr algn="ctr"/>
-            <a:endParaRPr kumimoji="1" lang="ja-JP" altLang="en-US"/>
+            <a:endParaRPr lang="ja-JP" altLang="en-US"/>
           </a:p>
         </p:txBody>
       </p:sp>
@@ -3316,7 +3320,7 @@
         </p:nvSpPr>
         <p:spPr>
           <a:xfrm>
-            <a:off x="585216" y="2030304"/>
+            <a:off x="585216" y="580916"/>
             <a:ext cx="360000" cy="360000"/>
           </a:xfrm>
           <a:prstGeom prst="rect">
@@ -3354,7 +3358,7 @@
           <a:lstStyle/>
           <a:p>
             <a:pPr algn="ctr"/>
-            <a:endParaRPr kumimoji="1" lang="ja-JP" altLang="en-US"/>
+            <a:endParaRPr lang="ja-JP" altLang="en-US"/>
           </a:p>
         </p:txBody>
       </p:sp>
@@ -3366,7 +3370,7 @@
         </p:nvSpPr>
         <p:spPr>
           <a:xfrm>
-            <a:off x="585216" y="2390304"/>
+            <a:off x="585216" y="940916"/>
             <a:ext cx="360000" cy="360000"/>
           </a:xfrm>
           <a:prstGeom prst="rect">
@@ -3405,7 +3409,7 @@
           <a:lstStyle/>
           <a:p>
             <a:pPr algn="ctr"/>
-            <a:endParaRPr kumimoji="1" lang="ja-JP" altLang="en-US"/>
+            <a:endParaRPr lang="ja-JP" altLang="en-US"/>
           </a:p>
         </p:txBody>
       </p:sp>
@@ -3417,7 +3421,7 @@
         </p:nvSpPr>
         <p:spPr>
           <a:xfrm>
-            <a:off x="585216" y="2750304"/>
+            <a:off x="585216" y="1300916"/>
             <a:ext cx="360000" cy="360000"/>
           </a:xfrm>
           <a:prstGeom prst="rect">
@@ -3455,7 +3459,7 @@
           <a:lstStyle/>
           <a:p>
             <a:pPr algn="ctr"/>
-            <a:endParaRPr kumimoji="1" lang="ja-JP" altLang="en-US"/>
+            <a:endParaRPr lang="ja-JP" altLang="en-US"/>
           </a:p>
         </p:txBody>
       </p:sp>
@@ -3467,7 +3471,7 @@
         </p:nvSpPr>
         <p:spPr>
           <a:xfrm>
-            <a:off x="585216" y="3110304"/>
+            <a:off x="585216" y="1660916"/>
             <a:ext cx="360000" cy="360000"/>
           </a:xfrm>
           <a:prstGeom prst="rect">
@@ -3506,7 +3510,7 @@
           <a:lstStyle/>
           <a:p>
             <a:pPr algn="ctr"/>
-            <a:endParaRPr kumimoji="1" lang="ja-JP" altLang="en-US"/>
+            <a:endParaRPr lang="ja-JP" altLang="en-US"/>
           </a:p>
         </p:txBody>
       </p:sp>
@@ -3518,7 +3522,7 @@
         </p:nvSpPr>
         <p:spPr>
           <a:xfrm>
-            <a:off x="585216" y="3470304"/>
+            <a:off x="585216" y="2020916"/>
             <a:ext cx="360000" cy="360000"/>
           </a:xfrm>
           <a:prstGeom prst="rect">
@@ -3556,7 +3560,7 @@
           <a:lstStyle/>
           <a:p>
             <a:pPr algn="ctr"/>
-            <a:endParaRPr kumimoji="1" lang="ja-JP" altLang="en-US"/>
+            <a:endParaRPr lang="ja-JP" altLang="en-US"/>
           </a:p>
         </p:txBody>
       </p:sp>
@@ -3568,7 +3572,7 @@
         </p:nvSpPr>
         <p:spPr>
           <a:xfrm>
-            <a:off x="585216" y="3830304"/>
+            <a:off x="585216" y="2380916"/>
             <a:ext cx="360000" cy="360000"/>
           </a:xfrm>
           <a:prstGeom prst="rect">
@@ -3607,7 +3611,7 @@
           <a:lstStyle/>
           <a:p>
             <a:pPr algn="ctr"/>
-            <a:endParaRPr kumimoji="1" lang="ja-JP" altLang="en-US"/>
+            <a:endParaRPr lang="ja-JP" altLang="en-US"/>
           </a:p>
         </p:txBody>
       </p:sp>
@@ -3619,7 +3623,7 @@
         </p:nvSpPr>
         <p:spPr>
           <a:xfrm>
-            <a:off x="585216" y="4190304"/>
+            <a:off x="585216" y="2740916"/>
             <a:ext cx="360000" cy="360000"/>
           </a:xfrm>
           <a:prstGeom prst="rect">
@@ -3657,7 +3661,7 @@
           <a:lstStyle/>
           <a:p>
             <a:pPr algn="ctr"/>
-            <a:endParaRPr kumimoji="1" lang="ja-JP" altLang="en-US"/>
+            <a:endParaRPr lang="ja-JP" altLang="en-US"/>
           </a:p>
         </p:txBody>
       </p:sp>
@@ -3669,7 +3673,7 @@
         </p:nvSpPr>
         <p:spPr>
           <a:xfrm>
-            <a:off x="945216" y="2030304"/>
+            <a:off x="945216" y="580916"/>
             <a:ext cx="360000" cy="360000"/>
           </a:xfrm>
           <a:prstGeom prst="rect">
@@ -3708,7 +3712,7 @@
           <a:lstStyle/>
           <a:p>
             <a:pPr algn="ctr"/>
-            <a:endParaRPr kumimoji="1" lang="ja-JP" altLang="en-US"/>
+            <a:endParaRPr lang="ja-JP" altLang="en-US"/>
           </a:p>
         </p:txBody>
       </p:sp>
@@ -3720,7 +3724,7 @@
         </p:nvSpPr>
         <p:spPr>
           <a:xfrm>
-            <a:off x="945216" y="2390304"/>
+            <a:off x="945216" y="940916"/>
             <a:ext cx="360000" cy="360000"/>
           </a:xfrm>
           <a:prstGeom prst="rect">
@@ -3758,7 +3762,7 @@
           <a:lstStyle/>
           <a:p>
             <a:pPr algn="ctr"/>
-            <a:endParaRPr kumimoji="1" lang="ja-JP" altLang="en-US"/>
+            <a:endParaRPr lang="ja-JP" altLang="en-US"/>
           </a:p>
         </p:txBody>
       </p:sp>
@@ -3770,7 +3774,7 @@
         </p:nvSpPr>
         <p:spPr>
           <a:xfrm>
-            <a:off x="945216" y="2750304"/>
+            <a:off x="945216" y="1300916"/>
             <a:ext cx="360000" cy="360000"/>
           </a:xfrm>
           <a:prstGeom prst="rect">
@@ -3809,7 +3813,7 @@
           <a:lstStyle/>
           <a:p>
             <a:pPr algn="ctr"/>
-            <a:endParaRPr kumimoji="1" lang="ja-JP" altLang="en-US"/>
+            <a:endParaRPr lang="ja-JP" altLang="en-US"/>
           </a:p>
         </p:txBody>
       </p:sp>
@@ -3821,7 +3825,7 @@
         </p:nvSpPr>
         <p:spPr>
           <a:xfrm>
-            <a:off x="945216" y="3110304"/>
+            <a:off x="945216" y="1660916"/>
             <a:ext cx="360000" cy="360000"/>
           </a:xfrm>
           <a:prstGeom prst="rect">
@@ -3859,7 +3863,7 @@
           <a:lstStyle/>
           <a:p>
             <a:pPr algn="ctr"/>
-            <a:endParaRPr kumimoji="1" lang="ja-JP" altLang="en-US"/>
+            <a:endParaRPr lang="ja-JP" altLang="en-US"/>
           </a:p>
         </p:txBody>
       </p:sp>
@@ -3871,7 +3875,7 @@
         </p:nvSpPr>
         <p:spPr>
           <a:xfrm>
-            <a:off x="945216" y="3470304"/>
+            <a:off x="945216" y="2020916"/>
             <a:ext cx="360000" cy="360000"/>
           </a:xfrm>
           <a:prstGeom prst="rect">
@@ -3910,7 +3914,7 @@
           <a:lstStyle/>
           <a:p>
             <a:pPr algn="ctr"/>
-            <a:endParaRPr kumimoji="1" lang="ja-JP" altLang="en-US"/>
+            <a:endParaRPr lang="ja-JP" altLang="en-US"/>
           </a:p>
         </p:txBody>
       </p:sp>
@@ -3922,7 +3926,7 @@
         </p:nvSpPr>
         <p:spPr>
           <a:xfrm>
-            <a:off x="945216" y="3830304"/>
+            <a:off x="945216" y="2380916"/>
             <a:ext cx="360000" cy="360000"/>
           </a:xfrm>
           <a:prstGeom prst="rect">
@@ -3960,7 +3964,7 @@
           <a:lstStyle/>
           <a:p>
             <a:pPr algn="ctr"/>
-            <a:endParaRPr kumimoji="1" lang="ja-JP" altLang="en-US"/>
+            <a:endParaRPr lang="ja-JP" altLang="en-US"/>
           </a:p>
         </p:txBody>
       </p:sp>
@@ -3972,7 +3976,7 @@
         </p:nvSpPr>
         <p:spPr>
           <a:xfrm>
-            <a:off x="945216" y="4190304"/>
+            <a:off x="945216" y="2740916"/>
             <a:ext cx="360000" cy="360000"/>
           </a:xfrm>
           <a:prstGeom prst="rect">
@@ -4011,7 +4015,7 @@
           <a:lstStyle/>
           <a:p>
             <a:pPr algn="ctr"/>
-            <a:endParaRPr kumimoji="1" lang="ja-JP" altLang="en-US"/>
+            <a:endParaRPr lang="ja-JP" altLang="en-US"/>
           </a:p>
         </p:txBody>
       </p:sp>
@@ -4023,7 +4027,7 @@
         </p:nvSpPr>
         <p:spPr>
           <a:xfrm>
-            <a:off x="945216" y="1670304"/>
+            <a:off x="945216" y="220916"/>
             <a:ext cx="360000" cy="360000"/>
           </a:xfrm>
           <a:prstGeom prst="rect">
@@ -4061,7 +4065,7 @@
           <a:lstStyle/>
           <a:p>
             <a:pPr algn="ctr"/>
-            <a:endParaRPr kumimoji="1" lang="ja-JP" altLang="en-US"/>
+            <a:endParaRPr lang="ja-JP" altLang="en-US"/>
           </a:p>
         </p:txBody>
       </p:sp>
@@ -4073,7 +4077,7 @@
         </p:nvSpPr>
         <p:spPr>
           <a:xfrm>
-            <a:off x="1305216" y="1670304"/>
+            <a:off x="1305216" y="220916"/>
             <a:ext cx="360000" cy="360000"/>
           </a:xfrm>
           <a:prstGeom prst="rect">
@@ -4112,7 +4116,7 @@
           <a:lstStyle/>
           <a:p>
             <a:pPr algn="ctr"/>
-            <a:endParaRPr kumimoji="1" lang="ja-JP" altLang="en-US"/>
+            <a:endParaRPr lang="ja-JP" altLang="en-US"/>
           </a:p>
         </p:txBody>
       </p:sp>
@@ -4124,7 +4128,7 @@
         </p:nvSpPr>
         <p:spPr>
           <a:xfrm>
-            <a:off x="1305216" y="2030304"/>
+            <a:off x="1305216" y="580916"/>
             <a:ext cx="360000" cy="360000"/>
           </a:xfrm>
           <a:prstGeom prst="rect">
@@ -4162,7 +4166,7 @@
           <a:lstStyle/>
           <a:p>
             <a:pPr algn="ctr"/>
-            <a:endParaRPr kumimoji="1" lang="ja-JP" altLang="en-US"/>
+            <a:endParaRPr lang="ja-JP" altLang="en-US"/>
           </a:p>
         </p:txBody>
       </p:sp>
@@ -4174,7 +4178,7 @@
         </p:nvSpPr>
         <p:spPr>
           <a:xfrm>
-            <a:off x="1305216" y="2390304"/>
+            <a:off x="1305216" y="940916"/>
             <a:ext cx="360000" cy="360000"/>
           </a:xfrm>
           <a:prstGeom prst="rect">
@@ -4213,7 +4217,7 @@
           <a:lstStyle/>
           <a:p>
             <a:pPr algn="ctr"/>
-            <a:endParaRPr kumimoji="1" lang="ja-JP" altLang="en-US"/>
+            <a:endParaRPr lang="ja-JP" altLang="en-US"/>
           </a:p>
         </p:txBody>
       </p:sp>
@@ -4225,7 +4229,7 @@
         </p:nvSpPr>
         <p:spPr>
           <a:xfrm>
-            <a:off x="1305216" y="2750304"/>
+            <a:off x="1305216" y="1300916"/>
             <a:ext cx="360000" cy="360000"/>
           </a:xfrm>
           <a:prstGeom prst="rect">
@@ -4263,7 +4267,7 @@
           <a:lstStyle/>
           <a:p>
             <a:pPr algn="ctr"/>
-            <a:endParaRPr kumimoji="1" lang="ja-JP" altLang="en-US"/>
+            <a:endParaRPr lang="ja-JP" altLang="en-US"/>
           </a:p>
         </p:txBody>
       </p:sp>
@@ -4275,7 +4279,7 @@
         </p:nvSpPr>
         <p:spPr>
           <a:xfrm>
-            <a:off x="1305216" y="3110304"/>
+            <a:off x="1305216" y="1660916"/>
             <a:ext cx="360000" cy="360000"/>
           </a:xfrm>
           <a:prstGeom prst="rect">
@@ -4314,7 +4318,7 @@
           <a:lstStyle/>
           <a:p>
             <a:pPr algn="ctr"/>
-            <a:endParaRPr kumimoji="1" lang="ja-JP" altLang="en-US"/>
+            <a:endParaRPr lang="ja-JP" altLang="en-US"/>
           </a:p>
         </p:txBody>
       </p:sp>
@@ -4326,7 +4330,7 @@
         </p:nvSpPr>
         <p:spPr>
           <a:xfrm>
-            <a:off x="1305216" y="3470304"/>
+            <a:off x="1305216" y="2020916"/>
             <a:ext cx="360000" cy="360000"/>
           </a:xfrm>
           <a:prstGeom prst="rect">
@@ -4364,7 +4368,7 @@
           <a:lstStyle/>
           <a:p>
             <a:pPr algn="ctr"/>
-            <a:endParaRPr kumimoji="1" lang="ja-JP" altLang="en-US"/>
+            <a:endParaRPr lang="ja-JP" altLang="en-US"/>
           </a:p>
         </p:txBody>
       </p:sp>
@@ -4376,7 +4380,7 @@
         </p:nvSpPr>
         <p:spPr>
           <a:xfrm>
-            <a:off x="1305216" y="3830304"/>
+            <a:off x="1305216" y="2380916"/>
             <a:ext cx="360000" cy="360000"/>
           </a:xfrm>
           <a:prstGeom prst="rect">
@@ -4415,7 +4419,7 @@
           <a:lstStyle/>
           <a:p>
             <a:pPr algn="ctr"/>
-            <a:endParaRPr kumimoji="1" lang="ja-JP" altLang="en-US"/>
+            <a:endParaRPr lang="ja-JP" altLang="en-US"/>
           </a:p>
         </p:txBody>
       </p:sp>
@@ -4427,7 +4431,7 @@
         </p:nvSpPr>
         <p:spPr>
           <a:xfrm>
-            <a:off x="1305216" y="4190304"/>
+            <a:off x="1305216" y="2740916"/>
             <a:ext cx="360000" cy="360000"/>
           </a:xfrm>
           <a:prstGeom prst="rect">
@@ -4465,7 +4469,7 @@
           <a:lstStyle/>
           <a:p>
             <a:pPr algn="ctr"/>
-            <a:endParaRPr kumimoji="1" lang="ja-JP" altLang="en-US"/>
+            <a:endParaRPr lang="ja-JP" altLang="en-US"/>
           </a:p>
         </p:txBody>
       </p:sp>
@@ -4477,7 +4481,7 @@
         </p:nvSpPr>
         <p:spPr>
           <a:xfrm>
-            <a:off x="1665216" y="2030304"/>
+            <a:off x="1665216" y="580916"/>
             <a:ext cx="360000" cy="360000"/>
           </a:xfrm>
           <a:prstGeom prst="rect">
@@ -4516,7 +4520,7 @@
           <a:lstStyle/>
           <a:p>
             <a:pPr algn="ctr"/>
-            <a:endParaRPr kumimoji="1" lang="ja-JP" altLang="en-US"/>
+            <a:endParaRPr lang="ja-JP" altLang="en-US"/>
           </a:p>
         </p:txBody>
       </p:sp>
@@ -4528,7 +4532,7 @@
         </p:nvSpPr>
         <p:spPr>
           <a:xfrm>
-            <a:off x="1665216" y="2390304"/>
+            <a:off x="1665216" y="940916"/>
             <a:ext cx="360000" cy="360000"/>
           </a:xfrm>
           <a:prstGeom prst="rect">
@@ -4566,7 +4570,7 @@
           <a:lstStyle/>
           <a:p>
             <a:pPr algn="ctr"/>
-            <a:endParaRPr kumimoji="1" lang="ja-JP" altLang="en-US"/>
+            <a:endParaRPr lang="ja-JP" altLang="en-US"/>
           </a:p>
         </p:txBody>
       </p:sp>
@@ -4578,7 +4582,7 @@
         </p:nvSpPr>
         <p:spPr>
           <a:xfrm>
-            <a:off x="1665216" y="2750304"/>
+            <a:off x="1665216" y="1300916"/>
             <a:ext cx="360000" cy="360000"/>
           </a:xfrm>
           <a:prstGeom prst="rect">
@@ -4617,7 +4621,7 @@
           <a:lstStyle/>
           <a:p>
             <a:pPr algn="ctr"/>
-            <a:endParaRPr kumimoji="1" lang="ja-JP" altLang="en-US"/>
+            <a:endParaRPr lang="ja-JP" altLang="en-US"/>
           </a:p>
         </p:txBody>
       </p:sp>
@@ -4629,7 +4633,7 @@
         </p:nvSpPr>
         <p:spPr>
           <a:xfrm>
-            <a:off x="1665216" y="3110304"/>
+            <a:off x="1665216" y="1660916"/>
             <a:ext cx="360000" cy="360000"/>
           </a:xfrm>
           <a:prstGeom prst="rect">
@@ -4667,7 +4671,7 @@
           <a:lstStyle/>
           <a:p>
             <a:pPr algn="ctr"/>
-            <a:endParaRPr kumimoji="1" lang="ja-JP" altLang="en-US"/>
+            <a:endParaRPr lang="ja-JP" altLang="en-US"/>
           </a:p>
         </p:txBody>
       </p:sp>
@@ -4679,7 +4683,7 @@
         </p:nvSpPr>
         <p:spPr>
           <a:xfrm>
-            <a:off x="1665216" y="3470304"/>
+            <a:off x="1665216" y="2020916"/>
             <a:ext cx="360000" cy="360000"/>
           </a:xfrm>
           <a:prstGeom prst="rect">
@@ -4718,7 +4722,7 @@
           <a:lstStyle/>
           <a:p>
             <a:pPr algn="ctr"/>
-            <a:endParaRPr kumimoji="1" lang="ja-JP" altLang="en-US"/>
+            <a:endParaRPr lang="ja-JP" altLang="en-US"/>
           </a:p>
         </p:txBody>
       </p:sp>
@@ -4730,7 +4734,7 @@
         </p:nvSpPr>
         <p:spPr>
           <a:xfrm>
-            <a:off x="1665216" y="3830304"/>
+            <a:off x="1665216" y="2380916"/>
             <a:ext cx="360000" cy="360000"/>
           </a:xfrm>
           <a:prstGeom prst="rect">
@@ -4768,7 +4772,7 @@
           <a:lstStyle/>
           <a:p>
             <a:pPr algn="ctr"/>
-            <a:endParaRPr kumimoji="1" lang="ja-JP" altLang="en-US"/>
+            <a:endParaRPr lang="ja-JP" altLang="en-US"/>
           </a:p>
         </p:txBody>
       </p:sp>
@@ -4780,7 +4784,7 @@
         </p:nvSpPr>
         <p:spPr>
           <a:xfrm>
-            <a:off x="1665216" y="4190304"/>
+            <a:off x="1665216" y="2740916"/>
             <a:ext cx="360000" cy="360000"/>
           </a:xfrm>
           <a:prstGeom prst="rect">
@@ -4819,7 +4823,7 @@
           <a:lstStyle/>
           <a:p>
             <a:pPr algn="ctr"/>
-            <a:endParaRPr kumimoji="1" lang="ja-JP" altLang="en-US"/>
+            <a:endParaRPr lang="ja-JP" altLang="en-US"/>
           </a:p>
         </p:txBody>
       </p:sp>
@@ -4831,7 +4835,7 @@
         </p:nvSpPr>
         <p:spPr>
           <a:xfrm>
-            <a:off x="1665216" y="1670304"/>
+            <a:off x="1665216" y="220916"/>
             <a:ext cx="360000" cy="360000"/>
           </a:xfrm>
           <a:prstGeom prst="rect">
@@ -4869,7 +4873,7 @@
           <a:lstStyle/>
           <a:p>
             <a:pPr algn="ctr"/>
-            <a:endParaRPr kumimoji="1" lang="ja-JP" altLang="en-US"/>
+            <a:endParaRPr lang="ja-JP" altLang="en-US"/>
           </a:p>
         </p:txBody>
       </p:sp>
@@ -4881,7 +4885,7 @@
         </p:nvSpPr>
         <p:spPr>
           <a:xfrm>
-            <a:off x="2025216" y="1670304"/>
+            <a:off x="2025216" y="220916"/>
             <a:ext cx="360000" cy="360000"/>
           </a:xfrm>
           <a:prstGeom prst="rect">
@@ -4920,7 +4924,7 @@
           <a:lstStyle/>
           <a:p>
             <a:pPr algn="ctr"/>
-            <a:endParaRPr kumimoji="1" lang="ja-JP" altLang="en-US"/>
+            <a:endParaRPr lang="ja-JP" altLang="en-US"/>
           </a:p>
         </p:txBody>
       </p:sp>
@@ -4932,7 +4936,7 @@
         </p:nvSpPr>
         <p:spPr>
           <a:xfrm>
-            <a:off x="2025216" y="2030304"/>
+            <a:off x="2025216" y="580916"/>
             <a:ext cx="360000" cy="360000"/>
           </a:xfrm>
           <a:prstGeom prst="rect">
@@ -4970,7 +4974,7 @@
           <a:lstStyle/>
           <a:p>
             <a:pPr algn="ctr"/>
-            <a:endParaRPr kumimoji="1" lang="ja-JP" altLang="en-US"/>
+            <a:endParaRPr lang="ja-JP" altLang="en-US"/>
           </a:p>
         </p:txBody>
       </p:sp>
@@ -4982,7 +4986,7 @@
         </p:nvSpPr>
         <p:spPr>
           <a:xfrm>
-            <a:off x="2025216" y="2390304"/>
+            <a:off x="2025216" y="940916"/>
             <a:ext cx="360000" cy="360000"/>
           </a:xfrm>
           <a:prstGeom prst="rect">
@@ -5021,7 +5025,7 @@
           <a:lstStyle/>
           <a:p>
             <a:pPr algn="ctr"/>
-            <a:endParaRPr kumimoji="1" lang="ja-JP" altLang="en-US"/>
+            <a:endParaRPr lang="ja-JP" altLang="en-US"/>
           </a:p>
         </p:txBody>
       </p:sp>
@@ -5033,7 +5037,7 @@
         </p:nvSpPr>
         <p:spPr>
           <a:xfrm>
-            <a:off x="2025216" y="2750304"/>
+            <a:off x="2025216" y="1300916"/>
             <a:ext cx="360000" cy="360000"/>
           </a:xfrm>
           <a:prstGeom prst="rect">
@@ -5071,7 +5075,7 @@
           <a:lstStyle/>
           <a:p>
             <a:pPr algn="ctr"/>
-            <a:endParaRPr kumimoji="1" lang="ja-JP" altLang="en-US"/>
+            <a:endParaRPr lang="ja-JP" altLang="en-US"/>
           </a:p>
         </p:txBody>
       </p:sp>
@@ -5083,7 +5087,7 @@
         </p:nvSpPr>
         <p:spPr>
           <a:xfrm>
-            <a:off x="2025216" y="3110304"/>
+            <a:off x="2025216" y="1660916"/>
             <a:ext cx="360000" cy="360000"/>
           </a:xfrm>
           <a:prstGeom prst="rect">
@@ -5122,7 +5126,7 @@
           <a:lstStyle/>
           <a:p>
             <a:pPr algn="ctr"/>
-            <a:endParaRPr kumimoji="1" lang="ja-JP" altLang="en-US"/>
+            <a:endParaRPr lang="ja-JP" altLang="en-US"/>
           </a:p>
         </p:txBody>
       </p:sp>
@@ -5134,7 +5138,7 @@
         </p:nvSpPr>
         <p:spPr>
           <a:xfrm>
-            <a:off x="2025216" y="3470304"/>
+            <a:off x="2025216" y="2020916"/>
             <a:ext cx="360000" cy="360000"/>
           </a:xfrm>
           <a:prstGeom prst="rect">
@@ -5172,7 +5176,7 @@
           <a:lstStyle/>
           <a:p>
             <a:pPr algn="ctr"/>
-            <a:endParaRPr kumimoji="1" lang="ja-JP" altLang="en-US"/>
+            <a:endParaRPr lang="ja-JP" altLang="en-US"/>
           </a:p>
         </p:txBody>
       </p:sp>
@@ -5184,7 +5188,7 @@
         </p:nvSpPr>
         <p:spPr>
           <a:xfrm>
-            <a:off x="2025216" y="3830304"/>
+            <a:off x="2025216" y="2380916"/>
             <a:ext cx="360000" cy="360000"/>
           </a:xfrm>
           <a:prstGeom prst="rect">
@@ -5223,7 +5227,7 @@
           <a:lstStyle/>
           <a:p>
             <a:pPr algn="ctr"/>
-            <a:endParaRPr kumimoji="1" lang="ja-JP" altLang="en-US"/>
+            <a:endParaRPr lang="ja-JP" altLang="en-US"/>
           </a:p>
         </p:txBody>
       </p:sp>
@@ -5235,7 +5239,7 @@
         </p:nvSpPr>
         <p:spPr>
           <a:xfrm>
-            <a:off x="2025216" y="4190304"/>
+            <a:off x="2025216" y="2740916"/>
             <a:ext cx="360000" cy="360000"/>
           </a:xfrm>
           <a:prstGeom prst="rect">
@@ -5273,7 +5277,7 @@
           <a:lstStyle/>
           <a:p>
             <a:pPr algn="ctr"/>
-            <a:endParaRPr kumimoji="1" lang="ja-JP" altLang="en-US"/>
+            <a:endParaRPr lang="ja-JP" altLang="en-US"/>
           </a:p>
         </p:txBody>
       </p:sp>
@@ -5285,7 +5289,7 @@
         </p:nvSpPr>
         <p:spPr>
           <a:xfrm>
-            <a:off x="2385216" y="2030304"/>
+            <a:off x="2385216" y="580916"/>
             <a:ext cx="360000" cy="360000"/>
           </a:xfrm>
           <a:prstGeom prst="rect">
@@ -5324,7 +5328,7 @@
           <a:lstStyle/>
           <a:p>
             <a:pPr algn="ctr"/>
-            <a:endParaRPr kumimoji="1" lang="ja-JP" altLang="en-US"/>
+            <a:endParaRPr lang="ja-JP" altLang="en-US"/>
           </a:p>
         </p:txBody>
       </p:sp>
@@ -5336,7 +5340,7 @@
         </p:nvSpPr>
         <p:spPr>
           <a:xfrm>
-            <a:off x="2385216" y="2390304"/>
+            <a:off x="2385216" y="940916"/>
             <a:ext cx="360000" cy="360000"/>
           </a:xfrm>
           <a:prstGeom prst="rect">
@@ -5374,7 +5378,7 @@
           <a:lstStyle/>
           <a:p>
             <a:pPr algn="ctr"/>
-            <a:endParaRPr kumimoji="1" lang="ja-JP" altLang="en-US"/>
+            <a:endParaRPr lang="ja-JP" altLang="en-US"/>
           </a:p>
         </p:txBody>
       </p:sp>
@@ -5386,7 +5390,7 @@
         </p:nvSpPr>
         <p:spPr>
           <a:xfrm>
-            <a:off x="2385216" y="2750304"/>
+            <a:off x="2385216" y="1300916"/>
             <a:ext cx="360000" cy="360000"/>
           </a:xfrm>
           <a:prstGeom prst="rect">
@@ -5425,7 +5429,7 @@
           <a:lstStyle/>
           <a:p>
             <a:pPr algn="ctr"/>
-            <a:endParaRPr kumimoji="1" lang="ja-JP" altLang="en-US"/>
+            <a:endParaRPr lang="ja-JP" altLang="en-US"/>
           </a:p>
         </p:txBody>
       </p:sp>
@@ -5437,7 +5441,7 @@
         </p:nvSpPr>
         <p:spPr>
           <a:xfrm>
-            <a:off x="2385216" y="3110304"/>
+            <a:off x="2385216" y="1660916"/>
             <a:ext cx="360000" cy="360000"/>
           </a:xfrm>
           <a:prstGeom prst="rect">
@@ -5475,7 +5479,7 @@
           <a:lstStyle/>
           <a:p>
             <a:pPr algn="ctr"/>
-            <a:endParaRPr kumimoji="1" lang="ja-JP" altLang="en-US"/>
+            <a:endParaRPr lang="ja-JP" altLang="en-US"/>
           </a:p>
         </p:txBody>
       </p:sp>
@@ -5487,7 +5491,7 @@
         </p:nvSpPr>
         <p:spPr>
           <a:xfrm>
-            <a:off x="2385216" y="3470304"/>
+            <a:off x="2385216" y="2020916"/>
             <a:ext cx="360000" cy="360000"/>
           </a:xfrm>
           <a:prstGeom prst="rect">
@@ -5526,7 +5530,7 @@
           <a:lstStyle/>
           <a:p>
             <a:pPr algn="ctr"/>
-            <a:endParaRPr kumimoji="1" lang="ja-JP" altLang="en-US"/>
+            <a:endParaRPr lang="ja-JP" altLang="en-US"/>
           </a:p>
         </p:txBody>
       </p:sp>
@@ -5538,7 +5542,7 @@
         </p:nvSpPr>
         <p:spPr>
           <a:xfrm>
-            <a:off x="2385216" y="3830304"/>
+            <a:off x="2385216" y="2380916"/>
             <a:ext cx="360000" cy="360000"/>
           </a:xfrm>
           <a:prstGeom prst="rect">
@@ -5576,7 +5580,7 @@
           <a:lstStyle/>
           <a:p>
             <a:pPr algn="ctr"/>
-            <a:endParaRPr kumimoji="1" lang="ja-JP" altLang="en-US"/>
+            <a:endParaRPr lang="ja-JP" altLang="en-US"/>
           </a:p>
         </p:txBody>
       </p:sp>
@@ -5588,7 +5592,7 @@
         </p:nvSpPr>
         <p:spPr>
           <a:xfrm>
-            <a:off x="2385216" y="4190304"/>
+            <a:off x="2385216" y="2740916"/>
             <a:ext cx="360000" cy="360000"/>
           </a:xfrm>
           <a:prstGeom prst="rect">
@@ -5627,7 +5631,7 @@
           <a:lstStyle/>
           <a:p>
             <a:pPr algn="ctr"/>
-            <a:endParaRPr kumimoji="1" lang="ja-JP" altLang="en-US"/>
+            <a:endParaRPr lang="ja-JP" altLang="en-US"/>
           </a:p>
         </p:txBody>
       </p:sp>
@@ -5639,7 +5643,7 @@
         </p:nvSpPr>
         <p:spPr>
           <a:xfrm>
-            <a:off x="2385216" y="1670304"/>
+            <a:off x="2385216" y="220916"/>
             <a:ext cx="360000" cy="360000"/>
           </a:xfrm>
           <a:prstGeom prst="rect">
@@ -5677,7 +5681,7 @@
           <a:lstStyle/>
           <a:p>
             <a:pPr algn="ctr"/>
-            <a:endParaRPr kumimoji="1" lang="ja-JP" altLang="en-US"/>
+            <a:endParaRPr lang="ja-JP" altLang="en-US"/>
           </a:p>
         </p:txBody>
       </p:sp>
@@ -5689,7 +5693,7 @@
         </p:nvSpPr>
         <p:spPr>
           <a:xfrm>
-            <a:off x="2745216" y="1670304"/>
+            <a:off x="2745216" y="220916"/>
             <a:ext cx="360000" cy="360000"/>
           </a:xfrm>
           <a:prstGeom prst="rect">
@@ -5728,7 +5732,7 @@
           <a:lstStyle/>
           <a:p>
             <a:pPr algn="ctr"/>
-            <a:endParaRPr kumimoji="1" lang="ja-JP" altLang="en-US"/>
+            <a:endParaRPr lang="ja-JP" altLang="en-US"/>
           </a:p>
         </p:txBody>
       </p:sp>
@@ -5740,7 +5744,7 @@
         </p:nvSpPr>
         <p:spPr>
           <a:xfrm>
-            <a:off x="2745216" y="2030304"/>
+            <a:off x="2745216" y="580916"/>
             <a:ext cx="360000" cy="360000"/>
           </a:xfrm>
           <a:prstGeom prst="rect">
@@ -5778,7 +5782,7 @@
           <a:lstStyle/>
           <a:p>
             <a:pPr algn="ctr"/>
-            <a:endParaRPr kumimoji="1" lang="ja-JP" altLang="en-US"/>
+            <a:endParaRPr lang="ja-JP" altLang="en-US"/>
           </a:p>
         </p:txBody>
       </p:sp>
@@ -5790,7 +5794,7 @@
         </p:nvSpPr>
         <p:spPr>
           <a:xfrm>
-            <a:off x="2745216" y="2390304"/>
+            <a:off x="2745216" y="940916"/>
             <a:ext cx="360000" cy="360000"/>
           </a:xfrm>
           <a:prstGeom prst="rect">
@@ -5829,7 +5833,7 @@
           <a:lstStyle/>
           <a:p>
             <a:pPr algn="ctr"/>
-            <a:endParaRPr kumimoji="1" lang="ja-JP" altLang="en-US"/>
+            <a:endParaRPr lang="ja-JP" altLang="en-US"/>
           </a:p>
         </p:txBody>
       </p:sp>
@@ -5841,7 +5845,7 @@
         </p:nvSpPr>
         <p:spPr>
           <a:xfrm>
-            <a:off x="2745216" y="2750304"/>
+            <a:off x="2745216" y="1300916"/>
             <a:ext cx="360000" cy="360000"/>
           </a:xfrm>
           <a:prstGeom prst="rect">
@@ -5879,7 +5883,7 @@
           <a:lstStyle/>
           <a:p>
             <a:pPr algn="ctr"/>
-            <a:endParaRPr kumimoji="1" lang="ja-JP" altLang="en-US"/>
+            <a:endParaRPr lang="ja-JP" altLang="en-US"/>
           </a:p>
         </p:txBody>
       </p:sp>
@@ -5891,7 +5895,7 @@
         </p:nvSpPr>
         <p:spPr>
           <a:xfrm>
-            <a:off x="2745216" y="3110304"/>
+            <a:off x="2745216" y="1660916"/>
             <a:ext cx="360000" cy="360000"/>
           </a:xfrm>
           <a:prstGeom prst="rect">
@@ -5930,7 +5934,7 @@
           <a:lstStyle/>
           <a:p>
             <a:pPr algn="ctr"/>
-            <a:endParaRPr kumimoji="1" lang="ja-JP" altLang="en-US"/>
+            <a:endParaRPr lang="ja-JP" altLang="en-US"/>
           </a:p>
         </p:txBody>
       </p:sp>
@@ -5942,7 +5946,7 @@
         </p:nvSpPr>
         <p:spPr>
           <a:xfrm>
-            <a:off x="2745216" y="3470304"/>
+            <a:off x="2745216" y="2020916"/>
             <a:ext cx="360000" cy="360000"/>
           </a:xfrm>
           <a:prstGeom prst="rect">
@@ -5980,7 +5984,7 @@
           <a:lstStyle/>
           <a:p>
             <a:pPr algn="ctr"/>
-            <a:endParaRPr kumimoji="1" lang="ja-JP" altLang="en-US"/>
+            <a:endParaRPr lang="ja-JP" altLang="en-US"/>
           </a:p>
         </p:txBody>
       </p:sp>
@@ -5992,7 +5996,7 @@
         </p:nvSpPr>
         <p:spPr>
           <a:xfrm>
-            <a:off x="2745216" y="3830304"/>
+            <a:off x="2745216" y="2380916"/>
             <a:ext cx="360000" cy="360000"/>
           </a:xfrm>
           <a:prstGeom prst="rect">
@@ -6031,7 +6035,7 @@
           <a:lstStyle/>
           <a:p>
             <a:pPr algn="ctr"/>
-            <a:endParaRPr kumimoji="1" lang="ja-JP" altLang="en-US"/>
+            <a:endParaRPr lang="ja-JP" altLang="en-US"/>
           </a:p>
         </p:txBody>
       </p:sp>
@@ -6043,7 +6047,7 @@
         </p:nvSpPr>
         <p:spPr>
           <a:xfrm>
-            <a:off x="2745216" y="4190304"/>
+            <a:off x="2745216" y="2740916"/>
             <a:ext cx="360000" cy="360000"/>
           </a:xfrm>
           <a:prstGeom prst="rect">
@@ -6081,7 +6085,7 @@
           <a:lstStyle/>
           <a:p>
             <a:pPr algn="ctr"/>
-            <a:endParaRPr kumimoji="1" lang="ja-JP" altLang="en-US"/>
+            <a:endParaRPr lang="ja-JP" altLang="en-US"/>
           </a:p>
         </p:txBody>
       </p:sp>
@@ -6093,7 +6097,7 @@
         </p:nvSpPr>
         <p:spPr>
           <a:xfrm>
-            <a:off x="3105216" y="2030304"/>
+            <a:off x="3105216" y="580916"/>
             <a:ext cx="360000" cy="360000"/>
           </a:xfrm>
           <a:prstGeom prst="rect">
@@ -6132,7 +6136,7 @@
           <a:lstStyle/>
           <a:p>
             <a:pPr algn="ctr"/>
-            <a:endParaRPr kumimoji="1" lang="ja-JP" altLang="en-US"/>
+            <a:endParaRPr lang="ja-JP" altLang="en-US"/>
           </a:p>
         </p:txBody>
       </p:sp>
@@ -6144,7 +6148,7 @@
         </p:nvSpPr>
         <p:spPr>
           <a:xfrm>
-            <a:off x="3105216" y="2390304"/>
+            <a:off x="3105216" y="940916"/>
             <a:ext cx="360000" cy="360000"/>
           </a:xfrm>
           <a:prstGeom prst="rect">
@@ -6182,7 +6186,7 @@
           <a:lstStyle/>
           <a:p>
             <a:pPr algn="ctr"/>
-            <a:endParaRPr kumimoji="1" lang="ja-JP" altLang="en-US"/>
+            <a:endParaRPr lang="ja-JP" altLang="en-US"/>
           </a:p>
         </p:txBody>
       </p:sp>
@@ -6194,7 +6198,7 @@
         </p:nvSpPr>
         <p:spPr>
           <a:xfrm>
-            <a:off x="3105216" y="2750304"/>
+            <a:off x="3105216" y="1300916"/>
             <a:ext cx="360000" cy="360000"/>
           </a:xfrm>
           <a:prstGeom prst="rect">
@@ -6233,7 +6237,7 @@
           <a:lstStyle/>
           <a:p>
             <a:pPr algn="ctr"/>
-            <a:endParaRPr kumimoji="1" lang="ja-JP" altLang="en-US"/>
+            <a:endParaRPr lang="ja-JP" altLang="en-US"/>
           </a:p>
         </p:txBody>
       </p:sp>
@@ -6245,7 +6249,7 @@
         </p:nvSpPr>
         <p:spPr>
           <a:xfrm>
-            <a:off x="3105216" y="3110304"/>
+            <a:off x="3105216" y="1660916"/>
             <a:ext cx="360000" cy="360000"/>
           </a:xfrm>
           <a:prstGeom prst="rect">
@@ -6283,7 +6287,7 @@
           <a:lstStyle/>
           <a:p>
             <a:pPr algn="ctr"/>
-            <a:endParaRPr kumimoji="1" lang="ja-JP" altLang="en-US"/>
+            <a:endParaRPr lang="ja-JP" altLang="en-US"/>
           </a:p>
         </p:txBody>
       </p:sp>
@@ -6295,7 +6299,7 @@
         </p:nvSpPr>
         <p:spPr>
           <a:xfrm>
-            <a:off x="3105216" y="3470304"/>
+            <a:off x="3105216" y="2020916"/>
             <a:ext cx="360000" cy="360000"/>
           </a:xfrm>
           <a:prstGeom prst="rect">
@@ -6334,7 +6338,7 @@
           <a:lstStyle/>
           <a:p>
             <a:pPr algn="ctr"/>
-            <a:endParaRPr kumimoji="1" lang="ja-JP" altLang="en-US"/>
+            <a:endParaRPr lang="ja-JP" altLang="en-US"/>
           </a:p>
         </p:txBody>
       </p:sp>
@@ -6346,7 +6350,7 @@
         </p:nvSpPr>
         <p:spPr>
           <a:xfrm>
-            <a:off x="3105216" y="3830304"/>
+            <a:off x="3105216" y="2380916"/>
             <a:ext cx="360000" cy="360000"/>
           </a:xfrm>
           <a:prstGeom prst="rect">
@@ -6384,7 +6388,7 @@
           <a:lstStyle/>
           <a:p>
             <a:pPr algn="ctr"/>
-            <a:endParaRPr kumimoji="1" lang="ja-JP" altLang="en-US"/>
+            <a:endParaRPr lang="ja-JP" altLang="en-US"/>
           </a:p>
         </p:txBody>
       </p:sp>
@@ -6396,7 +6400,7 @@
         </p:nvSpPr>
         <p:spPr>
           <a:xfrm>
-            <a:off x="3105216" y="4190304"/>
+            <a:off x="3105216" y="2740916"/>
             <a:ext cx="360000" cy="360000"/>
           </a:xfrm>
           <a:prstGeom prst="rect">
@@ -6435,7 +6439,7 @@
           <a:lstStyle/>
           <a:p>
             <a:pPr algn="ctr"/>
-            <a:endParaRPr kumimoji="1" lang="ja-JP" altLang="en-US"/>
+            <a:endParaRPr lang="ja-JP" altLang="en-US"/>
           </a:p>
         </p:txBody>
       </p:sp>
@@ -6447,7 +6451,7 @@
         </p:nvSpPr>
         <p:spPr>
           <a:xfrm>
-            <a:off x="3105216" y="1670304"/>
+            <a:off x="3105216" y="220916"/>
             <a:ext cx="360000" cy="360000"/>
           </a:xfrm>
           <a:prstGeom prst="rect">
@@ -6485,7 +6489,7 @@
           <a:lstStyle/>
           <a:p>
             <a:pPr algn="ctr"/>
-            <a:endParaRPr kumimoji="1" lang="ja-JP" altLang="en-US"/>
+            <a:endParaRPr lang="ja-JP" altLang="en-US"/>
           </a:p>
         </p:txBody>
       </p:sp>
@@ -6497,7 +6501,7 @@
         </p:nvSpPr>
         <p:spPr>
           <a:xfrm>
-            <a:off x="3465216" y="1670304"/>
+            <a:off x="3465216" y="220916"/>
             <a:ext cx="360000" cy="360000"/>
           </a:xfrm>
           <a:prstGeom prst="rect">
@@ -6536,7 +6540,7 @@
           <a:lstStyle/>
           <a:p>
             <a:pPr algn="ctr"/>
-            <a:endParaRPr kumimoji="1" lang="ja-JP" altLang="en-US"/>
+            <a:endParaRPr lang="ja-JP" altLang="en-US"/>
           </a:p>
         </p:txBody>
       </p:sp>
@@ -6548,7 +6552,7 @@
         </p:nvSpPr>
         <p:spPr>
           <a:xfrm>
-            <a:off x="3465216" y="2030304"/>
+            <a:off x="3465216" y="580916"/>
             <a:ext cx="360000" cy="360000"/>
           </a:xfrm>
           <a:prstGeom prst="rect">
@@ -6586,7 +6590,7 @@
           <a:lstStyle/>
           <a:p>
             <a:pPr algn="ctr"/>
-            <a:endParaRPr kumimoji="1" lang="ja-JP" altLang="en-US"/>
+            <a:endParaRPr lang="ja-JP" altLang="en-US"/>
           </a:p>
         </p:txBody>
       </p:sp>
@@ -6598,7 +6602,7 @@
         </p:nvSpPr>
         <p:spPr>
           <a:xfrm>
-            <a:off x="3465216" y="2390304"/>
+            <a:off x="3465216" y="940916"/>
             <a:ext cx="360000" cy="360000"/>
           </a:xfrm>
           <a:prstGeom prst="rect">
@@ -6637,7 +6641,7 @@
           <a:lstStyle/>
           <a:p>
             <a:pPr algn="ctr"/>
-            <a:endParaRPr kumimoji="1" lang="ja-JP" altLang="en-US"/>
+            <a:endParaRPr lang="ja-JP" altLang="en-US"/>
           </a:p>
         </p:txBody>
       </p:sp>
@@ -6649,7 +6653,7 @@
         </p:nvSpPr>
         <p:spPr>
           <a:xfrm>
-            <a:off x="3465216" y="2750304"/>
+            <a:off x="3465216" y="1300916"/>
             <a:ext cx="360000" cy="360000"/>
           </a:xfrm>
           <a:prstGeom prst="rect">
@@ -6687,7 +6691,7 @@
           <a:lstStyle/>
           <a:p>
             <a:pPr algn="ctr"/>
-            <a:endParaRPr kumimoji="1" lang="ja-JP" altLang="en-US"/>
+            <a:endParaRPr lang="ja-JP" altLang="en-US"/>
           </a:p>
         </p:txBody>
       </p:sp>
@@ -6699,7 +6703,7 @@
         </p:nvSpPr>
         <p:spPr>
           <a:xfrm>
-            <a:off x="3465216" y="3110304"/>
+            <a:off x="3465216" y="1660916"/>
             <a:ext cx="360000" cy="360000"/>
           </a:xfrm>
           <a:prstGeom prst="rect">
@@ -6738,7 +6742,7 @@
           <a:lstStyle/>
           <a:p>
             <a:pPr algn="ctr"/>
-            <a:endParaRPr kumimoji="1" lang="ja-JP" altLang="en-US"/>
+            <a:endParaRPr lang="ja-JP" altLang="en-US"/>
           </a:p>
         </p:txBody>
       </p:sp>
@@ -6750,7 +6754,7 @@
         </p:nvSpPr>
         <p:spPr>
           <a:xfrm>
-            <a:off x="3465216" y="3470304"/>
+            <a:off x="3465216" y="2020916"/>
             <a:ext cx="360000" cy="360000"/>
           </a:xfrm>
           <a:prstGeom prst="rect">
@@ -6788,7 +6792,7 @@
           <a:lstStyle/>
           <a:p>
             <a:pPr algn="ctr"/>
-            <a:endParaRPr kumimoji="1" lang="ja-JP" altLang="en-US"/>
+            <a:endParaRPr lang="ja-JP" altLang="en-US"/>
           </a:p>
         </p:txBody>
       </p:sp>
@@ -6800,7 +6804,7 @@
         </p:nvSpPr>
         <p:spPr>
           <a:xfrm>
-            <a:off x="3465216" y="3830304"/>
+            <a:off x="3465216" y="2380916"/>
             <a:ext cx="360000" cy="360000"/>
           </a:xfrm>
           <a:prstGeom prst="rect">
@@ -6839,7 +6843,7 @@
           <a:lstStyle/>
           <a:p>
             <a:pPr algn="ctr"/>
-            <a:endParaRPr kumimoji="1" lang="ja-JP" altLang="en-US"/>
+            <a:endParaRPr lang="ja-JP" altLang="en-US"/>
           </a:p>
         </p:txBody>
       </p:sp>
@@ -6851,7 +6855,7 @@
         </p:nvSpPr>
         <p:spPr>
           <a:xfrm>
-            <a:off x="3465216" y="4190304"/>
+            <a:off x="3465216" y="2740916"/>
             <a:ext cx="360000" cy="360000"/>
           </a:xfrm>
           <a:prstGeom prst="rect">
@@ -6889,7 +6893,7 @@
           <a:lstStyle/>
           <a:p>
             <a:pPr algn="ctr"/>
-            <a:endParaRPr kumimoji="1" lang="ja-JP" altLang="en-US"/>
+            <a:endParaRPr lang="ja-JP" altLang="en-US"/>
           </a:p>
         </p:txBody>
       </p:sp>
@@ -6901,7 +6905,7 @@
         </p:nvSpPr>
         <p:spPr>
           <a:xfrm>
-            <a:off x="3825216" y="2030304"/>
+            <a:off x="3825216" y="580916"/>
             <a:ext cx="360000" cy="360000"/>
           </a:xfrm>
           <a:prstGeom prst="rect">
@@ -6940,7 +6944,7 @@
           <a:lstStyle/>
           <a:p>
             <a:pPr algn="ctr"/>
-            <a:endParaRPr kumimoji="1" lang="ja-JP" altLang="en-US"/>
+            <a:endParaRPr lang="ja-JP" altLang="en-US"/>
           </a:p>
         </p:txBody>
       </p:sp>
@@ -6952,7 +6956,7 @@
         </p:nvSpPr>
         <p:spPr>
           <a:xfrm>
-            <a:off x="3825216" y="2390304"/>
+            <a:off x="3825216" y="940916"/>
             <a:ext cx="360000" cy="360000"/>
           </a:xfrm>
           <a:prstGeom prst="rect">
@@ -6990,7 +6994,7 @@
           <a:lstStyle/>
           <a:p>
             <a:pPr algn="ctr"/>
-            <a:endParaRPr kumimoji="1" lang="ja-JP" altLang="en-US"/>
+            <a:endParaRPr lang="ja-JP" altLang="en-US"/>
           </a:p>
         </p:txBody>
       </p:sp>
@@ -7002,7 +7006,7 @@
         </p:nvSpPr>
         <p:spPr>
           <a:xfrm>
-            <a:off x="3825216" y="2750304"/>
+            <a:off x="3825216" y="1300916"/>
             <a:ext cx="360000" cy="360000"/>
           </a:xfrm>
           <a:prstGeom prst="rect">
@@ -7041,7 +7045,7 @@
           <a:lstStyle/>
           <a:p>
             <a:pPr algn="ctr"/>
-            <a:endParaRPr kumimoji="1" lang="ja-JP" altLang="en-US"/>
+            <a:endParaRPr lang="ja-JP" altLang="en-US"/>
           </a:p>
         </p:txBody>
       </p:sp>
@@ -7053,7 +7057,7 @@
         </p:nvSpPr>
         <p:spPr>
           <a:xfrm>
-            <a:off x="3825216" y="3110304"/>
+            <a:off x="3825216" y="1660916"/>
             <a:ext cx="360000" cy="360000"/>
           </a:xfrm>
           <a:prstGeom prst="rect">
@@ -7091,7 +7095,7 @@
           <a:lstStyle/>
           <a:p>
             <a:pPr algn="ctr"/>
-            <a:endParaRPr kumimoji="1" lang="ja-JP" altLang="en-US"/>
+            <a:endParaRPr lang="ja-JP" altLang="en-US"/>
           </a:p>
         </p:txBody>
       </p:sp>
@@ -7103,7 +7107,7 @@
         </p:nvSpPr>
         <p:spPr>
           <a:xfrm>
-            <a:off x="3825216" y="3470304"/>
+            <a:off x="3825216" y="2020916"/>
             <a:ext cx="360000" cy="360000"/>
           </a:xfrm>
           <a:prstGeom prst="rect">
@@ -7142,7 +7146,7 @@
           <a:lstStyle/>
           <a:p>
             <a:pPr algn="ctr"/>
-            <a:endParaRPr kumimoji="1" lang="ja-JP" altLang="en-US"/>
+            <a:endParaRPr lang="ja-JP" altLang="en-US"/>
           </a:p>
         </p:txBody>
       </p:sp>
@@ -7154,7 +7158,7 @@
         </p:nvSpPr>
         <p:spPr>
           <a:xfrm>
-            <a:off x="3825216" y="3830304"/>
+            <a:off x="3825216" y="2380916"/>
             <a:ext cx="360000" cy="360000"/>
           </a:xfrm>
           <a:prstGeom prst="rect">
@@ -7192,7 +7196,7 @@
           <a:lstStyle/>
           <a:p>
             <a:pPr algn="ctr"/>
-            <a:endParaRPr kumimoji="1" lang="ja-JP" altLang="en-US"/>
+            <a:endParaRPr lang="ja-JP" altLang="en-US"/>
           </a:p>
         </p:txBody>
       </p:sp>
@@ -7204,7 +7208,7 @@
         </p:nvSpPr>
         <p:spPr>
           <a:xfrm>
-            <a:off x="3825216" y="4190304"/>
+            <a:off x="3825216" y="2740916"/>
             <a:ext cx="360000" cy="360000"/>
           </a:xfrm>
           <a:prstGeom prst="rect">
@@ -7243,7 +7247,7 @@
           <a:lstStyle/>
           <a:p>
             <a:pPr algn="ctr"/>
-            <a:endParaRPr kumimoji="1" lang="ja-JP" altLang="en-US"/>
+            <a:endParaRPr lang="ja-JP" altLang="en-US"/>
           </a:p>
         </p:txBody>
       </p:sp>
@@ -7255,7 +7259,7 @@
         </p:nvSpPr>
         <p:spPr>
           <a:xfrm>
-            <a:off x="3825216" y="1670304"/>
+            <a:off x="3825216" y="220916"/>
             <a:ext cx="360000" cy="360000"/>
           </a:xfrm>
           <a:prstGeom prst="rect">
@@ -7293,7 +7297,7 @@
           <a:lstStyle/>
           <a:p>
             <a:pPr algn="ctr"/>
-            <a:endParaRPr kumimoji="1" lang="ja-JP" altLang="en-US"/>
+            <a:endParaRPr lang="ja-JP" altLang="en-US"/>
           </a:p>
         </p:txBody>
       </p:sp>
@@ -7305,7 +7309,7 @@
         </p:nvSpPr>
         <p:spPr>
           <a:xfrm>
-            <a:off x="4185216" y="1670304"/>
+            <a:off x="4185216" y="220916"/>
             <a:ext cx="360000" cy="360000"/>
           </a:xfrm>
           <a:prstGeom prst="rect">
@@ -7344,7 +7348,7 @@
           <a:lstStyle/>
           <a:p>
             <a:pPr algn="ctr"/>
-            <a:endParaRPr kumimoji="1" lang="ja-JP" altLang="en-US"/>
+            <a:endParaRPr lang="ja-JP" altLang="en-US"/>
           </a:p>
         </p:txBody>
       </p:sp>
@@ -7356,7 +7360,7 @@
         </p:nvSpPr>
         <p:spPr>
           <a:xfrm>
-            <a:off x="4185216" y="2030304"/>
+            <a:off x="4185216" y="580916"/>
             <a:ext cx="360000" cy="360000"/>
           </a:xfrm>
           <a:prstGeom prst="rect">
@@ -7394,7 +7398,7 @@
           <a:lstStyle/>
           <a:p>
             <a:pPr algn="ctr"/>
-            <a:endParaRPr kumimoji="1" lang="ja-JP" altLang="en-US"/>
+            <a:endParaRPr lang="ja-JP" altLang="en-US"/>
           </a:p>
         </p:txBody>
       </p:sp>
@@ -7406,7 +7410,7 @@
         </p:nvSpPr>
         <p:spPr>
           <a:xfrm>
-            <a:off x="4185216" y="2390304"/>
+            <a:off x="4185216" y="940916"/>
             <a:ext cx="360000" cy="360000"/>
           </a:xfrm>
           <a:prstGeom prst="rect">
@@ -7445,7 +7449,7 @@
           <a:lstStyle/>
           <a:p>
             <a:pPr algn="ctr"/>
-            <a:endParaRPr kumimoji="1" lang="ja-JP" altLang="en-US"/>
+            <a:endParaRPr lang="ja-JP" altLang="en-US"/>
           </a:p>
         </p:txBody>
       </p:sp>
@@ -7457,7 +7461,7 @@
         </p:nvSpPr>
         <p:spPr>
           <a:xfrm>
-            <a:off x="4185216" y="2750304"/>
+            <a:off x="4185216" y="1300916"/>
             <a:ext cx="360000" cy="360000"/>
           </a:xfrm>
           <a:prstGeom prst="rect">
@@ -7495,7 +7499,7 @@
           <a:lstStyle/>
           <a:p>
             <a:pPr algn="ctr"/>
-            <a:endParaRPr kumimoji="1" lang="ja-JP" altLang="en-US"/>
+            <a:endParaRPr lang="ja-JP" altLang="en-US"/>
           </a:p>
         </p:txBody>
       </p:sp>
@@ -7507,7 +7511,7 @@
         </p:nvSpPr>
         <p:spPr>
           <a:xfrm>
-            <a:off x="4185216" y="3110304"/>
+            <a:off x="4185216" y="1660916"/>
             <a:ext cx="360000" cy="360000"/>
           </a:xfrm>
           <a:prstGeom prst="rect">
@@ -7546,7 +7550,7 @@
           <a:lstStyle/>
           <a:p>
             <a:pPr algn="ctr"/>
-            <a:endParaRPr kumimoji="1" lang="ja-JP" altLang="en-US"/>
+            <a:endParaRPr lang="ja-JP" altLang="en-US"/>
           </a:p>
         </p:txBody>
       </p:sp>
@@ -7558,7 +7562,7 @@
         </p:nvSpPr>
         <p:spPr>
           <a:xfrm>
-            <a:off x="4185216" y="3470304"/>
+            <a:off x="4185216" y="2020916"/>
             <a:ext cx="360000" cy="360000"/>
           </a:xfrm>
           <a:prstGeom prst="rect">
@@ -7596,7 +7600,7 @@
           <a:lstStyle/>
           <a:p>
             <a:pPr algn="ctr"/>
-            <a:endParaRPr kumimoji="1" lang="ja-JP" altLang="en-US"/>
+            <a:endParaRPr lang="ja-JP" altLang="en-US"/>
           </a:p>
         </p:txBody>
       </p:sp>
@@ -7608,7 +7612,7 @@
         </p:nvSpPr>
         <p:spPr>
           <a:xfrm>
-            <a:off x="4185216" y="3830304"/>
+            <a:off x="4185216" y="2380916"/>
             <a:ext cx="360000" cy="360000"/>
           </a:xfrm>
           <a:prstGeom prst="rect">
@@ -7647,7 +7651,7 @@
           <a:lstStyle/>
           <a:p>
             <a:pPr algn="ctr"/>
-            <a:endParaRPr kumimoji="1" lang="ja-JP" altLang="en-US"/>
+            <a:endParaRPr lang="ja-JP" altLang="en-US"/>
           </a:p>
         </p:txBody>
       </p:sp>
@@ -7659,7 +7663,7 @@
         </p:nvSpPr>
         <p:spPr>
           <a:xfrm>
-            <a:off x="4185216" y="4190304"/>
+            <a:off x="4185216" y="2740916"/>
             <a:ext cx="360000" cy="360000"/>
           </a:xfrm>
           <a:prstGeom prst="rect">
@@ -7697,7 +7701,7 @@
           <a:lstStyle/>
           <a:p>
             <a:pPr algn="ctr"/>
-            <a:endParaRPr kumimoji="1" lang="ja-JP" altLang="en-US"/>
+            <a:endParaRPr lang="ja-JP" altLang="en-US"/>
           </a:p>
         </p:txBody>
       </p:sp>
@@ -7709,7 +7713,7 @@
         </p:nvSpPr>
         <p:spPr>
           <a:xfrm>
-            <a:off x="4545216" y="2030304"/>
+            <a:off x="4545216" y="580916"/>
             <a:ext cx="360000" cy="360000"/>
           </a:xfrm>
           <a:prstGeom prst="rect">
@@ -7748,7 +7752,7 @@
           <a:lstStyle/>
           <a:p>
             <a:pPr algn="ctr"/>
-            <a:endParaRPr kumimoji="1" lang="ja-JP" altLang="en-US"/>
+            <a:endParaRPr lang="ja-JP" altLang="en-US"/>
           </a:p>
         </p:txBody>
       </p:sp>
@@ -7760,7 +7764,7 @@
         </p:nvSpPr>
         <p:spPr>
           <a:xfrm>
-            <a:off x="4545216" y="2390304"/>
+            <a:off x="4545216" y="940916"/>
             <a:ext cx="360000" cy="360000"/>
           </a:xfrm>
           <a:prstGeom prst="rect">
@@ -7798,7 +7802,7 @@
           <a:lstStyle/>
           <a:p>
             <a:pPr algn="ctr"/>
-            <a:endParaRPr kumimoji="1" lang="ja-JP" altLang="en-US"/>
+            <a:endParaRPr lang="ja-JP" altLang="en-US"/>
           </a:p>
         </p:txBody>
       </p:sp>
@@ -7810,7 +7814,7 @@
         </p:nvSpPr>
         <p:spPr>
           <a:xfrm>
-            <a:off x="4545216" y="2750304"/>
+            <a:off x="4545216" y="1300916"/>
             <a:ext cx="360000" cy="360000"/>
           </a:xfrm>
           <a:prstGeom prst="rect">
@@ -7849,7 +7853,7 @@
           <a:lstStyle/>
           <a:p>
             <a:pPr algn="ctr"/>
-            <a:endParaRPr kumimoji="1" lang="ja-JP" altLang="en-US"/>
+            <a:endParaRPr lang="ja-JP" altLang="en-US"/>
           </a:p>
         </p:txBody>
       </p:sp>
@@ -7861,7 +7865,7 @@
         </p:nvSpPr>
         <p:spPr>
           <a:xfrm>
-            <a:off x="4545216" y="3110304"/>
+            <a:off x="4545216" y="1660916"/>
             <a:ext cx="360000" cy="360000"/>
           </a:xfrm>
           <a:prstGeom prst="rect">
@@ -7899,7 +7903,7 @@
           <a:lstStyle/>
           <a:p>
             <a:pPr algn="ctr"/>
-            <a:endParaRPr kumimoji="1" lang="ja-JP" altLang="en-US"/>
+            <a:endParaRPr lang="ja-JP" altLang="en-US"/>
           </a:p>
         </p:txBody>
       </p:sp>
@@ -7911,7 +7915,7 @@
         </p:nvSpPr>
         <p:spPr>
           <a:xfrm>
-            <a:off x="4545216" y="3470304"/>
+            <a:off x="4545216" y="2020916"/>
             <a:ext cx="360000" cy="360000"/>
           </a:xfrm>
           <a:prstGeom prst="rect">
@@ -7950,7 +7954,7 @@
           <a:lstStyle/>
           <a:p>
             <a:pPr algn="ctr"/>
-            <a:endParaRPr kumimoji="1" lang="ja-JP" altLang="en-US"/>
+            <a:endParaRPr lang="ja-JP" altLang="en-US"/>
           </a:p>
         </p:txBody>
       </p:sp>
@@ -7962,7 +7966,7 @@
         </p:nvSpPr>
         <p:spPr>
           <a:xfrm>
-            <a:off x="4545216" y="3830304"/>
+            <a:off x="4545216" y="2380916"/>
             <a:ext cx="360000" cy="360000"/>
           </a:xfrm>
           <a:prstGeom prst="rect">
@@ -8000,7 +8004,7 @@
           <a:lstStyle/>
           <a:p>
             <a:pPr algn="ctr"/>
-            <a:endParaRPr kumimoji="1" lang="ja-JP" altLang="en-US"/>
+            <a:endParaRPr lang="ja-JP" altLang="en-US"/>
           </a:p>
         </p:txBody>
       </p:sp>
@@ -8012,7 +8016,7 @@
         </p:nvSpPr>
         <p:spPr>
           <a:xfrm>
-            <a:off x="4545216" y="4190304"/>
+            <a:off x="4545216" y="2740916"/>
             <a:ext cx="360000" cy="360000"/>
           </a:xfrm>
           <a:prstGeom prst="rect">
@@ -8051,7 +8055,7 @@
           <a:lstStyle/>
           <a:p>
             <a:pPr algn="ctr"/>
-            <a:endParaRPr kumimoji="1" lang="ja-JP" altLang="en-US"/>
+            <a:endParaRPr lang="ja-JP" altLang="en-US"/>
           </a:p>
         </p:txBody>
       </p:sp>
@@ -8063,7 +8067,7 @@
         </p:nvSpPr>
         <p:spPr>
           <a:xfrm>
-            <a:off x="4545216" y="1670304"/>
+            <a:off x="4545216" y="220916"/>
             <a:ext cx="360000" cy="360000"/>
           </a:xfrm>
           <a:prstGeom prst="rect">
@@ -8101,7 +8105,7 @@
           <a:lstStyle/>
           <a:p>
             <a:pPr algn="ctr"/>
-            <a:endParaRPr kumimoji="1" lang="ja-JP" altLang="en-US"/>
+            <a:endParaRPr lang="ja-JP" altLang="en-US"/>
           </a:p>
         </p:txBody>
       </p:sp>
@@ -8113,7 +8117,7 @@
         </p:nvSpPr>
         <p:spPr>
           <a:xfrm>
-            <a:off x="4905216" y="1670304"/>
+            <a:off x="4905216" y="220916"/>
             <a:ext cx="360000" cy="360000"/>
           </a:xfrm>
           <a:prstGeom prst="rect">
@@ -8152,7 +8156,7 @@
           <a:lstStyle/>
           <a:p>
             <a:pPr algn="ctr"/>
-            <a:endParaRPr kumimoji="1" lang="ja-JP" altLang="en-US"/>
+            <a:endParaRPr lang="ja-JP" altLang="en-US"/>
           </a:p>
         </p:txBody>
       </p:sp>
@@ -8164,7 +8168,7 @@
         </p:nvSpPr>
         <p:spPr>
           <a:xfrm>
-            <a:off x="4905216" y="2030304"/>
+            <a:off x="4905216" y="580916"/>
             <a:ext cx="360000" cy="360000"/>
           </a:xfrm>
           <a:prstGeom prst="rect">
@@ -8202,7 +8206,7 @@
           <a:lstStyle/>
           <a:p>
             <a:pPr algn="ctr"/>
-            <a:endParaRPr kumimoji="1" lang="ja-JP" altLang="en-US"/>
+            <a:endParaRPr lang="ja-JP" altLang="en-US"/>
           </a:p>
         </p:txBody>
       </p:sp>
@@ -8214,7 +8218,7 @@
         </p:nvSpPr>
         <p:spPr>
           <a:xfrm>
-            <a:off x="4905216" y="2390304"/>
+            <a:off x="4905216" y="940916"/>
             <a:ext cx="360000" cy="360000"/>
           </a:xfrm>
           <a:prstGeom prst="rect">
@@ -8253,7 +8257,7 @@
           <a:lstStyle/>
           <a:p>
             <a:pPr algn="ctr"/>
-            <a:endParaRPr kumimoji="1" lang="ja-JP" altLang="en-US"/>
+            <a:endParaRPr lang="ja-JP" altLang="en-US"/>
           </a:p>
         </p:txBody>
       </p:sp>
@@ -8265,7 +8269,7 @@
         </p:nvSpPr>
         <p:spPr>
           <a:xfrm>
-            <a:off x="4905216" y="2750304"/>
+            <a:off x="4905216" y="1300916"/>
             <a:ext cx="360000" cy="360000"/>
           </a:xfrm>
           <a:prstGeom prst="rect">
@@ -8303,7 +8307,7 @@
           <a:lstStyle/>
           <a:p>
             <a:pPr algn="ctr"/>
-            <a:endParaRPr kumimoji="1" lang="ja-JP" altLang="en-US"/>
+            <a:endParaRPr lang="ja-JP" altLang="en-US"/>
           </a:p>
         </p:txBody>
       </p:sp>
@@ -8315,7 +8319,7 @@
         </p:nvSpPr>
         <p:spPr>
           <a:xfrm>
-            <a:off x="4905216" y="3110304"/>
+            <a:off x="4905216" y="1660916"/>
             <a:ext cx="360000" cy="360000"/>
           </a:xfrm>
           <a:prstGeom prst="rect">
@@ -8354,7 +8358,7 @@
           <a:lstStyle/>
           <a:p>
             <a:pPr algn="ctr"/>
-            <a:endParaRPr kumimoji="1" lang="ja-JP" altLang="en-US"/>
+            <a:endParaRPr lang="ja-JP" altLang="en-US"/>
           </a:p>
         </p:txBody>
       </p:sp>
@@ -8366,7 +8370,7 @@
         </p:nvSpPr>
         <p:spPr>
           <a:xfrm>
-            <a:off x="4905216" y="3470304"/>
+            <a:off x="4905216" y="2020916"/>
             <a:ext cx="360000" cy="360000"/>
           </a:xfrm>
           <a:prstGeom prst="rect">
@@ -8404,7 +8408,7 @@
           <a:lstStyle/>
           <a:p>
             <a:pPr algn="ctr"/>
-            <a:endParaRPr kumimoji="1" lang="ja-JP" altLang="en-US"/>
+            <a:endParaRPr lang="ja-JP" altLang="en-US"/>
           </a:p>
         </p:txBody>
       </p:sp>
@@ -8416,7 +8420,7 @@
         </p:nvSpPr>
         <p:spPr>
           <a:xfrm>
-            <a:off x="4905216" y="3830304"/>
+            <a:off x="4905216" y="2380916"/>
             <a:ext cx="360000" cy="360000"/>
           </a:xfrm>
           <a:prstGeom prst="rect">
@@ -8455,7 +8459,7 @@
           <a:lstStyle/>
           <a:p>
             <a:pPr algn="ctr"/>
-            <a:endParaRPr kumimoji="1" lang="ja-JP" altLang="en-US"/>
+            <a:endParaRPr lang="ja-JP" altLang="en-US"/>
           </a:p>
         </p:txBody>
       </p:sp>
@@ -8467,7 +8471,7 @@
         </p:nvSpPr>
         <p:spPr>
           <a:xfrm>
-            <a:off x="4905216" y="4190304"/>
+            <a:off x="4905216" y="2740916"/>
             <a:ext cx="360000" cy="360000"/>
           </a:xfrm>
           <a:prstGeom prst="rect">
@@ -8505,7 +8509,7 @@
           <a:lstStyle/>
           <a:p>
             <a:pPr algn="ctr"/>
-            <a:endParaRPr kumimoji="1" lang="ja-JP" altLang="en-US"/>
+            <a:endParaRPr lang="ja-JP" altLang="en-US"/>
           </a:p>
         </p:txBody>
       </p:sp>
@@ -8517,7 +8521,7 @@
         </p:nvSpPr>
         <p:spPr>
           <a:xfrm>
-            <a:off x="5265216" y="2030304"/>
+            <a:off x="5265216" y="580916"/>
             <a:ext cx="360000" cy="360000"/>
           </a:xfrm>
           <a:prstGeom prst="rect">
@@ -8556,7 +8560,7 @@
           <a:lstStyle/>
           <a:p>
             <a:pPr algn="ctr"/>
-            <a:endParaRPr kumimoji="1" lang="ja-JP" altLang="en-US"/>
+            <a:endParaRPr lang="ja-JP" altLang="en-US"/>
           </a:p>
         </p:txBody>
       </p:sp>
@@ -8568,7 +8572,7 @@
         </p:nvSpPr>
         <p:spPr>
           <a:xfrm>
-            <a:off x="5265216" y="2390304"/>
+            <a:off x="5265216" y="940916"/>
             <a:ext cx="360000" cy="360000"/>
           </a:xfrm>
           <a:prstGeom prst="rect">
@@ -8606,7 +8610,7 @@
           <a:lstStyle/>
           <a:p>
             <a:pPr algn="ctr"/>
-            <a:endParaRPr kumimoji="1" lang="ja-JP" altLang="en-US"/>
+            <a:endParaRPr lang="ja-JP" altLang="en-US"/>
           </a:p>
         </p:txBody>
       </p:sp>
@@ -8618,7 +8622,7 @@
         </p:nvSpPr>
         <p:spPr>
           <a:xfrm>
-            <a:off x="5265216" y="2750304"/>
+            <a:off x="5265216" y="1300916"/>
             <a:ext cx="360000" cy="360000"/>
           </a:xfrm>
           <a:prstGeom prst="rect">
@@ -8657,7 +8661,7 @@
           <a:lstStyle/>
           <a:p>
             <a:pPr algn="ctr"/>
-            <a:endParaRPr kumimoji="1" lang="ja-JP" altLang="en-US"/>
+            <a:endParaRPr lang="ja-JP" altLang="en-US"/>
           </a:p>
         </p:txBody>
       </p:sp>
@@ -8669,7 +8673,7 @@
         </p:nvSpPr>
         <p:spPr>
           <a:xfrm>
-            <a:off x="5265216" y="3110304"/>
+            <a:off x="5265216" y="1660916"/>
             <a:ext cx="360000" cy="360000"/>
           </a:xfrm>
           <a:prstGeom prst="rect">
@@ -8707,7 +8711,7 @@
           <a:lstStyle/>
           <a:p>
             <a:pPr algn="ctr"/>
-            <a:endParaRPr kumimoji="1" lang="ja-JP" altLang="en-US"/>
+            <a:endParaRPr lang="ja-JP" altLang="en-US"/>
           </a:p>
         </p:txBody>
       </p:sp>
@@ -8719,7 +8723,7 @@
         </p:nvSpPr>
         <p:spPr>
           <a:xfrm>
-            <a:off x="5265216" y="3470304"/>
+            <a:off x="5265216" y="2020916"/>
             <a:ext cx="360000" cy="360000"/>
           </a:xfrm>
           <a:prstGeom prst="rect">
@@ -8758,7 +8762,7 @@
           <a:lstStyle/>
           <a:p>
             <a:pPr algn="ctr"/>
-            <a:endParaRPr kumimoji="1" lang="ja-JP" altLang="en-US"/>
+            <a:endParaRPr lang="ja-JP" altLang="en-US"/>
           </a:p>
         </p:txBody>
       </p:sp>
@@ -8770,7 +8774,7 @@
         </p:nvSpPr>
         <p:spPr>
           <a:xfrm>
-            <a:off x="5265216" y="3830304"/>
+            <a:off x="5265216" y="2380916"/>
             <a:ext cx="360000" cy="360000"/>
           </a:xfrm>
           <a:prstGeom prst="rect">
@@ -8808,7 +8812,7 @@
           <a:lstStyle/>
           <a:p>
             <a:pPr algn="ctr"/>
-            <a:endParaRPr kumimoji="1" lang="ja-JP" altLang="en-US"/>
+            <a:endParaRPr lang="ja-JP" altLang="en-US"/>
           </a:p>
         </p:txBody>
       </p:sp>
@@ -8820,7 +8824,7 @@
         </p:nvSpPr>
         <p:spPr>
           <a:xfrm>
-            <a:off x="5265216" y="4190304"/>
+            <a:off x="5265216" y="2740916"/>
             <a:ext cx="360000" cy="360000"/>
           </a:xfrm>
           <a:prstGeom prst="rect">
@@ -8859,7 +8863,7 @@
           <a:lstStyle/>
           <a:p>
             <a:pPr algn="ctr"/>
-            <a:endParaRPr kumimoji="1" lang="ja-JP" altLang="en-US"/>
+            <a:endParaRPr lang="ja-JP" altLang="en-US"/>
           </a:p>
         </p:txBody>
       </p:sp>
@@ -8871,7 +8875,7 @@
         </p:nvSpPr>
         <p:spPr>
           <a:xfrm>
-            <a:off x="5265216" y="1670304"/>
+            <a:off x="5265216" y="220916"/>
             <a:ext cx="360000" cy="360000"/>
           </a:xfrm>
           <a:prstGeom prst="rect">
@@ -8909,7 +8913,7 @@
           <a:lstStyle/>
           <a:p>
             <a:pPr algn="ctr"/>
-            <a:endParaRPr kumimoji="1" lang="ja-JP" altLang="en-US"/>
+            <a:endParaRPr lang="ja-JP" altLang="en-US"/>
           </a:p>
         </p:txBody>
       </p:sp>
@@ -8921,7 +8925,7 @@
         </p:nvSpPr>
         <p:spPr>
           <a:xfrm>
-            <a:off x="5625216" y="1670304"/>
+            <a:off x="5625216" y="220916"/>
             <a:ext cx="360000" cy="360000"/>
           </a:xfrm>
           <a:prstGeom prst="rect">
@@ -8960,7 +8964,7 @@
           <a:lstStyle/>
           <a:p>
             <a:pPr algn="ctr"/>
-            <a:endParaRPr kumimoji="1" lang="ja-JP" altLang="en-US"/>
+            <a:endParaRPr lang="ja-JP" altLang="en-US"/>
           </a:p>
         </p:txBody>
       </p:sp>
@@ -8972,7 +8976,7 @@
         </p:nvSpPr>
         <p:spPr>
           <a:xfrm>
-            <a:off x="5625216" y="2030304"/>
+            <a:off x="5625216" y="580916"/>
             <a:ext cx="360000" cy="360000"/>
           </a:xfrm>
           <a:prstGeom prst="rect">
@@ -9010,7 +9014,7 @@
           <a:lstStyle/>
           <a:p>
             <a:pPr algn="ctr"/>
-            <a:endParaRPr kumimoji="1" lang="ja-JP" altLang="en-US"/>
+            <a:endParaRPr lang="ja-JP" altLang="en-US"/>
           </a:p>
         </p:txBody>
       </p:sp>
@@ -9022,7 +9026,7 @@
         </p:nvSpPr>
         <p:spPr>
           <a:xfrm>
-            <a:off x="5625216" y="2390304"/>
+            <a:off x="5625216" y="940916"/>
             <a:ext cx="360000" cy="360000"/>
           </a:xfrm>
           <a:prstGeom prst="rect">
@@ -9061,7 +9065,7 @@
           <a:lstStyle/>
           <a:p>
             <a:pPr algn="ctr"/>
-            <a:endParaRPr kumimoji="1" lang="ja-JP" altLang="en-US"/>
+            <a:endParaRPr lang="ja-JP" altLang="en-US"/>
           </a:p>
         </p:txBody>
       </p:sp>
@@ -9073,7 +9077,7 @@
         </p:nvSpPr>
         <p:spPr>
           <a:xfrm>
-            <a:off x="5625216" y="2750304"/>
+            <a:off x="5625216" y="1300916"/>
             <a:ext cx="360000" cy="360000"/>
           </a:xfrm>
           <a:prstGeom prst="rect">
@@ -9111,7 +9115,7 @@
           <a:lstStyle/>
           <a:p>
             <a:pPr algn="ctr"/>
-            <a:endParaRPr kumimoji="1" lang="ja-JP" altLang="en-US"/>
+            <a:endParaRPr lang="ja-JP" altLang="en-US"/>
           </a:p>
         </p:txBody>
       </p:sp>
@@ -9123,7 +9127,7 @@
         </p:nvSpPr>
         <p:spPr>
           <a:xfrm>
-            <a:off x="5625216" y="3110304"/>
+            <a:off x="5625216" y="1660916"/>
             <a:ext cx="360000" cy="360000"/>
           </a:xfrm>
           <a:prstGeom prst="rect">
@@ -9162,7 +9166,7 @@
           <a:lstStyle/>
           <a:p>
             <a:pPr algn="ctr"/>
-            <a:endParaRPr kumimoji="1" lang="ja-JP" altLang="en-US"/>
+            <a:endParaRPr lang="ja-JP" altLang="en-US"/>
           </a:p>
         </p:txBody>
       </p:sp>
@@ -9174,7 +9178,7 @@
         </p:nvSpPr>
         <p:spPr>
           <a:xfrm>
-            <a:off x="5625216" y="3470304"/>
+            <a:off x="5625216" y="2020916"/>
             <a:ext cx="360000" cy="360000"/>
           </a:xfrm>
           <a:prstGeom prst="rect">
@@ -9212,7 +9216,7 @@
           <a:lstStyle/>
           <a:p>
             <a:pPr algn="ctr"/>
-            <a:endParaRPr kumimoji="1" lang="ja-JP" altLang="en-US"/>
+            <a:endParaRPr lang="ja-JP" altLang="en-US"/>
           </a:p>
         </p:txBody>
       </p:sp>
@@ -9224,7 +9228,7 @@
         </p:nvSpPr>
         <p:spPr>
           <a:xfrm>
-            <a:off x="5625216" y="3830304"/>
+            <a:off x="5625216" y="2380916"/>
             <a:ext cx="360000" cy="360000"/>
           </a:xfrm>
           <a:prstGeom prst="rect">
@@ -9263,7 +9267,7 @@
           <a:lstStyle/>
           <a:p>
             <a:pPr algn="ctr"/>
-            <a:endParaRPr kumimoji="1" lang="ja-JP" altLang="en-US"/>
+            <a:endParaRPr lang="ja-JP" altLang="en-US"/>
           </a:p>
         </p:txBody>
       </p:sp>
@@ -9275,7 +9279,7 @@
         </p:nvSpPr>
         <p:spPr>
           <a:xfrm>
-            <a:off x="5625216" y="4190304"/>
+            <a:off x="5625216" y="2740916"/>
             <a:ext cx="360000" cy="360000"/>
           </a:xfrm>
           <a:prstGeom prst="rect">
@@ -9313,7 +9317,7 @@
           <a:lstStyle/>
           <a:p>
             <a:pPr algn="ctr"/>
-            <a:endParaRPr kumimoji="1" lang="ja-JP" altLang="en-US"/>
+            <a:endParaRPr lang="ja-JP" altLang="en-US"/>
           </a:p>
         </p:txBody>
       </p:sp>
@@ -9325,7 +9329,7 @@
         </p:nvSpPr>
         <p:spPr>
           <a:xfrm>
-            <a:off x="5985216" y="2030304"/>
+            <a:off x="5985216" y="580916"/>
             <a:ext cx="360000" cy="360000"/>
           </a:xfrm>
           <a:prstGeom prst="rect">
@@ -9364,7 +9368,7 @@
           <a:lstStyle/>
           <a:p>
             <a:pPr algn="ctr"/>
-            <a:endParaRPr kumimoji="1" lang="ja-JP" altLang="en-US"/>
+            <a:endParaRPr lang="ja-JP" altLang="en-US"/>
           </a:p>
         </p:txBody>
       </p:sp>
@@ -9376,7 +9380,7 @@
         </p:nvSpPr>
         <p:spPr>
           <a:xfrm>
-            <a:off x="5985216" y="2390304"/>
+            <a:off x="5985216" y="940916"/>
             <a:ext cx="360000" cy="360000"/>
           </a:xfrm>
           <a:prstGeom prst="rect">
@@ -9414,7 +9418,7 @@
           <a:lstStyle/>
           <a:p>
             <a:pPr algn="ctr"/>
-            <a:endParaRPr kumimoji="1" lang="ja-JP" altLang="en-US"/>
+            <a:endParaRPr lang="ja-JP" altLang="en-US"/>
           </a:p>
         </p:txBody>
       </p:sp>
@@ -9426,7 +9430,7 @@
         </p:nvSpPr>
         <p:spPr>
           <a:xfrm>
-            <a:off x="5985216" y="2750304"/>
+            <a:off x="5985216" y="1300916"/>
             <a:ext cx="360000" cy="360000"/>
           </a:xfrm>
           <a:prstGeom prst="rect">
@@ -9465,7 +9469,7 @@
           <a:lstStyle/>
           <a:p>
             <a:pPr algn="ctr"/>
-            <a:endParaRPr kumimoji="1" lang="ja-JP" altLang="en-US"/>
+            <a:endParaRPr lang="ja-JP" altLang="en-US"/>
           </a:p>
         </p:txBody>
       </p:sp>
@@ -9477,7 +9481,7 @@
         </p:nvSpPr>
         <p:spPr>
           <a:xfrm>
-            <a:off x="5985216" y="3110304"/>
+            <a:off x="5985216" y="1660916"/>
             <a:ext cx="360000" cy="360000"/>
           </a:xfrm>
           <a:prstGeom prst="rect">
@@ -9515,7 +9519,7 @@
           <a:lstStyle/>
           <a:p>
             <a:pPr algn="ctr"/>
-            <a:endParaRPr kumimoji="1" lang="ja-JP" altLang="en-US"/>
+            <a:endParaRPr lang="ja-JP" altLang="en-US"/>
           </a:p>
         </p:txBody>
       </p:sp>
@@ -9527,7 +9531,7 @@
         </p:nvSpPr>
         <p:spPr>
           <a:xfrm>
-            <a:off x="5985216" y="3470304"/>
+            <a:off x="5985216" y="2020916"/>
             <a:ext cx="360000" cy="360000"/>
           </a:xfrm>
           <a:prstGeom prst="rect">
@@ -9566,7 +9570,7 @@
           <a:lstStyle/>
           <a:p>
             <a:pPr algn="ctr"/>
-            <a:endParaRPr kumimoji="1" lang="ja-JP" altLang="en-US"/>
+            <a:endParaRPr lang="ja-JP" altLang="en-US"/>
           </a:p>
         </p:txBody>
       </p:sp>
@@ -9578,7 +9582,7 @@
         </p:nvSpPr>
         <p:spPr>
           <a:xfrm>
-            <a:off x="5985216" y="3830304"/>
+            <a:off x="5985216" y="2380916"/>
             <a:ext cx="360000" cy="360000"/>
           </a:xfrm>
           <a:prstGeom prst="rect">
@@ -9616,7 +9620,7 @@
           <a:lstStyle/>
           <a:p>
             <a:pPr algn="ctr"/>
-            <a:endParaRPr kumimoji="1" lang="ja-JP" altLang="en-US"/>
+            <a:endParaRPr lang="ja-JP" altLang="en-US"/>
           </a:p>
         </p:txBody>
       </p:sp>
@@ -9628,7 +9632,7 @@
         </p:nvSpPr>
         <p:spPr>
           <a:xfrm>
-            <a:off x="5985216" y="4190304"/>
+            <a:off x="5985216" y="2740916"/>
             <a:ext cx="360000" cy="360000"/>
           </a:xfrm>
           <a:prstGeom prst="rect">
@@ -9667,7 +9671,7 @@
           <a:lstStyle/>
           <a:p>
             <a:pPr algn="ctr"/>
-            <a:endParaRPr kumimoji="1" lang="ja-JP" altLang="en-US"/>
+            <a:endParaRPr lang="ja-JP" altLang="en-US"/>
           </a:p>
         </p:txBody>
       </p:sp>
@@ -9679,7 +9683,7 @@
         </p:nvSpPr>
         <p:spPr>
           <a:xfrm>
-            <a:off x="5985216" y="1670304"/>
+            <a:off x="5985216" y="220916"/>
             <a:ext cx="360000" cy="360000"/>
           </a:xfrm>
           <a:prstGeom prst="rect">
@@ -9717,7 +9721,7 @@
           <a:lstStyle/>
           <a:p>
             <a:pPr algn="ctr"/>
-            <a:endParaRPr kumimoji="1" lang="ja-JP" altLang="en-US"/>
+            <a:endParaRPr lang="ja-JP" altLang="en-US"/>
           </a:p>
         </p:txBody>
       </p:sp>
@@ -9729,7 +9733,7 @@
         </p:nvSpPr>
         <p:spPr>
           <a:xfrm>
-            <a:off x="6345216" y="1670304"/>
+            <a:off x="6345216" y="220916"/>
             <a:ext cx="360000" cy="360000"/>
           </a:xfrm>
           <a:prstGeom prst="rect">
@@ -9768,7 +9772,7 @@
           <a:lstStyle/>
           <a:p>
             <a:pPr algn="ctr"/>
-            <a:endParaRPr kumimoji="1" lang="ja-JP" altLang="en-US"/>
+            <a:endParaRPr lang="ja-JP" altLang="en-US"/>
           </a:p>
         </p:txBody>
       </p:sp>
@@ -9780,7 +9784,7 @@
         </p:nvSpPr>
         <p:spPr>
           <a:xfrm>
-            <a:off x="6345216" y="2030304"/>
+            <a:off x="6345216" y="580916"/>
             <a:ext cx="360000" cy="360000"/>
           </a:xfrm>
           <a:prstGeom prst="rect">
@@ -9818,7 +9822,7 @@
           <a:lstStyle/>
           <a:p>
             <a:pPr algn="ctr"/>
-            <a:endParaRPr kumimoji="1" lang="ja-JP" altLang="en-US"/>
+            <a:endParaRPr lang="ja-JP" altLang="en-US"/>
           </a:p>
         </p:txBody>
       </p:sp>
@@ -9830,7 +9834,7 @@
         </p:nvSpPr>
         <p:spPr>
           <a:xfrm>
-            <a:off x="6345216" y="2390304"/>
+            <a:off x="6345216" y="940916"/>
             <a:ext cx="360000" cy="360000"/>
           </a:xfrm>
           <a:prstGeom prst="rect">
@@ -9869,7 +9873,7 @@
           <a:lstStyle/>
           <a:p>
             <a:pPr algn="ctr"/>
-            <a:endParaRPr kumimoji="1" lang="ja-JP" altLang="en-US"/>
+            <a:endParaRPr lang="ja-JP" altLang="en-US"/>
           </a:p>
         </p:txBody>
       </p:sp>
@@ -9881,7 +9885,7 @@
         </p:nvSpPr>
         <p:spPr>
           <a:xfrm>
-            <a:off x="6345216" y="2750304"/>
+            <a:off x="6345216" y="1300916"/>
             <a:ext cx="360000" cy="360000"/>
           </a:xfrm>
           <a:prstGeom prst="rect">
@@ -9919,7 +9923,7 @@
           <a:lstStyle/>
           <a:p>
             <a:pPr algn="ctr"/>
-            <a:endParaRPr kumimoji="1" lang="ja-JP" altLang="en-US"/>
+            <a:endParaRPr lang="ja-JP" altLang="en-US"/>
           </a:p>
         </p:txBody>
       </p:sp>
@@ -9931,7 +9935,7 @@
         </p:nvSpPr>
         <p:spPr>
           <a:xfrm>
-            <a:off x="6345216" y="3110304"/>
+            <a:off x="6345216" y="1660916"/>
             <a:ext cx="360000" cy="360000"/>
           </a:xfrm>
           <a:prstGeom prst="rect">
@@ -9970,7 +9974,7 @@
           <a:lstStyle/>
           <a:p>
             <a:pPr algn="ctr"/>
-            <a:endParaRPr kumimoji="1" lang="ja-JP" altLang="en-US"/>
+            <a:endParaRPr lang="ja-JP" altLang="en-US"/>
           </a:p>
         </p:txBody>
       </p:sp>
@@ -9982,7 +9986,7 @@
         </p:nvSpPr>
         <p:spPr>
           <a:xfrm>
-            <a:off x="6345216" y="3470304"/>
+            <a:off x="6345216" y="2020916"/>
             <a:ext cx="360000" cy="360000"/>
           </a:xfrm>
           <a:prstGeom prst="rect">
@@ -10020,7 +10024,7 @@
           <a:lstStyle/>
           <a:p>
             <a:pPr algn="ctr"/>
-            <a:endParaRPr kumimoji="1" lang="ja-JP" altLang="en-US"/>
+            <a:endParaRPr lang="ja-JP" altLang="en-US"/>
           </a:p>
         </p:txBody>
       </p:sp>
@@ -10032,7 +10036,7 @@
         </p:nvSpPr>
         <p:spPr>
           <a:xfrm>
-            <a:off x="6345216" y="3830304"/>
+            <a:off x="6345216" y="2380916"/>
             <a:ext cx="360000" cy="360000"/>
           </a:xfrm>
           <a:prstGeom prst="rect">
@@ -10071,7 +10075,7 @@
           <a:lstStyle/>
           <a:p>
             <a:pPr algn="ctr"/>
-            <a:endParaRPr kumimoji="1" lang="ja-JP" altLang="en-US"/>
+            <a:endParaRPr lang="ja-JP" altLang="en-US"/>
           </a:p>
         </p:txBody>
       </p:sp>
@@ -10083,7 +10087,7 @@
         </p:nvSpPr>
         <p:spPr>
           <a:xfrm>
-            <a:off x="6345216" y="4190304"/>
+            <a:off x="6345216" y="2740916"/>
             <a:ext cx="360000" cy="360000"/>
           </a:xfrm>
           <a:prstGeom prst="rect">
@@ -10121,7 +10125,7 @@
           <a:lstStyle/>
           <a:p>
             <a:pPr algn="ctr"/>
-            <a:endParaRPr kumimoji="1" lang="ja-JP" altLang="en-US"/>
+            <a:endParaRPr lang="ja-JP" altLang="en-US"/>
           </a:p>
         </p:txBody>
       </p:sp>
@@ -10133,7 +10137,7 @@
         </p:nvSpPr>
         <p:spPr>
           <a:xfrm>
-            <a:off x="6705216" y="2030304"/>
+            <a:off x="6705216" y="580916"/>
             <a:ext cx="360000" cy="360000"/>
           </a:xfrm>
           <a:prstGeom prst="rect">
@@ -10172,7 +10176,7 @@
           <a:lstStyle/>
           <a:p>
             <a:pPr algn="ctr"/>
-            <a:endParaRPr kumimoji="1" lang="ja-JP" altLang="en-US"/>
+            <a:endParaRPr lang="ja-JP" altLang="en-US"/>
           </a:p>
         </p:txBody>
       </p:sp>
@@ -10184,7 +10188,7 @@
         </p:nvSpPr>
         <p:spPr>
           <a:xfrm>
-            <a:off x="6705216" y="2390304"/>
+            <a:off x="6705216" y="940916"/>
             <a:ext cx="360000" cy="360000"/>
           </a:xfrm>
           <a:prstGeom prst="rect">
@@ -10222,7 +10226,7 @@
           <a:lstStyle/>
           <a:p>
             <a:pPr algn="ctr"/>
-            <a:endParaRPr kumimoji="1" lang="ja-JP" altLang="en-US"/>
+            <a:endParaRPr lang="ja-JP" altLang="en-US"/>
           </a:p>
         </p:txBody>
       </p:sp>
@@ -10234,7 +10238,7 @@
         </p:nvSpPr>
         <p:spPr>
           <a:xfrm>
-            <a:off x="6705216" y="2750304"/>
+            <a:off x="6705216" y="1300916"/>
             <a:ext cx="360000" cy="360000"/>
           </a:xfrm>
           <a:prstGeom prst="rect">
@@ -10273,7 +10277,7 @@
           <a:lstStyle/>
           <a:p>
             <a:pPr algn="ctr"/>
-            <a:endParaRPr kumimoji="1" lang="ja-JP" altLang="en-US"/>
+            <a:endParaRPr lang="ja-JP" altLang="en-US"/>
           </a:p>
         </p:txBody>
       </p:sp>
@@ -10285,7 +10289,7 @@
         </p:nvSpPr>
         <p:spPr>
           <a:xfrm>
-            <a:off x="6705216" y="3110304"/>
+            <a:off x="6705216" y="1660916"/>
             <a:ext cx="360000" cy="360000"/>
           </a:xfrm>
           <a:prstGeom prst="rect">
@@ -10323,7 +10327,7 @@
           <a:lstStyle/>
           <a:p>
             <a:pPr algn="ctr"/>
-            <a:endParaRPr kumimoji="1" lang="ja-JP" altLang="en-US"/>
+            <a:endParaRPr lang="ja-JP" altLang="en-US"/>
           </a:p>
         </p:txBody>
       </p:sp>
@@ -10335,7 +10339,7 @@
         </p:nvSpPr>
         <p:spPr>
           <a:xfrm>
-            <a:off x="6705216" y="3470304"/>
+            <a:off x="6705216" y="2020916"/>
             <a:ext cx="360000" cy="360000"/>
           </a:xfrm>
           <a:prstGeom prst="rect">
@@ -10374,7 +10378,7 @@
           <a:lstStyle/>
           <a:p>
             <a:pPr algn="ctr"/>
-            <a:endParaRPr kumimoji="1" lang="ja-JP" altLang="en-US"/>
+            <a:endParaRPr lang="ja-JP" altLang="en-US"/>
           </a:p>
         </p:txBody>
       </p:sp>
@@ -10386,7 +10390,7 @@
         </p:nvSpPr>
         <p:spPr>
           <a:xfrm>
-            <a:off x="6705216" y="3830304"/>
+            <a:off x="6705216" y="2380916"/>
             <a:ext cx="360000" cy="360000"/>
           </a:xfrm>
           <a:prstGeom prst="rect">
@@ -10424,7 +10428,7 @@
           <a:lstStyle/>
           <a:p>
             <a:pPr algn="ctr"/>
-            <a:endParaRPr kumimoji="1" lang="ja-JP" altLang="en-US"/>
+            <a:endParaRPr lang="ja-JP" altLang="en-US"/>
           </a:p>
         </p:txBody>
       </p:sp>
@@ -10436,7 +10440,7 @@
         </p:nvSpPr>
         <p:spPr>
           <a:xfrm>
-            <a:off x="6705216" y="4190304"/>
+            <a:off x="6705216" y="2740916"/>
             <a:ext cx="360000" cy="360000"/>
           </a:xfrm>
           <a:prstGeom prst="rect">
@@ -10475,7 +10479,7 @@
           <a:lstStyle/>
           <a:p>
             <a:pPr algn="ctr"/>
-            <a:endParaRPr kumimoji="1" lang="ja-JP" altLang="en-US"/>
+            <a:endParaRPr lang="ja-JP" altLang="en-US"/>
           </a:p>
         </p:txBody>
       </p:sp>
@@ -10487,7 +10491,7 @@
         </p:nvSpPr>
         <p:spPr>
           <a:xfrm>
-            <a:off x="6705216" y="1670304"/>
+            <a:off x="6705216" y="220916"/>
             <a:ext cx="360000" cy="360000"/>
           </a:xfrm>
           <a:prstGeom prst="rect">
@@ -10525,7 +10529,7 @@
           <a:lstStyle/>
           <a:p>
             <a:pPr algn="ctr"/>
-            <a:endParaRPr kumimoji="1" lang="ja-JP" altLang="en-US"/>
+            <a:endParaRPr lang="ja-JP" altLang="en-US"/>
           </a:p>
         </p:txBody>
       </p:sp>
@@ -10537,7 +10541,7 @@
         </p:nvSpPr>
         <p:spPr>
           <a:xfrm>
-            <a:off x="7065216" y="1670304"/>
+            <a:off x="7065216" y="220916"/>
             <a:ext cx="360000" cy="360000"/>
           </a:xfrm>
           <a:prstGeom prst="rect">
@@ -10576,7 +10580,7 @@
           <a:lstStyle/>
           <a:p>
             <a:pPr algn="ctr"/>
-            <a:endParaRPr kumimoji="1" lang="ja-JP" altLang="en-US"/>
+            <a:endParaRPr lang="ja-JP" altLang="en-US"/>
           </a:p>
         </p:txBody>
       </p:sp>
@@ -10588,7 +10592,7 @@
         </p:nvSpPr>
         <p:spPr>
           <a:xfrm>
-            <a:off x="7065216" y="2030304"/>
+            <a:off x="7065216" y="580916"/>
             <a:ext cx="360000" cy="360000"/>
           </a:xfrm>
           <a:prstGeom prst="rect">
@@ -10626,7 +10630,7 @@
           <a:lstStyle/>
           <a:p>
             <a:pPr algn="ctr"/>
-            <a:endParaRPr kumimoji="1" lang="ja-JP" altLang="en-US"/>
+            <a:endParaRPr lang="ja-JP" altLang="en-US"/>
           </a:p>
         </p:txBody>
       </p:sp>
@@ -10638,7 +10642,7 @@
         </p:nvSpPr>
         <p:spPr>
           <a:xfrm>
-            <a:off x="7065216" y="2390304"/>
+            <a:off x="7065216" y="940916"/>
             <a:ext cx="360000" cy="360000"/>
           </a:xfrm>
           <a:prstGeom prst="rect">
@@ -10677,7 +10681,7 @@
           <a:lstStyle/>
           <a:p>
             <a:pPr algn="ctr"/>
-            <a:endParaRPr kumimoji="1" lang="ja-JP" altLang="en-US"/>
+            <a:endParaRPr lang="ja-JP" altLang="en-US"/>
           </a:p>
         </p:txBody>
       </p:sp>
@@ -10689,7 +10693,7 @@
         </p:nvSpPr>
         <p:spPr>
           <a:xfrm>
-            <a:off x="7065216" y="2750304"/>
+            <a:off x="7065216" y="1300916"/>
             <a:ext cx="360000" cy="360000"/>
           </a:xfrm>
           <a:prstGeom prst="rect">
@@ -10727,7 +10731,7 @@
           <a:lstStyle/>
           <a:p>
             <a:pPr algn="ctr"/>
-            <a:endParaRPr kumimoji="1" lang="ja-JP" altLang="en-US"/>
+            <a:endParaRPr lang="ja-JP" altLang="en-US"/>
           </a:p>
         </p:txBody>
       </p:sp>
@@ -10739,7 +10743,7 @@
         </p:nvSpPr>
         <p:spPr>
           <a:xfrm>
-            <a:off x="7065216" y="3110304"/>
+            <a:off x="7065216" y="1660916"/>
             <a:ext cx="360000" cy="360000"/>
           </a:xfrm>
           <a:prstGeom prst="rect">
@@ -10778,7 +10782,7 @@
           <a:lstStyle/>
           <a:p>
             <a:pPr algn="ctr"/>
-            <a:endParaRPr kumimoji="1" lang="ja-JP" altLang="en-US"/>
+            <a:endParaRPr lang="ja-JP" altLang="en-US"/>
           </a:p>
         </p:txBody>
       </p:sp>
@@ -10790,7 +10794,7 @@
         </p:nvSpPr>
         <p:spPr>
           <a:xfrm>
-            <a:off x="7065216" y="3470304"/>
+            <a:off x="7065216" y="2020916"/>
             <a:ext cx="360000" cy="360000"/>
           </a:xfrm>
           <a:prstGeom prst="rect">
@@ -10828,7 +10832,7 @@
           <a:lstStyle/>
           <a:p>
             <a:pPr algn="ctr"/>
-            <a:endParaRPr kumimoji="1" lang="ja-JP" altLang="en-US"/>
+            <a:endParaRPr lang="ja-JP" altLang="en-US"/>
           </a:p>
         </p:txBody>
       </p:sp>
@@ -10840,7 +10844,7 @@
         </p:nvSpPr>
         <p:spPr>
           <a:xfrm>
-            <a:off x="7065216" y="3830304"/>
+            <a:off x="7065216" y="2380916"/>
             <a:ext cx="360000" cy="360000"/>
           </a:xfrm>
           <a:prstGeom prst="rect">
@@ -10879,7 +10883,7 @@
           <a:lstStyle/>
           <a:p>
             <a:pPr algn="ctr"/>
-            <a:endParaRPr kumimoji="1" lang="ja-JP" altLang="en-US"/>
+            <a:endParaRPr lang="ja-JP" altLang="en-US"/>
           </a:p>
         </p:txBody>
       </p:sp>
@@ -10891,7 +10895,7 @@
         </p:nvSpPr>
         <p:spPr>
           <a:xfrm>
-            <a:off x="7065216" y="4190304"/>
+            <a:off x="7065216" y="2740916"/>
             <a:ext cx="360000" cy="360000"/>
           </a:xfrm>
           <a:prstGeom prst="rect">
@@ -10929,7 +10933,7 @@
           <a:lstStyle/>
           <a:p>
             <a:pPr algn="ctr"/>
-            <a:endParaRPr kumimoji="1" lang="ja-JP" altLang="en-US"/>
+            <a:endParaRPr lang="ja-JP" altLang="en-US"/>
           </a:p>
         </p:txBody>
       </p:sp>
@@ -10941,7 +10945,7 @@
         </p:nvSpPr>
         <p:spPr>
           <a:xfrm>
-            <a:off x="7425216" y="2030304"/>
+            <a:off x="7425216" y="580916"/>
             <a:ext cx="360000" cy="360000"/>
           </a:xfrm>
           <a:prstGeom prst="rect">
@@ -10980,7 +10984,7 @@
           <a:lstStyle/>
           <a:p>
             <a:pPr algn="ctr"/>
-            <a:endParaRPr kumimoji="1" lang="ja-JP" altLang="en-US"/>
+            <a:endParaRPr lang="ja-JP" altLang="en-US"/>
           </a:p>
         </p:txBody>
       </p:sp>
@@ -10992,7 +10996,7 @@
         </p:nvSpPr>
         <p:spPr>
           <a:xfrm>
-            <a:off x="7425216" y="2390304"/>
+            <a:off x="7425216" y="940916"/>
             <a:ext cx="360000" cy="360000"/>
           </a:xfrm>
           <a:prstGeom prst="rect">
@@ -11030,7 +11034,7 @@
           <a:lstStyle/>
           <a:p>
             <a:pPr algn="ctr"/>
-            <a:endParaRPr kumimoji="1" lang="ja-JP" altLang="en-US"/>
+            <a:endParaRPr lang="ja-JP" altLang="en-US"/>
           </a:p>
         </p:txBody>
       </p:sp>
@@ -11042,7 +11046,7 @@
         </p:nvSpPr>
         <p:spPr>
           <a:xfrm>
-            <a:off x="7425216" y="2750304"/>
+            <a:off x="7425216" y="1300916"/>
             <a:ext cx="360000" cy="360000"/>
           </a:xfrm>
           <a:prstGeom prst="rect">
@@ -11081,7 +11085,7 @@
           <a:lstStyle/>
           <a:p>
             <a:pPr algn="ctr"/>
-            <a:endParaRPr kumimoji="1" lang="ja-JP" altLang="en-US"/>
+            <a:endParaRPr lang="ja-JP" altLang="en-US"/>
           </a:p>
         </p:txBody>
       </p:sp>
@@ -11093,7 +11097,7 @@
         </p:nvSpPr>
         <p:spPr>
           <a:xfrm>
-            <a:off x="7425216" y="3110304"/>
+            <a:off x="7425216" y="1660916"/>
             <a:ext cx="360000" cy="360000"/>
           </a:xfrm>
           <a:prstGeom prst="rect">
@@ -11131,7 +11135,7 @@
           <a:lstStyle/>
           <a:p>
             <a:pPr algn="ctr"/>
-            <a:endParaRPr kumimoji="1" lang="ja-JP" altLang="en-US"/>
+            <a:endParaRPr lang="ja-JP" altLang="en-US"/>
           </a:p>
         </p:txBody>
       </p:sp>
@@ -11143,7 +11147,7 @@
         </p:nvSpPr>
         <p:spPr>
           <a:xfrm>
-            <a:off x="7425216" y="3470304"/>
+            <a:off x="7425216" y="2020916"/>
             <a:ext cx="360000" cy="360000"/>
           </a:xfrm>
           <a:prstGeom prst="rect">
@@ -11182,7 +11186,7 @@
           <a:lstStyle/>
           <a:p>
             <a:pPr algn="ctr"/>
-            <a:endParaRPr kumimoji="1" lang="ja-JP" altLang="en-US"/>
+            <a:endParaRPr lang="ja-JP" altLang="en-US"/>
           </a:p>
         </p:txBody>
       </p:sp>
@@ -11194,7 +11198,7 @@
         </p:nvSpPr>
         <p:spPr>
           <a:xfrm>
-            <a:off x="7425216" y="3830304"/>
+            <a:off x="7425216" y="2380916"/>
             <a:ext cx="360000" cy="360000"/>
           </a:xfrm>
           <a:prstGeom prst="rect">
@@ -11232,7 +11236,7 @@
           <a:lstStyle/>
           <a:p>
             <a:pPr algn="ctr"/>
-            <a:endParaRPr kumimoji="1" lang="ja-JP" altLang="en-US"/>
+            <a:endParaRPr lang="ja-JP" altLang="en-US"/>
           </a:p>
         </p:txBody>
       </p:sp>
@@ -11244,7 +11248,7 @@
         </p:nvSpPr>
         <p:spPr>
           <a:xfrm>
-            <a:off x="7425216" y="4190304"/>
+            <a:off x="7425216" y="2740916"/>
             <a:ext cx="360000" cy="360000"/>
           </a:xfrm>
           <a:prstGeom prst="rect">
@@ -11283,7 +11287,7 @@
           <a:lstStyle/>
           <a:p>
             <a:pPr algn="ctr"/>
-            <a:endParaRPr kumimoji="1" lang="ja-JP" altLang="en-US"/>
+            <a:endParaRPr lang="ja-JP" altLang="en-US"/>
           </a:p>
         </p:txBody>
       </p:sp>
@@ -11295,7 +11299,7 @@
         </p:nvSpPr>
         <p:spPr>
           <a:xfrm>
-            <a:off x="7425216" y="1670304"/>
+            <a:off x="7425216" y="220916"/>
             <a:ext cx="360000" cy="360000"/>
           </a:xfrm>
           <a:prstGeom prst="rect">
@@ -11333,7 +11337,7 @@
           <a:lstStyle/>
           <a:p>
             <a:pPr algn="ctr"/>
-            <a:endParaRPr kumimoji="1" lang="ja-JP" altLang="en-US"/>
+            <a:endParaRPr lang="ja-JP" altLang="en-US"/>
           </a:p>
         </p:txBody>
       </p:sp>
@@ -11345,7 +11349,7 @@
         </p:nvSpPr>
         <p:spPr>
           <a:xfrm>
-            <a:off x="7785216" y="1670304"/>
+            <a:off x="7785216" y="220916"/>
             <a:ext cx="360000" cy="360000"/>
           </a:xfrm>
           <a:prstGeom prst="rect">
@@ -11384,7 +11388,7 @@
           <a:lstStyle/>
           <a:p>
             <a:pPr algn="ctr"/>
-            <a:endParaRPr kumimoji="1" lang="ja-JP" altLang="en-US"/>
+            <a:endParaRPr lang="ja-JP" altLang="en-US"/>
           </a:p>
         </p:txBody>
       </p:sp>
@@ -11396,7 +11400,7 @@
         </p:nvSpPr>
         <p:spPr>
           <a:xfrm>
-            <a:off x="7785216" y="2030304"/>
+            <a:off x="7785216" y="580916"/>
             <a:ext cx="360000" cy="360000"/>
           </a:xfrm>
           <a:prstGeom prst="rect">
@@ -11434,7 +11438,7 @@
           <a:lstStyle/>
           <a:p>
             <a:pPr algn="ctr"/>
-            <a:endParaRPr kumimoji="1" lang="ja-JP" altLang="en-US"/>
+            <a:endParaRPr lang="ja-JP" altLang="en-US"/>
           </a:p>
         </p:txBody>
       </p:sp>
@@ -11446,7 +11450,7 @@
         </p:nvSpPr>
         <p:spPr>
           <a:xfrm>
-            <a:off x="7785216" y="2390304"/>
+            <a:off x="7785216" y="940916"/>
             <a:ext cx="360000" cy="360000"/>
           </a:xfrm>
           <a:prstGeom prst="rect">
@@ -11485,7 +11489,7 @@
           <a:lstStyle/>
           <a:p>
             <a:pPr algn="ctr"/>
-            <a:endParaRPr kumimoji="1" lang="ja-JP" altLang="en-US"/>
+            <a:endParaRPr lang="ja-JP" altLang="en-US"/>
           </a:p>
         </p:txBody>
       </p:sp>
@@ -11497,7 +11501,7 @@
         </p:nvSpPr>
         <p:spPr>
           <a:xfrm>
-            <a:off x="7785216" y="2750304"/>
+            <a:off x="7785216" y="1300916"/>
             <a:ext cx="360000" cy="360000"/>
           </a:xfrm>
           <a:prstGeom prst="rect">
@@ -11535,7 +11539,7 @@
           <a:lstStyle/>
           <a:p>
             <a:pPr algn="ctr"/>
-            <a:endParaRPr kumimoji="1" lang="ja-JP" altLang="en-US"/>
+            <a:endParaRPr lang="ja-JP" altLang="en-US"/>
           </a:p>
         </p:txBody>
       </p:sp>
@@ -11547,7 +11551,7 @@
         </p:nvSpPr>
         <p:spPr>
           <a:xfrm>
-            <a:off x="7785216" y="3110304"/>
+            <a:off x="7785216" y="1660916"/>
             <a:ext cx="360000" cy="360000"/>
           </a:xfrm>
           <a:prstGeom prst="rect">
@@ -11586,7 +11590,7 @@
           <a:lstStyle/>
           <a:p>
             <a:pPr algn="ctr"/>
-            <a:endParaRPr kumimoji="1" lang="ja-JP" altLang="en-US"/>
+            <a:endParaRPr lang="ja-JP" altLang="en-US"/>
           </a:p>
         </p:txBody>
       </p:sp>
@@ -11598,7 +11602,7 @@
         </p:nvSpPr>
         <p:spPr>
           <a:xfrm>
-            <a:off x="7785216" y="3470304"/>
+            <a:off x="7785216" y="2020916"/>
             <a:ext cx="360000" cy="360000"/>
           </a:xfrm>
           <a:prstGeom prst="rect">
@@ -11636,7 +11640,7 @@
           <a:lstStyle/>
           <a:p>
             <a:pPr algn="ctr"/>
-            <a:endParaRPr kumimoji="1" lang="ja-JP" altLang="en-US"/>
+            <a:endParaRPr lang="ja-JP" altLang="en-US"/>
           </a:p>
         </p:txBody>
       </p:sp>
@@ -11648,7 +11652,7 @@
         </p:nvSpPr>
         <p:spPr>
           <a:xfrm>
-            <a:off x="7785216" y="3830304"/>
+            <a:off x="7785216" y="2380916"/>
             <a:ext cx="360000" cy="360000"/>
           </a:xfrm>
           <a:prstGeom prst="rect">
@@ -11687,7 +11691,7 @@
           <a:lstStyle/>
           <a:p>
             <a:pPr algn="ctr"/>
-            <a:endParaRPr kumimoji="1" lang="ja-JP" altLang="en-US"/>
+            <a:endParaRPr lang="ja-JP" altLang="en-US"/>
           </a:p>
         </p:txBody>
       </p:sp>
@@ -11699,7 +11703,7 @@
         </p:nvSpPr>
         <p:spPr>
           <a:xfrm>
-            <a:off x="7785216" y="4190304"/>
+            <a:off x="7785216" y="2740916"/>
             <a:ext cx="360000" cy="360000"/>
           </a:xfrm>
           <a:prstGeom prst="rect">
@@ -11737,7 +11741,7 @@
           <a:lstStyle/>
           <a:p>
             <a:pPr algn="ctr"/>
-            <a:endParaRPr kumimoji="1" lang="ja-JP" altLang="en-US"/>
+            <a:endParaRPr lang="ja-JP" altLang="en-US"/>
           </a:p>
         </p:txBody>
       </p:sp>
@@ -11749,7 +11753,7 @@
         </p:nvSpPr>
         <p:spPr>
           <a:xfrm>
-            <a:off x="8145216" y="2030304"/>
+            <a:off x="8145216" y="580916"/>
             <a:ext cx="360000" cy="360000"/>
           </a:xfrm>
           <a:prstGeom prst="rect">
@@ -11788,7 +11792,7 @@
           <a:lstStyle/>
           <a:p>
             <a:pPr algn="ctr"/>
-            <a:endParaRPr kumimoji="1" lang="ja-JP" altLang="en-US"/>
+            <a:endParaRPr lang="ja-JP" altLang="en-US"/>
           </a:p>
         </p:txBody>
       </p:sp>
@@ -11800,7 +11804,7 @@
         </p:nvSpPr>
         <p:spPr>
           <a:xfrm>
-            <a:off x="8145216" y="2390304"/>
+            <a:off x="8145216" y="940916"/>
             <a:ext cx="360000" cy="360000"/>
           </a:xfrm>
           <a:prstGeom prst="rect">
@@ -11838,7 +11842,7 @@
           <a:lstStyle/>
           <a:p>
             <a:pPr algn="ctr"/>
-            <a:endParaRPr kumimoji="1" lang="ja-JP" altLang="en-US"/>
+            <a:endParaRPr lang="ja-JP" altLang="en-US"/>
           </a:p>
         </p:txBody>
       </p:sp>
@@ -11850,7 +11854,7 @@
         </p:nvSpPr>
         <p:spPr>
           <a:xfrm>
-            <a:off x="8145216" y="2750304"/>
+            <a:off x="8145216" y="1300916"/>
             <a:ext cx="360000" cy="360000"/>
           </a:xfrm>
           <a:prstGeom prst="rect">
@@ -11889,7 +11893,7 @@
           <a:lstStyle/>
           <a:p>
             <a:pPr algn="ctr"/>
-            <a:endParaRPr kumimoji="1" lang="ja-JP" altLang="en-US"/>
+            <a:endParaRPr lang="ja-JP" altLang="en-US"/>
           </a:p>
         </p:txBody>
       </p:sp>
@@ -11901,7 +11905,7 @@
         </p:nvSpPr>
         <p:spPr>
           <a:xfrm>
-            <a:off x="8145216" y="3110304"/>
+            <a:off x="8145216" y="1660916"/>
             <a:ext cx="360000" cy="360000"/>
           </a:xfrm>
           <a:prstGeom prst="rect">
@@ -11939,7 +11943,7 @@
           <a:lstStyle/>
           <a:p>
             <a:pPr algn="ctr"/>
-            <a:endParaRPr kumimoji="1" lang="ja-JP" altLang="en-US"/>
+            <a:endParaRPr lang="ja-JP" altLang="en-US"/>
           </a:p>
         </p:txBody>
       </p:sp>
@@ -11951,7 +11955,7 @@
         </p:nvSpPr>
         <p:spPr>
           <a:xfrm>
-            <a:off x="8145216" y="3470304"/>
+            <a:off x="8145216" y="2020916"/>
             <a:ext cx="360000" cy="360000"/>
           </a:xfrm>
           <a:prstGeom prst="rect">
@@ -11990,7 +11994,7 @@
           <a:lstStyle/>
           <a:p>
             <a:pPr algn="ctr"/>
-            <a:endParaRPr kumimoji="1" lang="ja-JP" altLang="en-US"/>
+            <a:endParaRPr lang="ja-JP" altLang="en-US"/>
           </a:p>
         </p:txBody>
       </p:sp>
@@ -12002,7 +12006,7 @@
         </p:nvSpPr>
         <p:spPr>
           <a:xfrm>
-            <a:off x="8145216" y="3830304"/>
+            <a:off x="8145216" y="2380916"/>
             <a:ext cx="360000" cy="360000"/>
           </a:xfrm>
           <a:prstGeom prst="rect">
@@ -12040,7 +12044,7 @@
           <a:lstStyle/>
           <a:p>
             <a:pPr algn="ctr"/>
-            <a:endParaRPr kumimoji="1" lang="ja-JP" altLang="en-US"/>
+            <a:endParaRPr lang="ja-JP" altLang="en-US"/>
           </a:p>
         </p:txBody>
       </p:sp>
@@ -12052,7 +12056,7 @@
         </p:nvSpPr>
         <p:spPr>
           <a:xfrm>
-            <a:off x="8145216" y="4190304"/>
+            <a:off x="8145216" y="2740916"/>
             <a:ext cx="360000" cy="360000"/>
           </a:xfrm>
           <a:prstGeom prst="rect">
@@ -12091,7 +12095,7 @@
           <a:lstStyle/>
           <a:p>
             <a:pPr algn="ctr"/>
-            <a:endParaRPr kumimoji="1" lang="ja-JP" altLang="en-US"/>
+            <a:endParaRPr lang="ja-JP" altLang="en-US"/>
           </a:p>
         </p:txBody>
       </p:sp>
@@ -12103,7 +12107,7 @@
         </p:nvSpPr>
         <p:spPr>
           <a:xfrm>
-            <a:off x="8145216" y="1670304"/>
+            <a:off x="8145216" y="220916"/>
             <a:ext cx="360000" cy="360000"/>
           </a:xfrm>
           <a:prstGeom prst="rect">
@@ -12141,7 +12145,7 @@
           <a:lstStyle/>
           <a:p>
             <a:pPr algn="ctr"/>
-            <a:endParaRPr kumimoji="1" lang="ja-JP" altLang="en-US"/>
+            <a:endParaRPr lang="ja-JP" altLang="en-US"/>
           </a:p>
         </p:txBody>
       </p:sp>
@@ -12153,7 +12157,7 @@
         </p:nvSpPr>
         <p:spPr>
           <a:xfrm>
-            <a:off x="8505216" y="1670304"/>
+            <a:off x="8505216" y="220916"/>
             <a:ext cx="360000" cy="360000"/>
           </a:xfrm>
           <a:prstGeom prst="rect">
@@ -12192,7 +12196,7 @@
           <a:lstStyle/>
           <a:p>
             <a:pPr algn="ctr"/>
-            <a:endParaRPr kumimoji="1" lang="ja-JP" altLang="en-US"/>
+            <a:endParaRPr lang="ja-JP" altLang="en-US"/>
           </a:p>
         </p:txBody>
       </p:sp>
@@ -12204,7 +12208,7 @@
         </p:nvSpPr>
         <p:spPr>
           <a:xfrm>
-            <a:off x="8505216" y="2030304"/>
+            <a:off x="8505216" y="580916"/>
             <a:ext cx="360000" cy="360000"/>
           </a:xfrm>
           <a:prstGeom prst="rect">
@@ -12242,7 +12246,7 @@
           <a:lstStyle/>
           <a:p>
             <a:pPr algn="ctr"/>
-            <a:endParaRPr kumimoji="1" lang="ja-JP" altLang="en-US"/>
+            <a:endParaRPr lang="ja-JP" altLang="en-US"/>
           </a:p>
         </p:txBody>
       </p:sp>
@@ -12254,7 +12258,7 @@
         </p:nvSpPr>
         <p:spPr>
           <a:xfrm>
-            <a:off x="8505216" y="2390304"/>
+            <a:off x="8505216" y="940916"/>
             <a:ext cx="360000" cy="360000"/>
           </a:xfrm>
           <a:prstGeom prst="rect">
@@ -12293,7 +12297,7 @@
           <a:lstStyle/>
           <a:p>
             <a:pPr algn="ctr"/>
-            <a:endParaRPr kumimoji="1" lang="ja-JP" altLang="en-US"/>
+            <a:endParaRPr lang="ja-JP" altLang="en-US"/>
           </a:p>
         </p:txBody>
       </p:sp>
@@ -12305,7 +12309,7 @@
         </p:nvSpPr>
         <p:spPr>
           <a:xfrm>
-            <a:off x="8505216" y="2750304"/>
+            <a:off x="8505216" y="1300916"/>
             <a:ext cx="360000" cy="360000"/>
           </a:xfrm>
           <a:prstGeom prst="rect">
@@ -12343,7 +12347,7 @@
           <a:lstStyle/>
           <a:p>
             <a:pPr algn="ctr"/>
-            <a:endParaRPr kumimoji="1" lang="ja-JP" altLang="en-US"/>
+            <a:endParaRPr lang="ja-JP" altLang="en-US"/>
           </a:p>
         </p:txBody>
       </p:sp>
@@ -12355,7 +12359,7 @@
         </p:nvSpPr>
         <p:spPr>
           <a:xfrm>
-            <a:off x="8505216" y="3110304"/>
+            <a:off x="8505216" y="1660916"/>
             <a:ext cx="360000" cy="360000"/>
           </a:xfrm>
           <a:prstGeom prst="rect">
@@ -12394,7 +12398,7 @@
           <a:lstStyle/>
           <a:p>
             <a:pPr algn="ctr"/>
-            <a:endParaRPr kumimoji="1" lang="ja-JP" altLang="en-US"/>
+            <a:endParaRPr lang="ja-JP" altLang="en-US"/>
           </a:p>
         </p:txBody>
       </p:sp>
@@ -12406,7 +12410,7 @@
         </p:nvSpPr>
         <p:spPr>
           <a:xfrm>
-            <a:off x="8505216" y="3470304"/>
+            <a:off x="8505216" y="2020916"/>
             <a:ext cx="360000" cy="360000"/>
           </a:xfrm>
           <a:prstGeom prst="rect">
@@ -12444,7 +12448,7 @@
           <a:lstStyle/>
           <a:p>
             <a:pPr algn="ctr"/>
-            <a:endParaRPr kumimoji="1" lang="ja-JP" altLang="en-US"/>
+            <a:endParaRPr lang="ja-JP" altLang="en-US"/>
           </a:p>
         </p:txBody>
       </p:sp>
@@ -12456,7 +12460,7 @@
         </p:nvSpPr>
         <p:spPr>
           <a:xfrm>
-            <a:off x="8505216" y="3830304"/>
+            <a:off x="8505216" y="2380916"/>
             <a:ext cx="360000" cy="360000"/>
           </a:xfrm>
           <a:prstGeom prst="rect">
@@ -12495,7 +12499,7 @@
           <a:lstStyle/>
           <a:p>
             <a:pPr algn="ctr"/>
-            <a:endParaRPr kumimoji="1" lang="ja-JP" altLang="en-US"/>
+            <a:endParaRPr lang="ja-JP" altLang="en-US"/>
           </a:p>
         </p:txBody>
       </p:sp>
@@ -12507,7 +12511,7 @@
         </p:nvSpPr>
         <p:spPr>
           <a:xfrm>
-            <a:off x="8505216" y="4190304"/>
+            <a:off x="8505216" y="2740916"/>
             <a:ext cx="360000" cy="360000"/>
           </a:xfrm>
           <a:prstGeom prst="rect">
@@ -12545,7 +12549,7 @@
           <a:lstStyle/>
           <a:p>
             <a:pPr algn="ctr"/>
-            <a:endParaRPr kumimoji="1" lang="ja-JP" altLang="en-US"/>
+            <a:endParaRPr lang="ja-JP" altLang="en-US"/>
           </a:p>
         </p:txBody>
       </p:sp>
@@ -12557,7 +12561,7 @@
         </p:nvSpPr>
         <p:spPr>
           <a:xfrm>
-            <a:off x="8865216" y="2030304"/>
+            <a:off x="8865216" y="580916"/>
             <a:ext cx="360000" cy="360000"/>
           </a:xfrm>
           <a:prstGeom prst="rect">
@@ -12596,7 +12600,7 @@
           <a:lstStyle/>
           <a:p>
             <a:pPr algn="ctr"/>
-            <a:endParaRPr kumimoji="1" lang="ja-JP" altLang="en-US"/>
+            <a:endParaRPr lang="ja-JP" altLang="en-US"/>
           </a:p>
         </p:txBody>
       </p:sp>
@@ -12608,7 +12612,7 @@
         </p:nvSpPr>
         <p:spPr>
           <a:xfrm>
-            <a:off x="8865216" y="2390304"/>
+            <a:off x="8865216" y="940916"/>
             <a:ext cx="360000" cy="360000"/>
           </a:xfrm>
           <a:prstGeom prst="rect">
@@ -12646,7 +12650,7 @@
           <a:lstStyle/>
           <a:p>
             <a:pPr algn="ctr"/>
-            <a:endParaRPr kumimoji="1" lang="ja-JP" altLang="en-US"/>
+            <a:endParaRPr lang="ja-JP" altLang="en-US"/>
           </a:p>
         </p:txBody>
       </p:sp>
@@ -12658,7 +12662,7 @@
         </p:nvSpPr>
         <p:spPr>
           <a:xfrm>
-            <a:off x="8865216" y="2750304"/>
+            <a:off x="8865216" y="1300916"/>
             <a:ext cx="360000" cy="360000"/>
           </a:xfrm>
           <a:prstGeom prst="rect">
@@ -12697,7 +12701,7 @@
           <a:lstStyle/>
           <a:p>
             <a:pPr algn="ctr"/>
-            <a:endParaRPr kumimoji="1" lang="ja-JP" altLang="en-US"/>
+            <a:endParaRPr lang="ja-JP" altLang="en-US"/>
           </a:p>
         </p:txBody>
       </p:sp>
@@ -12709,7 +12713,7 @@
         </p:nvSpPr>
         <p:spPr>
           <a:xfrm>
-            <a:off x="8865216" y="3110304"/>
+            <a:off x="8865216" y="1660916"/>
             <a:ext cx="360000" cy="360000"/>
           </a:xfrm>
           <a:prstGeom prst="rect">
@@ -12747,7 +12751,7 @@
           <a:lstStyle/>
           <a:p>
             <a:pPr algn="ctr"/>
-            <a:endParaRPr kumimoji="1" lang="ja-JP" altLang="en-US"/>
+            <a:endParaRPr lang="ja-JP" altLang="en-US"/>
           </a:p>
         </p:txBody>
       </p:sp>
@@ -12759,7 +12763,7 @@
         </p:nvSpPr>
         <p:spPr>
           <a:xfrm>
-            <a:off x="8865216" y="3470304"/>
+            <a:off x="8865216" y="2020916"/>
             <a:ext cx="360000" cy="360000"/>
           </a:xfrm>
           <a:prstGeom prst="rect">
@@ -12798,7 +12802,7 @@
           <a:lstStyle/>
           <a:p>
             <a:pPr algn="ctr"/>
-            <a:endParaRPr kumimoji="1" lang="ja-JP" altLang="en-US"/>
+            <a:endParaRPr lang="ja-JP" altLang="en-US"/>
           </a:p>
         </p:txBody>
       </p:sp>
@@ -12810,7 +12814,7 @@
         </p:nvSpPr>
         <p:spPr>
           <a:xfrm>
-            <a:off x="8865216" y="3830304"/>
+            <a:off x="8865216" y="2380916"/>
             <a:ext cx="360000" cy="360000"/>
           </a:xfrm>
           <a:prstGeom prst="rect">
@@ -12848,7 +12852,7 @@
           <a:lstStyle/>
           <a:p>
             <a:pPr algn="ctr"/>
-            <a:endParaRPr kumimoji="1" lang="ja-JP" altLang="en-US"/>
+            <a:endParaRPr lang="ja-JP" altLang="en-US"/>
           </a:p>
         </p:txBody>
       </p:sp>
@@ -12860,7 +12864,7 @@
         </p:nvSpPr>
         <p:spPr>
           <a:xfrm>
-            <a:off x="8865216" y="4190304"/>
+            <a:off x="8865216" y="2740916"/>
             <a:ext cx="360000" cy="360000"/>
           </a:xfrm>
           <a:prstGeom prst="rect">
@@ -12899,7 +12903,7 @@
           <a:lstStyle/>
           <a:p>
             <a:pPr algn="ctr"/>
-            <a:endParaRPr kumimoji="1" lang="ja-JP" altLang="en-US"/>
+            <a:endParaRPr lang="ja-JP" altLang="en-US"/>
           </a:p>
         </p:txBody>
       </p:sp>
@@ -12911,7 +12915,7 @@
         </p:nvSpPr>
         <p:spPr>
           <a:xfrm>
-            <a:off x="8865216" y="1670304"/>
+            <a:off x="8865216" y="220916"/>
             <a:ext cx="360000" cy="360000"/>
           </a:xfrm>
           <a:prstGeom prst="rect">
@@ -12949,7 +12953,7 @@
           <a:lstStyle/>
           <a:p>
             <a:pPr algn="ctr"/>
-            <a:endParaRPr kumimoji="1" lang="ja-JP" altLang="en-US"/>
+            <a:endParaRPr lang="ja-JP" altLang="en-US"/>
           </a:p>
         </p:txBody>
       </p:sp>
@@ -12961,7 +12965,7 @@
         </p:nvSpPr>
         <p:spPr>
           <a:xfrm>
-            <a:off x="9225216" y="1670304"/>
+            <a:off x="9225216" y="220916"/>
             <a:ext cx="360000" cy="360000"/>
           </a:xfrm>
           <a:prstGeom prst="rect">
@@ -13000,7 +13004,7 @@
           <a:lstStyle/>
           <a:p>
             <a:pPr algn="ctr"/>
-            <a:endParaRPr kumimoji="1" lang="ja-JP" altLang="en-US"/>
+            <a:endParaRPr lang="ja-JP" altLang="en-US"/>
           </a:p>
         </p:txBody>
       </p:sp>
@@ -13012,7 +13016,7 @@
         </p:nvSpPr>
         <p:spPr>
           <a:xfrm>
-            <a:off x="9225216" y="2030304"/>
+            <a:off x="9225216" y="580916"/>
             <a:ext cx="360000" cy="360000"/>
           </a:xfrm>
           <a:prstGeom prst="rect">
@@ -13050,7 +13054,7 @@
           <a:lstStyle/>
           <a:p>
             <a:pPr algn="ctr"/>
-            <a:endParaRPr kumimoji="1" lang="ja-JP" altLang="en-US"/>
+            <a:endParaRPr lang="ja-JP" altLang="en-US"/>
           </a:p>
         </p:txBody>
       </p:sp>
@@ -13062,7 +13066,7 @@
         </p:nvSpPr>
         <p:spPr>
           <a:xfrm>
-            <a:off x="9225216" y="2390304"/>
+            <a:off x="9225216" y="940916"/>
             <a:ext cx="360000" cy="360000"/>
           </a:xfrm>
           <a:prstGeom prst="rect">
@@ -13101,7 +13105,7 @@
           <a:lstStyle/>
           <a:p>
             <a:pPr algn="ctr"/>
-            <a:endParaRPr kumimoji="1" lang="ja-JP" altLang="en-US"/>
+            <a:endParaRPr lang="ja-JP" altLang="en-US"/>
           </a:p>
         </p:txBody>
       </p:sp>
@@ -13113,7 +13117,7 @@
         </p:nvSpPr>
         <p:spPr>
           <a:xfrm>
-            <a:off x="9225216" y="2750304"/>
+            <a:off x="9225216" y="1300916"/>
             <a:ext cx="360000" cy="360000"/>
           </a:xfrm>
           <a:prstGeom prst="rect">
@@ -13151,7 +13155,7 @@
           <a:lstStyle/>
           <a:p>
             <a:pPr algn="ctr"/>
-            <a:endParaRPr kumimoji="1" lang="ja-JP" altLang="en-US"/>
+            <a:endParaRPr lang="ja-JP" altLang="en-US"/>
           </a:p>
         </p:txBody>
       </p:sp>
@@ -13163,7 +13167,7 @@
         </p:nvSpPr>
         <p:spPr>
           <a:xfrm>
-            <a:off x="9225216" y="3110304"/>
+            <a:off x="9225216" y="1660916"/>
             <a:ext cx="360000" cy="360000"/>
           </a:xfrm>
           <a:prstGeom prst="rect">
@@ -13202,7 +13206,7 @@
           <a:lstStyle/>
           <a:p>
             <a:pPr algn="ctr"/>
-            <a:endParaRPr kumimoji="1" lang="ja-JP" altLang="en-US"/>
+            <a:endParaRPr lang="ja-JP" altLang="en-US"/>
           </a:p>
         </p:txBody>
       </p:sp>
@@ -13214,7 +13218,7 @@
         </p:nvSpPr>
         <p:spPr>
           <a:xfrm>
-            <a:off x="9225216" y="3470304"/>
+            <a:off x="9225216" y="2020916"/>
             <a:ext cx="360000" cy="360000"/>
           </a:xfrm>
           <a:prstGeom prst="rect">
@@ -13252,7 +13256,7 @@
           <a:lstStyle/>
           <a:p>
             <a:pPr algn="ctr"/>
-            <a:endParaRPr kumimoji="1" lang="ja-JP" altLang="en-US"/>
+            <a:endParaRPr lang="ja-JP" altLang="en-US"/>
           </a:p>
         </p:txBody>
       </p:sp>
@@ -13264,7 +13268,7 @@
         </p:nvSpPr>
         <p:spPr>
           <a:xfrm>
-            <a:off x="9225216" y="3830304"/>
+            <a:off x="9225216" y="2380916"/>
             <a:ext cx="360000" cy="360000"/>
           </a:xfrm>
           <a:prstGeom prst="rect">
@@ -13303,7 +13307,7 @@
           <a:lstStyle/>
           <a:p>
             <a:pPr algn="ctr"/>
-            <a:endParaRPr kumimoji="1" lang="ja-JP" altLang="en-US"/>
+            <a:endParaRPr lang="ja-JP" altLang="en-US"/>
           </a:p>
         </p:txBody>
       </p:sp>
@@ -13315,7 +13319,7 @@
         </p:nvSpPr>
         <p:spPr>
           <a:xfrm>
-            <a:off x="9225216" y="4190304"/>
+            <a:off x="9225216" y="2740916"/>
             <a:ext cx="360000" cy="360000"/>
           </a:xfrm>
           <a:prstGeom prst="rect">
@@ -13353,7 +13357,7 @@
           <a:lstStyle/>
           <a:p>
             <a:pPr algn="ctr"/>
-            <a:endParaRPr kumimoji="1" lang="ja-JP" altLang="en-US"/>
+            <a:endParaRPr lang="ja-JP" altLang="en-US"/>
           </a:p>
         </p:txBody>
       </p:sp>
@@ -13365,7 +13369,7 @@
         </p:nvSpPr>
         <p:spPr>
           <a:xfrm>
-            <a:off x="9585216" y="2030304"/>
+            <a:off x="9585216" y="580916"/>
             <a:ext cx="360000" cy="360000"/>
           </a:xfrm>
           <a:prstGeom prst="rect">
@@ -13404,7 +13408,7 @@
           <a:lstStyle/>
           <a:p>
             <a:pPr algn="ctr"/>
-            <a:endParaRPr kumimoji="1" lang="ja-JP" altLang="en-US"/>
+            <a:endParaRPr lang="ja-JP" altLang="en-US"/>
           </a:p>
         </p:txBody>
       </p:sp>
@@ -13416,7 +13420,7 @@
         </p:nvSpPr>
         <p:spPr>
           <a:xfrm>
-            <a:off x="9585216" y="2390304"/>
+            <a:off x="9585216" y="940916"/>
             <a:ext cx="360000" cy="360000"/>
           </a:xfrm>
           <a:prstGeom prst="rect">
@@ -13454,7 +13458,7 @@
           <a:lstStyle/>
           <a:p>
             <a:pPr algn="ctr"/>
-            <a:endParaRPr kumimoji="1" lang="ja-JP" altLang="en-US"/>
+            <a:endParaRPr lang="ja-JP" altLang="en-US"/>
           </a:p>
         </p:txBody>
       </p:sp>
@@ -13466,7 +13470,7 @@
         </p:nvSpPr>
         <p:spPr>
           <a:xfrm>
-            <a:off x="9585216" y="2750304"/>
+            <a:off x="9585216" y="1300916"/>
             <a:ext cx="360000" cy="360000"/>
           </a:xfrm>
           <a:prstGeom prst="rect">
@@ -13505,7 +13509,7 @@
           <a:lstStyle/>
           <a:p>
             <a:pPr algn="ctr"/>
-            <a:endParaRPr kumimoji="1" lang="ja-JP" altLang="en-US"/>
+            <a:endParaRPr lang="ja-JP" altLang="en-US"/>
           </a:p>
         </p:txBody>
       </p:sp>
@@ -13517,7 +13521,7 @@
         </p:nvSpPr>
         <p:spPr>
           <a:xfrm>
-            <a:off x="9585216" y="3110304"/>
+            <a:off x="9585216" y="1660916"/>
             <a:ext cx="360000" cy="360000"/>
           </a:xfrm>
           <a:prstGeom prst="rect">
@@ -13555,7 +13559,7 @@
           <a:lstStyle/>
           <a:p>
             <a:pPr algn="ctr"/>
-            <a:endParaRPr kumimoji="1" lang="ja-JP" altLang="en-US"/>
+            <a:endParaRPr lang="ja-JP" altLang="en-US"/>
           </a:p>
         </p:txBody>
       </p:sp>
@@ -13567,7 +13571,7 @@
         </p:nvSpPr>
         <p:spPr>
           <a:xfrm>
-            <a:off x="9585216" y="3470304"/>
+            <a:off x="9585216" y="2020916"/>
             <a:ext cx="360000" cy="360000"/>
           </a:xfrm>
           <a:prstGeom prst="rect">
@@ -13606,7 +13610,7 @@
           <a:lstStyle/>
           <a:p>
             <a:pPr algn="ctr"/>
-            <a:endParaRPr kumimoji="1" lang="ja-JP" altLang="en-US"/>
+            <a:endParaRPr lang="ja-JP" altLang="en-US"/>
           </a:p>
         </p:txBody>
       </p:sp>
@@ -13618,7 +13622,7 @@
         </p:nvSpPr>
         <p:spPr>
           <a:xfrm>
-            <a:off x="9585216" y="3830304"/>
+            <a:off x="9585216" y="2380916"/>
             <a:ext cx="360000" cy="360000"/>
           </a:xfrm>
           <a:prstGeom prst="rect">
@@ -13656,7 +13660,7 @@
           <a:lstStyle/>
           <a:p>
             <a:pPr algn="ctr"/>
-            <a:endParaRPr kumimoji="1" lang="ja-JP" altLang="en-US"/>
+            <a:endParaRPr lang="ja-JP" altLang="en-US"/>
           </a:p>
         </p:txBody>
       </p:sp>
@@ -13668,7 +13672,7 @@
         </p:nvSpPr>
         <p:spPr>
           <a:xfrm>
-            <a:off x="9585216" y="4190304"/>
+            <a:off x="9585216" y="2740916"/>
             <a:ext cx="360000" cy="360000"/>
           </a:xfrm>
           <a:prstGeom prst="rect">
@@ -13707,7 +13711,7 @@
           <a:lstStyle/>
           <a:p>
             <a:pPr algn="ctr"/>
-            <a:endParaRPr kumimoji="1" lang="ja-JP" altLang="en-US"/>
+            <a:endParaRPr lang="ja-JP" altLang="en-US"/>
           </a:p>
         </p:txBody>
       </p:sp>
@@ -13719,7 +13723,7 @@
         </p:nvSpPr>
         <p:spPr>
           <a:xfrm>
-            <a:off x="9585216" y="1670304"/>
+            <a:off x="9585216" y="220916"/>
             <a:ext cx="360000" cy="360000"/>
           </a:xfrm>
           <a:prstGeom prst="rect">
@@ -13757,7 +13761,7 @@
           <a:lstStyle/>
           <a:p>
             <a:pPr algn="ctr"/>
-            <a:endParaRPr kumimoji="1" lang="ja-JP" altLang="en-US"/>
+            <a:endParaRPr lang="ja-JP" altLang="en-US"/>
           </a:p>
         </p:txBody>
       </p:sp>
@@ -13769,7 +13773,7 @@
         </p:nvSpPr>
         <p:spPr>
           <a:xfrm>
-            <a:off x="9945216" y="1670304"/>
+            <a:off x="9945216" y="220916"/>
             <a:ext cx="360000" cy="360000"/>
           </a:xfrm>
           <a:prstGeom prst="rect">
@@ -13808,7 +13812,7 @@
           <a:lstStyle/>
           <a:p>
             <a:pPr algn="ctr"/>
-            <a:endParaRPr kumimoji="1" lang="ja-JP" altLang="en-US"/>
+            <a:endParaRPr lang="ja-JP" altLang="en-US"/>
           </a:p>
         </p:txBody>
       </p:sp>
@@ -13820,7 +13824,7 @@
         </p:nvSpPr>
         <p:spPr>
           <a:xfrm>
-            <a:off x="9945216" y="2030304"/>
+            <a:off x="9945216" y="580916"/>
             <a:ext cx="360000" cy="360000"/>
           </a:xfrm>
           <a:prstGeom prst="rect">
@@ -13858,7 +13862,7 @@
           <a:lstStyle/>
           <a:p>
             <a:pPr algn="ctr"/>
-            <a:endParaRPr kumimoji="1" lang="ja-JP" altLang="en-US"/>
+            <a:endParaRPr lang="ja-JP" altLang="en-US"/>
           </a:p>
         </p:txBody>
       </p:sp>
@@ -13870,7 +13874,7 @@
         </p:nvSpPr>
         <p:spPr>
           <a:xfrm>
-            <a:off x="9945216" y="2390304"/>
+            <a:off x="9945216" y="940916"/>
             <a:ext cx="360000" cy="360000"/>
           </a:xfrm>
           <a:prstGeom prst="rect">
@@ -13909,7 +13913,7 @@
           <a:lstStyle/>
           <a:p>
             <a:pPr algn="ctr"/>
-            <a:endParaRPr kumimoji="1" lang="ja-JP" altLang="en-US"/>
+            <a:endParaRPr lang="ja-JP" altLang="en-US"/>
           </a:p>
         </p:txBody>
       </p:sp>
@@ -13921,7 +13925,7 @@
         </p:nvSpPr>
         <p:spPr>
           <a:xfrm>
-            <a:off x="9945216" y="2750304"/>
+            <a:off x="9945216" y="1300916"/>
             <a:ext cx="360000" cy="360000"/>
           </a:xfrm>
           <a:prstGeom prst="rect">
@@ -13959,7 +13963,7 @@
           <a:lstStyle/>
           <a:p>
             <a:pPr algn="ctr"/>
-            <a:endParaRPr kumimoji="1" lang="ja-JP" altLang="en-US"/>
+            <a:endParaRPr lang="ja-JP" altLang="en-US"/>
           </a:p>
         </p:txBody>
       </p:sp>
@@ -13971,7 +13975,7 @@
         </p:nvSpPr>
         <p:spPr>
           <a:xfrm>
-            <a:off x="9945216" y="3110304"/>
+            <a:off x="9945216" y="1660916"/>
             <a:ext cx="360000" cy="360000"/>
           </a:xfrm>
           <a:prstGeom prst="rect">
@@ -14010,7 +14014,7 @@
           <a:lstStyle/>
           <a:p>
             <a:pPr algn="ctr"/>
-            <a:endParaRPr kumimoji="1" lang="ja-JP" altLang="en-US"/>
+            <a:endParaRPr lang="ja-JP" altLang="en-US"/>
           </a:p>
         </p:txBody>
       </p:sp>
@@ -14022,7 +14026,7 @@
         </p:nvSpPr>
         <p:spPr>
           <a:xfrm>
-            <a:off x="9945216" y="3470304"/>
+            <a:off x="9945216" y="2020916"/>
             <a:ext cx="360000" cy="360000"/>
           </a:xfrm>
           <a:prstGeom prst="rect">
@@ -14060,7 +14064,7 @@
           <a:lstStyle/>
           <a:p>
             <a:pPr algn="ctr"/>
-            <a:endParaRPr kumimoji="1" lang="ja-JP" altLang="en-US"/>
+            <a:endParaRPr lang="ja-JP" altLang="en-US"/>
           </a:p>
         </p:txBody>
       </p:sp>
@@ -14072,7 +14076,7 @@
         </p:nvSpPr>
         <p:spPr>
           <a:xfrm>
-            <a:off x="9945216" y="3830304"/>
+            <a:off x="9945216" y="2380916"/>
             <a:ext cx="360000" cy="360000"/>
           </a:xfrm>
           <a:prstGeom prst="rect">
@@ -14111,7 +14115,7 @@
           <a:lstStyle/>
           <a:p>
             <a:pPr algn="ctr"/>
-            <a:endParaRPr kumimoji="1" lang="ja-JP" altLang="en-US"/>
+            <a:endParaRPr lang="ja-JP" altLang="en-US"/>
           </a:p>
         </p:txBody>
       </p:sp>
@@ -14123,7 +14127,7 @@
         </p:nvSpPr>
         <p:spPr>
           <a:xfrm>
-            <a:off x="9945216" y="4190304"/>
+            <a:off x="9945216" y="2740916"/>
             <a:ext cx="360000" cy="360000"/>
           </a:xfrm>
           <a:prstGeom prst="rect">
@@ -14161,7 +14165,7 @@
           <a:lstStyle/>
           <a:p>
             <a:pPr algn="ctr"/>
-            <a:endParaRPr kumimoji="1" lang="ja-JP" altLang="en-US"/>
+            <a:endParaRPr lang="ja-JP" altLang="en-US"/>
           </a:p>
         </p:txBody>
       </p:sp>
@@ -14173,7 +14177,7 @@
         </p:nvSpPr>
         <p:spPr>
           <a:xfrm>
-            <a:off x="10305216" y="2030304"/>
+            <a:off x="10305216" y="580916"/>
             <a:ext cx="360000" cy="360000"/>
           </a:xfrm>
           <a:prstGeom prst="rect">
@@ -14212,7 +14216,7 @@
           <a:lstStyle/>
           <a:p>
             <a:pPr algn="ctr"/>
-            <a:endParaRPr kumimoji="1" lang="ja-JP" altLang="en-US"/>
+            <a:endParaRPr lang="ja-JP" altLang="en-US"/>
           </a:p>
         </p:txBody>
       </p:sp>
@@ -14224,7 +14228,7 @@
         </p:nvSpPr>
         <p:spPr>
           <a:xfrm>
-            <a:off x="10305216" y="2390304"/>
+            <a:off x="10305216" y="940916"/>
             <a:ext cx="360000" cy="360000"/>
           </a:xfrm>
           <a:prstGeom prst="rect">
@@ -14262,7 +14266,7 @@
           <a:lstStyle/>
           <a:p>
             <a:pPr algn="ctr"/>
-            <a:endParaRPr kumimoji="1" lang="ja-JP" altLang="en-US"/>
+            <a:endParaRPr lang="ja-JP" altLang="en-US"/>
           </a:p>
         </p:txBody>
       </p:sp>
@@ -14274,7 +14278,7 @@
         </p:nvSpPr>
         <p:spPr>
           <a:xfrm>
-            <a:off x="10305216" y="2750304"/>
+            <a:off x="10305216" y="1300916"/>
             <a:ext cx="360000" cy="360000"/>
           </a:xfrm>
           <a:prstGeom prst="rect">
@@ -14313,7 +14317,7 @@
           <a:lstStyle/>
           <a:p>
             <a:pPr algn="ctr"/>
-            <a:endParaRPr kumimoji="1" lang="ja-JP" altLang="en-US"/>
+            <a:endParaRPr lang="ja-JP" altLang="en-US"/>
           </a:p>
         </p:txBody>
       </p:sp>
@@ -14325,7 +14329,7 @@
         </p:nvSpPr>
         <p:spPr>
           <a:xfrm>
-            <a:off x="10305216" y="3110304"/>
+            <a:off x="10305216" y="1660916"/>
             <a:ext cx="360000" cy="360000"/>
           </a:xfrm>
           <a:prstGeom prst="rect">
@@ -14363,7 +14367,7 @@
           <a:lstStyle/>
           <a:p>
             <a:pPr algn="ctr"/>
-            <a:endParaRPr kumimoji="1" lang="ja-JP" altLang="en-US"/>
+            <a:endParaRPr lang="ja-JP" altLang="en-US"/>
           </a:p>
         </p:txBody>
       </p:sp>
@@ -14375,7 +14379,7 @@
         </p:nvSpPr>
         <p:spPr>
           <a:xfrm>
-            <a:off x="10305216" y="3470304"/>
+            <a:off x="10305216" y="2020916"/>
             <a:ext cx="360000" cy="360000"/>
           </a:xfrm>
           <a:prstGeom prst="rect">
@@ -14414,7 +14418,7 @@
           <a:lstStyle/>
           <a:p>
             <a:pPr algn="ctr"/>
-            <a:endParaRPr kumimoji="1" lang="ja-JP" altLang="en-US"/>
+            <a:endParaRPr lang="ja-JP" altLang="en-US"/>
           </a:p>
         </p:txBody>
       </p:sp>
@@ -14426,7 +14430,7 @@
         </p:nvSpPr>
         <p:spPr>
           <a:xfrm>
-            <a:off x="10305216" y="3830304"/>
+            <a:off x="10305216" y="2380916"/>
             <a:ext cx="360000" cy="360000"/>
           </a:xfrm>
           <a:prstGeom prst="rect">
@@ -14464,7 +14468,7 @@
           <a:lstStyle/>
           <a:p>
             <a:pPr algn="ctr"/>
-            <a:endParaRPr kumimoji="1" lang="ja-JP" altLang="en-US"/>
+            <a:endParaRPr lang="ja-JP" altLang="en-US"/>
           </a:p>
         </p:txBody>
       </p:sp>
@@ -14476,7 +14480,7 @@
         </p:nvSpPr>
         <p:spPr>
           <a:xfrm>
-            <a:off x="10305216" y="4190304"/>
+            <a:off x="10305216" y="2740916"/>
             <a:ext cx="360000" cy="360000"/>
           </a:xfrm>
           <a:prstGeom prst="rect">
@@ -14515,7 +14519,7 @@
           <a:lstStyle/>
           <a:p>
             <a:pPr algn="ctr"/>
-            <a:endParaRPr kumimoji="1" lang="ja-JP" altLang="en-US"/>
+            <a:endParaRPr lang="ja-JP" altLang="en-US"/>
           </a:p>
         </p:txBody>
       </p:sp>
@@ -14527,7 +14531,7 @@
         </p:nvSpPr>
         <p:spPr>
           <a:xfrm>
-            <a:off x="10305216" y="1670304"/>
+            <a:off x="10305216" y="220916"/>
             <a:ext cx="360000" cy="360000"/>
           </a:xfrm>
           <a:prstGeom prst="rect">
@@ -14565,7 +14569,7 @@
           <a:lstStyle/>
           <a:p>
             <a:pPr algn="ctr"/>
-            <a:endParaRPr kumimoji="1" lang="ja-JP" altLang="en-US"/>
+            <a:endParaRPr lang="ja-JP" altLang="en-US"/>
           </a:p>
         </p:txBody>
       </p:sp>
@@ -14577,7 +14581,7 @@
         </p:nvSpPr>
         <p:spPr>
           <a:xfrm>
-            <a:off x="10665216" y="1670304"/>
+            <a:off x="10665216" y="220916"/>
             <a:ext cx="360000" cy="360000"/>
           </a:xfrm>
           <a:prstGeom prst="rect">
@@ -14616,7 +14620,7 @@
           <a:lstStyle/>
           <a:p>
             <a:pPr algn="ctr"/>
-            <a:endParaRPr kumimoji="1" lang="ja-JP" altLang="en-US"/>
+            <a:endParaRPr lang="ja-JP" altLang="en-US"/>
           </a:p>
         </p:txBody>
       </p:sp>
@@ -14628,7 +14632,7 @@
         </p:nvSpPr>
         <p:spPr>
           <a:xfrm>
-            <a:off x="10665216" y="2030304"/>
+            <a:off x="10665216" y="580916"/>
             <a:ext cx="360000" cy="360000"/>
           </a:xfrm>
           <a:prstGeom prst="rect">
@@ -14666,7 +14670,7 @@
           <a:lstStyle/>
           <a:p>
             <a:pPr algn="ctr"/>
-            <a:endParaRPr kumimoji="1" lang="ja-JP" altLang="en-US"/>
+            <a:endParaRPr lang="ja-JP" altLang="en-US"/>
           </a:p>
         </p:txBody>
       </p:sp>
@@ -14678,7 +14682,7 @@
         </p:nvSpPr>
         <p:spPr>
           <a:xfrm>
-            <a:off x="10665216" y="2390304"/>
+            <a:off x="10665216" y="940916"/>
             <a:ext cx="360000" cy="360000"/>
           </a:xfrm>
           <a:prstGeom prst="rect">
@@ -14717,7 +14721,7 @@
           <a:lstStyle/>
           <a:p>
             <a:pPr algn="ctr"/>
-            <a:endParaRPr kumimoji="1" lang="ja-JP" altLang="en-US"/>
+            <a:endParaRPr lang="ja-JP" altLang="en-US"/>
           </a:p>
         </p:txBody>
       </p:sp>
@@ -14729,7 +14733,7 @@
         </p:nvSpPr>
         <p:spPr>
           <a:xfrm>
-            <a:off x="10665216" y="2750304"/>
+            <a:off x="10665216" y="1300916"/>
             <a:ext cx="360000" cy="360000"/>
           </a:xfrm>
           <a:prstGeom prst="rect">
@@ -14767,7 +14771,7 @@
           <a:lstStyle/>
           <a:p>
             <a:pPr algn="ctr"/>
-            <a:endParaRPr kumimoji="1" lang="ja-JP" altLang="en-US"/>
+            <a:endParaRPr lang="ja-JP" altLang="en-US"/>
           </a:p>
         </p:txBody>
       </p:sp>
@@ -14779,7 +14783,7 @@
         </p:nvSpPr>
         <p:spPr>
           <a:xfrm>
-            <a:off x="10665216" y="3110304"/>
+            <a:off x="10665216" y="1660916"/>
             <a:ext cx="360000" cy="360000"/>
           </a:xfrm>
           <a:prstGeom prst="rect">
@@ -14818,7 +14822,7 @@
           <a:lstStyle/>
           <a:p>
             <a:pPr algn="ctr"/>
-            <a:endParaRPr kumimoji="1" lang="ja-JP" altLang="en-US"/>
+            <a:endParaRPr lang="ja-JP" altLang="en-US"/>
           </a:p>
         </p:txBody>
       </p:sp>
@@ -14830,7 +14834,7 @@
         </p:nvSpPr>
         <p:spPr>
           <a:xfrm>
-            <a:off x="10665216" y="3470304"/>
+            <a:off x="10665216" y="2020916"/>
             <a:ext cx="360000" cy="360000"/>
           </a:xfrm>
           <a:prstGeom prst="rect">
@@ -14868,7 +14872,7 @@
           <a:lstStyle/>
           <a:p>
             <a:pPr algn="ctr"/>
-            <a:endParaRPr kumimoji="1" lang="ja-JP" altLang="en-US"/>
+            <a:endParaRPr lang="ja-JP" altLang="en-US"/>
           </a:p>
         </p:txBody>
       </p:sp>
@@ -14880,7 +14884,7 @@
         </p:nvSpPr>
         <p:spPr>
           <a:xfrm>
-            <a:off x="10665216" y="3830304"/>
+            <a:off x="10665216" y="2380916"/>
             <a:ext cx="360000" cy="360000"/>
           </a:xfrm>
           <a:prstGeom prst="rect">
@@ -14919,7 +14923,7 @@
           <a:lstStyle/>
           <a:p>
             <a:pPr algn="ctr"/>
-            <a:endParaRPr kumimoji="1" lang="ja-JP" altLang="en-US"/>
+            <a:endParaRPr lang="ja-JP" altLang="en-US"/>
           </a:p>
         </p:txBody>
       </p:sp>
@@ -14931,7 +14935,7 @@
         </p:nvSpPr>
         <p:spPr>
           <a:xfrm>
-            <a:off x="10665216" y="4190304"/>
+            <a:off x="10665216" y="2740916"/>
             <a:ext cx="360000" cy="360000"/>
           </a:xfrm>
           <a:prstGeom prst="rect">
@@ -14969,7 +14973,7 @@
           <a:lstStyle/>
           <a:p>
             <a:pPr algn="ctr"/>
-            <a:endParaRPr kumimoji="1" lang="ja-JP" altLang="en-US"/>
+            <a:endParaRPr lang="ja-JP" altLang="en-US"/>
           </a:p>
         </p:txBody>
       </p:sp>
@@ -14981,7 +14985,7 @@
         </p:nvSpPr>
         <p:spPr>
           <a:xfrm>
-            <a:off x="11025216" y="2030304"/>
+            <a:off x="11025216" y="580916"/>
             <a:ext cx="360000" cy="360000"/>
           </a:xfrm>
           <a:prstGeom prst="rect">
@@ -15020,7 +15024,7 @@
           <a:lstStyle/>
           <a:p>
             <a:pPr algn="ctr"/>
-            <a:endParaRPr kumimoji="1" lang="ja-JP" altLang="en-US"/>
+            <a:endParaRPr lang="ja-JP" altLang="en-US"/>
           </a:p>
         </p:txBody>
       </p:sp>
@@ -15032,7 +15036,7 @@
         </p:nvSpPr>
         <p:spPr>
           <a:xfrm>
-            <a:off x="11025216" y="2390304"/>
+            <a:off x="11025216" y="940916"/>
             <a:ext cx="360000" cy="360000"/>
           </a:xfrm>
           <a:prstGeom prst="rect">
@@ -15070,7 +15074,7 @@
           <a:lstStyle/>
           <a:p>
             <a:pPr algn="ctr"/>
-            <a:endParaRPr kumimoji="1" lang="ja-JP" altLang="en-US"/>
+            <a:endParaRPr lang="ja-JP" altLang="en-US"/>
           </a:p>
         </p:txBody>
       </p:sp>
@@ -15082,7 +15086,7 @@
         </p:nvSpPr>
         <p:spPr>
           <a:xfrm>
-            <a:off x="11025216" y="2750304"/>
+            <a:off x="11025216" y="1300916"/>
             <a:ext cx="360000" cy="360000"/>
           </a:xfrm>
           <a:prstGeom prst="rect">
@@ -15121,7 +15125,7 @@
           <a:lstStyle/>
           <a:p>
             <a:pPr algn="ctr"/>
-            <a:endParaRPr kumimoji="1" lang="ja-JP" altLang="en-US"/>
+            <a:endParaRPr lang="ja-JP" altLang="en-US"/>
           </a:p>
         </p:txBody>
       </p:sp>
@@ -15133,7 +15137,7 @@
         </p:nvSpPr>
         <p:spPr>
           <a:xfrm>
-            <a:off x="11025216" y="3110304"/>
+            <a:off x="11025216" y="1660916"/>
             <a:ext cx="360000" cy="360000"/>
           </a:xfrm>
           <a:prstGeom prst="rect">
@@ -15171,7 +15175,7 @@
           <a:lstStyle/>
           <a:p>
             <a:pPr algn="ctr"/>
-            <a:endParaRPr kumimoji="1" lang="ja-JP" altLang="en-US"/>
+            <a:endParaRPr lang="ja-JP" altLang="en-US"/>
           </a:p>
         </p:txBody>
       </p:sp>
@@ -15183,7 +15187,7 @@
         </p:nvSpPr>
         <p:spPr>
           <a:xfrm>
-            <a:off x="11025216" y="3470304"/>
+            <a:off x="11025216" y="2020916"/>
             <a:ext cx="360000" cy="360000"/>
           </a:xfrm>
           <a:prstGeom prst="rect">
@@ -15222,7 +15226,7 @@
           <a:lstStyle/>
           <a:p>
             <a:pPr algn="ctr"/>
-            <a:endParaRPr kumimoji="1" lang="ja-JP" altLang="en-US"/>
+            <a:endParaRPr lang="ja-JP" altLang="en-US"/>
           </a:p>
         </p:txBody>
       </p:sp>
@@ -15234,7 +15238,7 @@
         </p:nvSpPr>
         <p:spPr>
           <a:xfrm>
-            <a:off x="11025216" y="3830304"/>
+            <a:off x="11025216" y="2380916"/>
             <a:ext cx="360000" cy="360000"/>
           </a:xfrm>
           <a:prstGeom prst="rect">
@@ -15272,7 +15276,7 @@
           <a:lstStyle/>
           <a:p>
             <a:pPr algn="ctr"/>
-            <a:endParaRPr kumimoji="1" lang="ja-JP" altLang="en-US"/>
+            <a:endParaRPr lang="ja-JP" altLang="en-US"/>
           </a:p>
         </p:txBody>
       </p:sp>
@@ -15284,7 +15288,7 @@
         </p:nvSpPr>
         <p:spPr>
           <a:xfrm>
-            <a:off x="11025216" y="4190304"/>
+            <a:off x="11025216" y="2740916"/>
             <a:ext cx="360000" cy="360000"/>
           </a:xfrm>
           <a:prstGeom prst="rect">
@@ -15323,7 +15327,7 @@
           <a:lstStyle/>
           <a:p>
             <a:pPr algn="ctr"/>
-            <a:endParaRPr kumimoji="1" lang="ja-JP" altLang="en-US"/>
+            <a:endParaRPr lang="ja-JP" altLang="en-US"/>
           </a:p>
         </p:txBody>
       </p:sp>
@@ -15335,7 +15339,7 @@
         </p:nvSpPr>
         <p:spPr>
           <a:xfrm>
-            <a:off x="11025216" y="1670304"/>
+            <a:off x="11025216" y="220916"/>
             <a:ext cx="360000" cy="360000"/>
           </a:xfrm>
           <a:prstGeom prst="rect">
@@ -15373,7 +15377,7 @@
           <a:lstStyle/>
           <a:p>
             <a:pPr algn="ctr"/>
-            <a:endParaRPr kumimoji="1" lang="ja-JP" altLang="en-US"/>
+            <a:endParaRPr lang="ja-JP" altLang="en-US"/>
           </a:p>
         </p:txBody>
       </p:sp>
@@ -15385,7 +15389,7 @@
         </p:nvSpPr>
         <p:spPr>
           <a:xfrm>
-            <a:off x="11385216" y="1670304"/>
+            <a:off x="11385216" y="220916"/>
             <a:ext cx="360000" cy="360000"/>
           </a:xfrm>
           <a:prstGeom prst="rect">
@@ -15424,7 +15428,7 @@
           <a:lstStyle/>
           <a:p>
             <a:pPr algn="ctr"/>
-            <a:endParaRPr kumimoji="1" lang="ja-JP" altLang="en-US"/>
+            <a:endParaRPr lang="ja-JP" altLang="en-US"/>
           </a:p>
         </p:txBody>
       </p:sp>
@@ -15436,7 +15440,7 @@
         </p:nvSpPr>
         <p:spPr>
           <a:xfrm>
-            <a:off x="11385216" y="2030304"/>
+            <a:off x="11385216" y="580916"/>
             <a:ext cx="360000" cy="360000"/>
           </a:xfrm>
           <a:prstGeom prst="rect">
@@ -15474,7 +15478,7 @@
           <a:lstStyle/>
           <a:p>
             <a:pPr algn="ctr"/>
-            <a:endParaRPr kumimoji="1" lang="ja-JP" altLang="en-US"/>
+            <a:endParaRPr lang="ja-JP" altLang="en-US"/>
           </a:p>
         </p:txBody>
       </p:sp>
@@ -15486,7 +15490,7 @@
         </p:nvSpPr>
         <p:spPr>
           <a:xfrm>
-            <a:off x="11385216" y="2390304"/>
+            <a:off x="11385216" y="940916"/>
             <a:ext cx="360000" cy="360000"/>
           </a:xfrm>
           <a:prstGeom prst="rect">
@@ -15525,7 +15529,7 @@
           <a:lstStyle/>
           <a:p>
             <a:pPr algn="ctr"/>
-            <a:endParaRPr kumimoji="1" lang="ja-JP" altLang="en-US"/>
+            <a:endParaRPr lang="ja-JP" altLang="en-US"/>
           </a:p>
         </p:txBody>
       </p:sp>
@@ -15537,7 +15541,7 @@
         </p:nvSpPr>
         <p:spPr>
           <a:xfrm>
-            <a:off x="11385216" y="2750304"/>
+            <a:off x="11385216" y="1300916"/>
             <a:ext cx="360000" cy="360000"/>
           </a:xfrm>
           <a:prstGeom prst="rect">
@@ -15575,7 +15579,7 @@
           <a:lstStyle/>
           <a:p>
             <a:pPr algn="ctr"/>
-            <a:endParaRPr kumimoji="1" lang="ja-JP" altLang="en-US"/>
+            <a:endParaRPr lang="ja-JP" altLang="en-US"/>
           </a:p>
         </p:txBody>
       </p:sp>
@@ -15587,7 +15591,7 @@
         </p:nvSpPr>
         <p:spPr>
           <a:xfrm>
-            <a:off x="11385216" y="3110304"/>
+            <a:off x="11385216" y="1660916"/>
             <a:ext cx="360000" cy="360000"/>
           </a:xfrm>
           <a:prstGeom prst="rect">
@@ -15626,7 +15630,7 @@
           <a:lstStyle/>
           <a:p>
             <a:pPr algn="ctr"/>
-            <a:endParaRPr kumimoji="1" lang="ja-JP" altLang="en-US"/>
+            <a:endParaRPr lang="ja-JP" altLang="en-US"/>
           </a:p>
         </p:txBody>
       </p:sp>
@@ -15638,7 +15642,7 @@
         </p:nvSpPr>
         <p:spPr>
           <a:xfrm>
-            <a:off x="11385216" y="3470304"/>
+            <a:off x="11385216" y="2020916"/>
             <a:ext cx="360000" cy="360000"/>
           </a:xfrm>
           <a:prstGeom prst="rect">
@@ -15676,7 +15680,7 @@
           <a:lstStyle/>
           <a:p>
             <a:pPr algn="ctr"/>
-            <a:endParaRPr kumimoji="1" lang="ja-JP" altLang="en-US"/>
+            <a:endParaRPr lang="ja-JP" altLang="en-US"/>
           </a:p>
         </p:txBody>
       </p:sp>
@@ -15688,7 +15692,7 @@
         </p:nvSpPr>
         <p:spPr>
           <a:xfrm>
-            <a:off x="11385216" y="3830304"/>
+            <a:off x="11385216" y="2380916"/>
             <a:ext cx="360000" cy="360000"/>
           </a:xfrm>
           <a:prstGeom prst="rect">
@@ -15727,7 +15731,7 @@
           <a:lstStyle/>
           <a:p>
             <a:pPr algn="ctr"/>
-            <a:endParaRPr kumimoji="1" lang="ja-JP" altLang="en-US"/>
+            <a:endParaRPr lang="ja-JP" altLang="en-US"/>
           </a:p>
         </p:txBody>
       </p:sp>
@@ -15739,7 +15743,7 @@
         </p:nvSpPr>
         <p:spPr>
           <a:xfrm>
-            <a:off x="11385216" y="4190304"/>
+            <a:off x="11385216" y="2740916"/>
             <a:ext cx="360000" cy="360000"/>
           </a:xfrm>
           <a:prstGeom prst="rect">
@@ -15777,7 +15781,7 @@
           <a:lstStyle/>
           <a:p>
             <a:pPr algn="ctr"/>
-            <a:endParaRPr kumimoji="1" lang="ja-JP" altLang="en-US"/>
+            <a:endParaRPr lang="ja-JP" altLang="en-US"/>
           </a:p>
         </p:txBody>
       </p:sp>
@@ -15789,7 +15793,7 @@
         </p:nvSpPr>
         <p:spPr>
           <a:xfrm>
-            <a:off x="11745216" y="2030304"/>
+            <a:off x="11745216" y="580916"/>
             <a:ext cx="360000" cy="360000"/>
           </a:xfrm>
           <a:prstGeom prst="rect">
@@ -15828,7 +15832,7 @@
           <a:lstStyle/>
           <a:p>
             <a:pPr algn="ctr"/>
-            <a:endParaRPr kumimoji="1" lang="ja-JP" altLang="en-US"/>
+            <a:endParaRPr lang="ja-JP" altLang="en-US"/>
           </a:p>
         </p:txBody>
       </p:sp>
@@ -15840,7 +15844,7 @@
         </p:nvSpPr>
         <p:spPr>
           <a:xfrm>
-            <a:off x="11745216" y="2390304"/>
+            <a:off x="11745216" y="940916"/>
             <a:ext cx="360000" cy="360000"/>
           </a:xfrm>
           <a:prstGeom prst="rect">
@@ -15878,7 +15882,7 @@
           <a:lstStyle/>
           <a:p>
             <a:pPr algn="ctr"/>
-            <a:endParaRPr kumimoji="1" lang="ja-JP" altLang="en-US"/>
+            <a:endParaRPr lang="ja-JP" altLang="en-US"/>
           </a:p>
         </p:txBody>
       </p:sp>
@@ -15890,7 +15894,7 @@
         </p:nvSpPr>
         <p:spPr>
           <a:xfrm>
-            <a:off x="11745216" y="2750304"/>
+            <a:off x="11745216" y="1300916"/>
             <a:ext cx="360000" cy="360000"/>
           </a:xfrm>
           <a:prstGeom prst="rect">
@@ -15929,7 +15933,7 @@
           <a:lstStyle/>
           <a:p>
             <a:pPr algn="ctr"/>
-            <a:endParaRPr kumimoji="1" lang="ja-JP" altLang="en-US"/>
+            <a:endParaRPr lang="ja-JP" altLang="en-US"/>
           </a:p>
         </p:txBody>
       </p:sp>
@@ -15941,7 +15945,7 @@
         </p:nvSpPr>
         <p:spPr>
           <a:xfrm>
-            <a:off x="11745216" y="3110304"/>
+            <a:off x="11745216" y="1660916"/>
             <a:ext cx="360000" cy="360000"/>
           </a:xfrm>
           <a:prstGeom prst="rect">
@@ -15979,7 +15983,7 @@
           <a:lstStyle/>
           <a:p>
             <a:pPr algn="ctr"/>
-            <a:endParaRPr kumimoji="1" lang="ja-JP" altLang="en-US"/>
+            <a:endParaRPr lang="ja-JP" altLang="en-US"/>
           </a:p>
         </p:txBody>
       </p:sp>
@@ -15991,7 +15995,7 @@
         </p:nvSpPr>
         <p:spPr>
           <a:xfrm>
-            <a:off x="11745216" y="3470304"/>
+            <a:off x="11745216" y="2020916"/>
             <a:ext cx="360000" cy="360000"/>
           </a:xfrm>
           <a:prstGeom prst="rect">
@@ -16030,7 +16034,7 @@
           <a:lstStyle/>
           <a:p>
             <a:pPr algn="ctr"/>
-            <a:endParaRPr kumimoji="1" lang="ja-JP" altLang="en-US"/>
+            <a:endParaRPr lang="ja-JP" altLang="en-US"/>
           </a:p>
         </p:txBody>
       </p:sp>
@@ -16042,7 +16046,7 @@
         </p:nvSpPr>
         <p:spPr>
           <a:xfrm>
-            <a:off x="11745216" y="3830304"/>
+            <a:off x="11745216" y="2380916"/>
             <a:ext cx="360000" cy="360000"/>
           </a:xfrm>
           <a:prstGeom prst="rect">
@@ -16080,7 +16084,7 @@
           <a:lstStyle/>
           <a:p>
             <a:pPr algn="ctr"/>
-            <a:endParaRPr kumimoji="1" lang="ja-JP" altLang="en-US"/>
+            <a:endParaRPr lang="ja-JP" altLang="en-US"/>
           </a:p>
         </p:txBody>
       </p:sp>
@@ -16092,7 +16096,7 @@
         </p:nvSpPr>
         <p:spPr>
           <a:xfrm>
-            <a:off x="11745216" y="4190304"/>
+            <a:off x="11745216" y="2740916"/>
             <a:ext cx="360000" cy="360000"/>
           </a:xfrm>
           <a:prstGeom prst="rect">
@@ -16131,7 +16135,7 @@
           <a:lstStyle/>
           <a:p>
             <a:pPr algn="ctr"/>
-            <a:endParaRPr kumimoji="1" lang="ja-JP" altLang="en-US"/>
+            <a:endParaRPr lang="ja-JP" altLang="en-US"/>
           </a:p>
         </p:txBody>
       </p:sp>
@@ -16143,7 +16147,7 @@
         </p:nvSpPr>
         <p:spPr>
           <a:xfrm>
-            <a:off x="11745216" y="1670304"/>
+            <a:off x="11745216" y="220916"/>
             <a:ext cx="360000" cy="360000"/>
           </a:xfrm>
           <a:prstGeom prst="rect">
@@ -16181,7 +16185,7 @@
           <a:lstStyle/>
           <a:p>
             <a:pPr algn="ctr"/>
-            <a:endParaRPr kumimoji="1" lang="ja-JP" altLang="en-US"/>
+            <a:endParaRPr lang="ja-JP" altLang="en-US"/>
           </a:p>
         </p:txBody>
       </p:sp>
@@ -16190,7 +16194,7 @@
           <p:cNvPr id="476" name="左中かっこ 475">
             <a:extLst>
               <a:ext uri="{FF2B5EF4-FFF2-40B4-BE49-F238E27FC236}">
-                <a16:creationId xmlns:a16="http://schemas.microsoft.com/office/drawing/2014/main" xmlns="" id="{7484E61E-C510-4FF0-978A-471330A22C3C}"/>
+                <a16:creationId xmlns="" xmlns:a16="http://schemas.microsoft.com/office/drawing/2014/main" id="{7484E61E-C510-4FF0-978A-471330A22C3C}"/>
               </a:ext>
             </a:extLst>
           </p:cNvPr>
@@ -16199,7 +16203,7 @@
         </p:nvSpPr>
         <p:spPr>
           <a:xfrm>
-            <a:off x="434118" y="1670304"/>
+            <a:off x="434118" y="220921"/>
             <a:ext cx="151098" cy="2879999"/>
           </a:xfrm>
           <a:prstGeom prst="leftBrace">
@@ -16238,7 +16242,7 @@
           <a:lstStyle/>
           <a:p>
             <a:pPr algn="ctr"/>
-            <a:endParaRPr kumimoji="1" lang="ja-JP" altLang="en-US"/>
+            <a:endParaRPr lang="ja-JP" altLang="en-US"/>
           </a:p>
         </p:txBody>
       </p:sp>
@@ -16249,7 +16253,7 @@
               <p:cNvPr id="477" name="テキスト ボックス 476">
                 <a:extLst>
                   <a:ext uri="{FF2B5EF4-FFF2-40B4-BE49-F238E27FC236}">
-                    <a16:creationId xmlns:a16="http://schemas.microsoft.com/office/drawing/2014/main" xmlns="" id="{6DAFFFD6-997E-4295-8337-371E646493AD}"/>
+                    <a16:creationId xmlns="" xmlns:a16="http://schemas.microsoft.com/office/drawing/2014/main" id="{6DAFFFD6-997E-4295-8337-371E646493AD}"/>
                   </a:ext>
                 </a:extLst>
               </p:cNvPr>
@@ -16258,7 +16262,7 @@
             </p:nvSpPr>
             <p:spPr>
               <a:xfrm>
-                <a:off x="-28902" y="2848693"/>
+                <a:off x="-28902" y="1399305"/>
                 <a:ext cx="434118" cy="523220"/>
               </a:xfrm>
               <a:prstGeom prst="rect">
@@ -16280,13 +16284,13 @@
                     </m:oMathParaPr>
                     <m:oMath xmlns:m="http://schemas.openxmlformats.org/officeDocument/2006/math">
                       <m:r>
-                        <a:rPr kumimoji="1" lang="en-US" altLang="ja-JP" sz="2800" b="0" i="1" smtClean="0">
+                        <a:rPr lang="en-US" altLang="ja-JP" sz="2800" i="1">
                           <a:latin typeface="Cambria Math" panose="02040503050406030204" pitchFamily="18" charset="0"/>
                         </a:rPr>
                         <m:t>2</m:t>
                       </m:r>
                       <m:r>
-                        <a:rPr kumimoji="1" lang="en-US" altLang="ja-JP" sz="2800" b="0" i="1" smtClean="0">
+                        <a:rPr lang="en-US" altLang="ja-JP" sz="2800" i="1">
                           <a:latin typeface="Cambria Math" panose="02040503050406030204" pitchFamily="18" charset="0"/>
                         </a:rPr>
                         <m:t>𝑡</m:t>
@@ -16294,7 +16298,7 @@
                     </m:oMath>
                   </m:oMathPara>
                 </a14:m>
-                <a:endParaRPr kumimoji="1" lang="en-US" altLang="ja-JP" sz="2800" b="0" dirty="0"/>
+                <a:endParaRPr lang="en-US" altLang="ja-JP" sz="2800" dirty="0"/>
               </a:p>
             </p:txBody>
           </p:sp>
@@ -16352,7 +16356,7 @@
         </p:nvSpPr>
         <p:spPr>
           <a:xfrm rot="16200000">
-            <a:off x="6203295" y="-1067776"/>
+            <a:off x="6203295" y="-2517164"/>
             <a:ext cx="283842" cy="11520000"/>
           </a:xfrm>
           <a:prstGeom prst="leftBrace">
@@ -16391,18 +16395,18 @@
           <a:lstStyle/>
           <a:p>
             <a:pPr algn="ctr"/>
-            <a:endParaRPr kumimoji="1" lang="ja-JP" altLang="en-US"/>
-          </a:p>
-        </p:txBody>
-      </p:sp>
-      <mc:AlternateContent xmlns:mc="http://schemas.openxmlformats.org/markup-compatibility/2006">
-        <mc:Choice xmlns:a14="http://schemas.microsoft.com/office/drawing/2010/main" Requires="a14">
+            <a:endParaRPr lang="ja-JP" altLang="en-US"/>
+          </a:p>
+        </p:txBody>
+      </p:sp>
+      <mc:AlternateContent xmlns:mc="http://schemas.openxmlformats.org/markup-compatibility/2006" xmlns:a14="http://schemas.microsoft.com/office/drawing/2010/main">
+        <mc:Choice Requires="a14">
           <p:sp>
             <p:nvSpPr>
               <p:cNvPr id="479" name="テキスト ボックス 478">
                 <a:extLst>
                   <a:ext uri="{FF2B5EF4-FFF2-40B4-BE49-F238E27FC236}">
-                    <a16:creationId xmlns:a16="http://schemas.microsoft.com/office/drawing/2014/main" xmlns="" id="{07010F26-716B-423D-9E77-19B5E202747E}"/>
+                    <a16:creationId xmlns="" xmlns:a16="http://schemas.microsoft.com/office/drawing/2014/main" id="{07010F26-716B-423D-9E77-19B5E202747E}"/>
                   </a:ext>
                 </a:extLst>
               </p:cNvPr>
@@ -16411,7 +16415,7 @@
             </p:nvSpPr>
             <p:spPr>
               <a:xfrm>
-                <a:off x="4545216" y="4932533"/>
+                <a:off x="4545221" y="3483145"/>
                 <a:ext cx="2898855" cy="523220"/>
               </a:xfrm>
               <a:prstGeom prst="rect">
@@ -16433,31 +16437,31 @@
                     </m:oMathParaPr>
                     <m:oMath xmlns:m="http://schemas.openxmlformats.org/officeDocument/2006/math">
                       <m:r>
-                        <a:rPr lang="en-US" altLang="ja-JP" sz="2800" b="0" i="1" dirty="0" smtClean="0">
+                        <a:rPr lang="en-US" altLang="ja-JP" sz="2800" i="1" dirty="0">
                           <a:latin typeface="Cambria Math" panose="02040503050406030204" pitchFamily="18" charset="0"/>
                         </a:rPr>
                         <m:t>2</m:t>
                       </m:r>
                       <m:r>
-                        <a:rPr lang="en-US" altLang="ja-JP" sz="2800" b="0" i="1" dirty="0" smtClean="0">
+                        <a:rPr lang="en-US" altLang="ja-JP" sz="2800" i="1" dirty="0">
                           <a:latin typeface="Cambria Math" panose="02040503050406030204" pitchFamily="18" charset="0"/>
                         </a:rPr>
                         <m:t>𝑠𝑡</m:t>
                       </m:r>
                       <m:r>
-                        <a:rPr lang="en-US" altLang="ja-JP" sz="2800" b="0" i="1" dirty="0" smtClean="0">
+                        <a:rPr lang="en-US" altLang="ja-JP" sz="2800" i="1" dirty="0">
                           <a:latin typeface="Cambria Math" panose="02040503050406030204" pitchFamily="18" charset="0"/>
                         </a:rPr>
                         <m:t>+4</m:t>
                       </m:r>
                       <m:r>
-                        <a:rPr lang="en-US" altLang="ja-JP" sz="2800" b="0" i="1" dirty="0" smtClean="0">
+                        <a:rPr lang="en-US" altLang="ja-JP" sz="2800" i="1" dirty="0">
                           <a:latin typeface="Cambria Math" panose="02040503050406030204" pitchFamily="18" charset="0"/>
                         </a:rPr>
                         <m:t>𝑡</m:t>
                       </m:r>
                       <m:r>
-                        <a:rPr lang="en-US" altLang="ja-JP" sz="2800" b="0" i="0" dirty="0" smtClean="0">
+                        <a:rPr lang="en-US" altLang="ja-JP" sz="2800" dirty="0">
                           <a:latin typeface="Cambria Math" panose="02040503050406030204" pitchFamily="18" charset="0"/>
                         </a:rPr>
                         <m:t>−2</m:t>
@@ -16465,12 +16469,12 @@
                     </m:oMath>
                   </m:oMathPara>
                 </a14:m>
-                <a:endParaRPr kumimoji="1" lang="ja-JP" altLang="en-US" sz="2800" i="1" dirty="0"/>
+                <a:endParaRPr lang="ja-JP" altLang="en-US" sz="2800" i="1" dirty="0"/>
               </a:p>
             </p:txBody>
           </p:sp>
         </mc:Choice>
-        <mc:Fallback>
+        <mc:Fallback xmlns="">
           <p:sp>
             <p:nvSpPr>
               <p:cNvPr id="479" name="テキスト ボックス 478">
@@ -16538,7 +16542,7 @@
 <file path=ppt/theme/theme1.xml><?xml version="1.0" encoding="utf-8"?>
 <a:theme xmlns:a="http://schemas.openxmlformats.org/drawingml/2006/main" name="Office テーマ">
   <a:themeElements>
-    <a:clrScheme name="Office">
+    <a:clrScheme name="Office テーマ">
       <a:dk1>
         <a:sysClr val="windowText" lastClr="000000"/>
       </a:dk1>
@@ -16576,7 +16580,7 @@
         <a:srgbClr val="954F72"/>
       </a:folHlink>
     </a:clrScheme>
-    <a:fontScheme name="Office">
+    <a:fontScheme name="Office テーマ">
       <a:majorFont>
         <a:latin typeface="Calibri Light" panose="020F0302020204030204"/>
         <a:ea typeface=""/>
@@ -16648,7 +16652,7 @@
         <a:font script="Geor" typeface="Sylfaen"/>
       </a:minorFont>
     </a:fontScheme>
-    <a:fmtScheme name="Office">
+    <a:fmtScheme name="Office テーマ">
       <a:fillStyleLst>
         <a:solidFill>
           <a:schemeClr val="phClr"/>
